--- a/NearChatDocs/NearChat Deliverable #7 Design Slide.pptx
+++ b/NearChatDocs/NearChat Deliverable #7 Design Slide.pptx
@@ -1,30 +1,30 @@
 
 <file path=ppt/presentation.xml><?xml version="1.0" encoding="utf-8"?>
-<p:presentation xmlns:a="http://schemas.openxmlformats.org/drawingml/2006/main" xmlns:r="http://schemas.openxmlformats.org/officeDocument/2006/relationships" xmlns:mc="http://schemas.openxmlformats.org/markup-compatibility/2006" xmlns:mv="urn:schemas-microsoft-com:mac:vml" xmlns:p="http://schemas.openxmlformats.org/presentationml/2006/main" xmlns:c="http://schemas.openxmlformats.org/drawingml/2006/chart" xmlns:dgm="http://schemas.openxmlformats.org/drawingml/2006/diagram" xmlns:o="urn:schemas-microsoft-com:office:office" xmlns:v="urn:schemas-microsoft-com:vml" xmlns:pvml="urn:schemas-microsoft-com:office:powerpoint" xmlns:com="http://schemas.openxmlformats.org/drawingml/2006/compatibility" xmlns:p14="http://schemas.microsoft.com/office/powerpoint/2010/main" xmlns:p15="http://schemas.microsoft.com/office/powerpoint/2012/main" xmlns:ahyp="http://schemas.microsoft.com/office/drawing/2018/hyperlinkcolor" autoCompressPictures="0" strictFirstAndLastChars="0" saveSubsetFonts="1">
+<p:presentation xmlns:a="http://schemas.openxmlformats.org/drawingml/2006/main" xmlns:r="http://schemas.openxmlformats.org/officeDocument/2006/relationships" xmlns:p="http://schemas.openxmlformats.org/presentationml/2006/main" strictFirstAndLastChars="0" saveSubsetFonts="1" autoCompressPictures="0">
   <p:sldMasterIdLst>
-    <p:sldMasterId id="2147483659" r:id="rId4"/>
+    <p:sldMasterId id="2147483659" r:id="rId1"/>
   </p:sldMasterIdLst>
   <p:notesMasterIdLst>
-    <p:notesMasterId r:id="rId5"/>
+    <p:notesMasterId r:id="rId14"/>
   </p:notesMasterIdLst>
   <p:sldIdLst>
-    <p:sldId id="256" r:id="rId6"/>
-    <p:sldId id="257" r:id="rId7"/>
-    <p:sldId id="258" r:id="rId8"/>
-    <p:sldId id="259" r:id="rId9"/>
-    <p:sldId id="260" r:id="rId10"/>
-    <p:sldId id="261" r:id="rId11"/>
-    <p:sldId id="262" r:id="rId12"/>
-    <p:sldId id="263" r:id="rId13"/>
-    <p:sldId id="264" r:id="rId14"/>
-    <p:sldId id="265" r:id="rId15"/>
-    <p:sldId id="266" r:id="rId16"/>
-    <p:sldId id="267" r:id="rId17"/>
+    <p:sldId id="256" r:id="rId2"/>
+    <p:sldId id="257" r:id="rId3"/>
+    <p:sldId id="258" r:id="rId4"/>
+    <p:sldId id="259" r:id="rId5"/>
+    <p:sldId id="260" r:id="rId6"/>
+    <p:sldId id="261" r:id="rId7"/>
+    <p:sldId id="262" r:id="rId8"/>
+    <p:sldId id="263" r:id="rId9"/>
+    <p:sldId id="264" r:id="rId10"/>
+    <p:sldId id="265" r:id="rId11"/>
+    <p:sldId id="266" r:id="rId12"/>
+    <p:sldId id="267" r:id="rId13"/>
   </p:sldIdLst>
-  <p:sldSz cy="5143500" cx="9144000"/>
+  <p:sldSz cx="9144000" cy="5143500" type="screen16x9"/>
   <p:notesSz cx="6858000" cy="9144000"/>
   <p:defaultTextStyle>
-    <a:defPPr lvl="0" marR="0" rtl="0" algn="l">
+    <a:defPPr marR="0" lvl="0" algn="l" rtl="0">
       <a:lnSpc>
         <a:spcPct val="100000"/>
       </a:lnSpc>
@@ -35,7 +35,7 @@
         <a:spcPts val="0"/>
       </a:spcAft>
     </a:defPPr>
-    <a:lvl1pPr lvl="0" marR="0" rtl="0" algn="l">
+    <a:lvl1pPr marR="0" lvl="0" algn="l" rtl="0">
       <a:lnSpc>
         <a:spcPct val="100000"/>
       </a:lnSpc>
@@ -49,7 +49,7 @@
         <a:srgbClr val="000000"/>
       </a:buClr>
       <a:buFont typeface="Arial"/>
-      <a:defRPr b="0" i="0" sz="1400" u="none" cap="none" strike="noStrike">
+      <a:defRPr sz="1400" b="0" i="0" u="none" strike="noStrike" cap="none">
         <a:solidFill>
           <a:srgbClr val="000000"/>
         </a:solidFill>
@@ -59,7 +59,7 @@
         <a:sym typeface="Arial"/>
       </a:defRPr>
     </a:lvl1pPr>
-    <a:lvl2pPr lvl="1" marR="0" rtl="0" algn="l">
+    <a:lvl2pPr marR="0" lvl="1" algn="l" rtl="0">
       <a:lnSpc>
         <a:spcPct val="100000"/>
       </a:lnSpc>
@@ -73,7 +73,7 @@
         <a:srgbClr val="000000"/>
       </a:buClr>
       <a:buFont typeface="Arial"/>
-      <a:defRPr b="0" i="0" sz="1400" u="none" cap="none" strike="noStrike">
+      <a:defRPr sz="1400" b="0" i="0" u="none" strike="noStrike" cap="none">
         <a:solidFill>
           <a:srgbClr val="000000"/>
         </a:solidFill>
@@ -83,7 +83,7 @@
         <a:sym typeface="Arial"/>
       </a:defRPr>
     </a:lvl2pPr>
-    <a:lvl3pPr lvl="2" marR="0" rtl="0" algn="l">
+    <a:lvl3pPr marR="0" lvl="2" algn="l" rtl="0">
       <a:lnSpc>
         <a:spcPct val="100000"/>
       </a:lnSpc>
@@ -97,7 +97,7 @@
         <a:srgbClr val="000000"/>
       </a:buClr>
       <a:buFont typeface="Arial"/>
-      <a:defRPr b="0" i="0" sz="1400" u="none" cap="none" strike="noStrike">
+      <a:defRPr sz="1400" b="0" i="0" u="none" strike="noStrike" cap="none">
         <a:solidFill>
           <a:srgbClr val="000000"/>
         </a:solidFill>
@@ -107,7 +107,7 @@
         <a:sym typeface="Arial"/>
       </a:defRPr>
     </a:lvl3pPr>
-    <a:lvl4pPr lvl="3" marR="0" rtl="0" algn="l">
+    <a:lvl4pPr marR="0" lvl="3" algn="l" rtl="0">
       <a:lnSpc>
         <a:spcPct val="100000"/>
       </a:lnSpc>
@@ -121,7 +121,7 @@
         <a:srgbClr val="000000"/>
       </a:buClr>
       <a:buFont typeface="Arial"/>
-      <a:defRPr b="0" i="0" sz="1400" u="none" cap="none" strike="noStrike">
+      <a:defRPr sz="1400" b="0" i="0" u="none" strike="noStrike" cap="none">
         <a:solidFill>
           <a:srgbClr val="000000"/>
         </a:solidFill>
@@ -131,7 +131,7 @@
         <a:sym typeface="Arial"/>
       </a:defRPr>
     </a:lvl4pPr>
-    <a:lvl5pPr lvl="4" marR="0" rtl="0" algn="l">
+    <a:lvl5pPr marR="0" lvl="4" algn="l" rtl="0">
       <a:lnSpc>
         <a:spcPct val="100000"/>
       </a:lnSpc>
@@ -145,7 +145,7 @@
         <a:srgbClr val="000000"/>
       </a:buClr>
       <a:buFont typeface="Arial"/>
-      <a:defRPr b="0" i="0" sz="1400" u="none" cap="none" strike="noStrike">
+      <a:defRPr sz="1400" b="0" i="0" u="none" strike="noStrike" cap="none">
         <a:solidFill>
           <a:srgbClr val="000000"/>
         </a:solidFill>
@@ -155,7 +155,7 @@
         <a:sym typeface="Arial"/>
       </a:defRPr>
     </a:lvl5pPr>
-    <a:lvl6pPr lvl="5" marR="0" rtl="0" algn="l">
+    <a:lvl6pPr marR="0" lvl="5" algn="l" rtl="0">
       <a:lnSpc>
         <a:spcPct val="100000"/>
       </a:lnSpc>
@@ -169,7 +169,7 @@
         <a:srgbClr val="000000"/>
       </a:buClr>
       <a:buFont typeface="Arial"/>
-      <a:defRPr b="0" i="0" sz="1400" u="none" cap="none" strike="noStrike">
+      <a:defRPr sz="1400" b="0" i="0" u="none" strike="noStrike" cap="none">
         <a:solidFill>
           <a:srgbClr val="000000"/>
         </a:solidFill>
@@ -179,7 +179,7 @@
         <a:sym typeface="Arial"/>
       </a:defRPr>
     </a:lvl6pPr>
-    <a:lvl7pPr lvl="6" marR="0" rtl="0" algn="l">
+    <a:lvl7pPr marR="0" lvl="6" algn="l" rtl="0">
       <a:lnSpc>
         <a:spcPct val="100000"/>
       </a:lnSpc>
@@ -193,7 +193,7 @@
         <a:srgbClr val="000000"/>
       </a:buClr>
       <a:buFont typeface="Arial"/>
-      <a:defRPr b="0" i="0" sz="1400" u="none" cap="none" strike="noStrike">
+      <a:defRPr sz="1400" b="0" i="0" u="none" strike="noStrike" cap="none">
         <a:solidFill>
           <a:srgbClr val="000000"/>
         </a:solidFill>
@@ -203,7 +203,7 @@
         <a:sym typeface="Arial"/>
       </a:defRPr>
     </a:lvl7pPr>
-    <a:lvl8pPr lvl="7" marR="0" rtl="0" algn="l">
+    <a:lvl8pPr marR="0" lvl="7" algn="l" rtl="0">
       <a:lnSpc>
         <a:spcPct val="100000"/>
       </a:lnSpc>
@@ -217,7 +217,7 @@
         <a:srgbClr val="000000"/>
       </a:buClr>
       <a:buFont typeface="Arial"/>
-      <a:defRPr b="0" i="0" sz="1400" u="none" cap="none" strike="noStrike">
+      <a:defRPr sz="1400" b="0" i="0" u="none" strike="noStrike" cap="none">
         <a:solidFill>
           <a:srgbClr val="000000"/>
         </a:solidFill>
@@ -227,7 +227,7 @@
         <a:sym typeface="Arial"/>
       </a:defRPr>
     </a:lvl8pPr>
-    <a:lvl9pPr lvl="8" marR="0" rtl="0" algn="l">
+    <a:lvl9pPr marR="0" lvl="8" algn="l" rtl="0">
       <a:lnSpc>
         <a:spcPct val="100000"/>
       </a:lnSpc>
@@ -241,7 +241,7 @@
         <a:srgbClr val="000000"/>
       </a:buClr>
       <a:buFont typeface="Arial"/>
-      <a:defRPr b="0" i="0" sz="1400" u="none" cap="none" strike="noStrike">
+      <a:defRPr sz="1400" b="0" i="0" u="none" strike="noStrike" cap="none">
         <a:solidFill>
           <a:srgbClr val="000000"/>
         </a:solidFill>
@@ -254,7 +254,7 @@
   </p:defaultTextStyle>
   <p:extLst>
     <p:ext uri="{EFAFB233-063F-42B5-8137-9DF3F51BA10A}">
-      <p15:sldGuideLst>
+      <p15:sldGuideLst xmlns:p15="http://schemas.microsoft.com/office/powerpoint/2012/main">
         <p15:guide id="1" orient="horz" pos="1620">
           <p15:clr>
             <a:srgbClr val="A4A3A4"/>
@@ -272,11 +272,16 @@
 </file>
 
 <file path=ppt/notesMasters/notesMaster1.xml><?xml version="1.0" encoding="utf-8"?>
-<p:notesMaster xmlns:a="http://schemas.openxmlformats.org/drawingml/2006/main" xmlns:r="http://schemas.openxmlformats.org/officeDocument/2006/relationships" xmlns:mc="http://schemas.openxmlformats.org/markup-compatibility/2006" xmlns:mv="urn:schemas-microsoft-com:mac:vml" xmlns:p="http://schemas.openxmlformats.org/presentationml/2006/main" xmlns:c="http://schemas.openxmlformats.org/drawingml/2006/chart" xmlns:dgm="http://schemas.openxmlformats.org/drawingml/2006/diagram" xmlns:o="urn:schemas-microsoft-com:office:office" xmlns:v="urn:schemas-microsoft-com:vml" xmlns:pvml="urn:schemas-microsoft-com:office:powerpoint" xmlns:com="http://schemas.openxmlformats.org/drawingml/2006/compatibility" xmlns:p14="http://schemas.microsoft.com/office/powerpoint/2010/main" xmlns:p15="http://schemas.microsoft.com/office/powerpoint/2012/main" xmlns:ahyp="http://schemas.microsoft.com/office/drawing/2018/hyperlinkcolor">
+<p:notesMaster xmlns:a="http://schemas.openxmlformats.org/drawingml/2006/main" xmlns:r="http://schemas.openxmlformats.org/officeDocument/2006/relationships" xmlns:p="http://schemas.openxmlformats.org/presentationml/2006/main">
   <p:cSld>
+    <p:bg>
+      <p:bgRef idx="1001">
+        <a:schemeClr val="bg1"/>
+      </p:bgRef>
+    </p:bg>
     <p:spTree>
       <p:nvGrpSpPr>
-        <p:cNvPr id="2" name="Shape 2"/>
+        <p:cNvPr id="1" name="Shape 2"/>
         <p:cNvGrpSpPr/>
         <p:nvPr/>
       </p:nvGrpSpPr>
@@ -291,9 +296,11 @@
       <p:sp>
         <p:nvSpPr>
           <p:cNvPr id="3" name="Google Shape;3;n"/>
-          <p:cNvSpPr/>
+          <p:cNvSpPr>
+            <a:spLocks noGrp="1" noRot="1" noChangeAspect="1"/>
+          </p:cNvSpPr>
           <p:nvPr>
-            <p:ph idx="2" type="sldImg"/>
+            <p:ph type="sldImg" idx="2"/>
           </p:nvPr>
         </p:nvSpPr>
         <p:spPr>
@@ -302,9 +309,13 @@
             <a:ext cx="6096075" cy="3429000"/>
           </a:xfrm>
           <a:custGeom>
-            <a:rect b="b" l="l" r="r" t="t"/>
+            <a:avLst/>
+            <a:gdLst/>
+            <a:ahLst/>
+            <a:cxnLst/>
+            <a:rect l="l" t="t" r="r" b="b"/>
             <a:pathLst>
-              <a:path extrusionOk="0" h="120000" w="120000">
+              <a:path w="120000" h="120000" extrusionOk="0">
                 <a:moveTo>
                   <a:pt x="0" y="0"/>
                 </a:moveTo>
@@ -322,23 +333,25 @@
             </a:pathLst>
           </a:custGeom>
           <a:noFill/>
-          <a:ln cap="flat" cmpd="sng" w="9525">
+          <a:ln w="9525" cap="flat" cmpd="sng">
             <a:solidFill>
               <a:srgbClr val="000000"/>
             </a:solidFill>
             <a:prstDash val="solid"/>
             <a:round/>
-            <a:headEnd len="sm" w="sm" type="none"/>
-            <a:tailEnd len="sm" w="sm" type="none"/>
+            <a:headEnd type="none" w="sm" len="sm"/>
+            <a:tailEnd type="none" w="sm" len="sm"/>
           </a:ln>
         </p:spPr>
       </p:sp>
       <p:sp>
         <p:nvSpPr>
           <p:cNvPr id="4" name="Google Shape;4;n"/>
-          <p:cNvSpPr txBox="1"/>
+          <p:cNvSpPr txBox="1">
+            <a:spLocks noGrp="1"/>
+          </p:cNvSpPr>
           <p:nvPr>
-            <p:ph idx="1" type="body"/>
+            <p:ph type="body" idx="1"/>
           </p:nvPr>
         </p:nvSpPr>
         <p:spPr>
@@ -355,11 +368,11 @@
           </a:ln>
         </p:spPr>
         <p:txBody>
-          <a:bodyPr anchorCtr="0" anchor="t" bIns="91425" lIns="91425" spcFirstLastPara="1" rIns="91425" wrap="square" tIns="91425">
+          <a:bodyPr spcFirstLastPara="1" wrap="square" lIns="91425" tIns="91425" rIns="91425" bIns="91425" anchor="t" anchorCtr="0">
             <a:noAutofit/>
           </a:bodyPr>
           <a:lstStyle>
-            <a:lvl1pPr indent="-298450" lvl="0" marL="457200">
+            <a:lvl1pPr marL="457200" lvl="0" indent="-298450">
               <a:spcBef>
                 <a:spcPts val="0"/>
               </a:spcBef>
@@ -370,7 +383,7 @@
               <a:buChar char="●"/>
               <a:defRPr sz="1100"/>
             </a:lvl1pPr>
-            <a:lvl2pPr indent="-298450" lvl="1" marL="914400">
+            <a:lvl2pPr marL="914400" lvl="1" indent="-298450">
               <a:spcBef>
                 <a:spcPts val="0"/>
               </a:spcBef>
@@ -381,7 +394,7 @@
               <a:buChar char="○"/>
               <a:defRPr sz="1100"/>
             </a:lvl2pPr>
-            <a:lvl3pPr indent="-298450" lvl="2" marL="1371600">
+            <a:lvl3pPr marL="1371600" lvl="2" indent="-298450">
               <a:spcBef>
                 <a:spcPts val="0"/>
               </a:spcBef>
@@ -392,7 +405,7 @@
               <a:buChar char="■"/>
               <a:defRPr sz="1100"/>
             </a:lvl3pPr>
-            <a:lvl4pPr indent="-298450" lvl="3" marL="1828800">
+            <a:lvl4pPr marL="1828800" lvl="3" indent="-298450">
               <a:spcBef>
                 <a:spcPts val="0"/>
               </a:spcBef>
@@ -403,7 +416,7 @@
               <a:buChar char="●"/>
               <a:defRPr sz="1100"/>
             </a:lvl4pPr>
-            <a:lvl5pPr indent="-298450" lvl="4" marL="2286000">
+            <a:lvl5pPr marL="2286000" lvl="4" indent="-298450">
               <a:spcBef>
                 <a:spcPts val="0"/>
               </a:spcBef>
@@ -414,7 +427,7 @@
               <a:buChar char="○"/>
               <a:defRPr sz="1100"/>
             </a:lvl5pPr>
-            <a:lvl6pPr indent="-298450" lvl="5" marL="2743200">
+            <a:lvl6pPr marL="2743200" lvl="5" indent="-298450">
               <a:spcBef>
                 <a:spcPts val="0"/>
               </a:spcBef>
@@ -425,7 +438,7 @@
               <a:buChar char="■"/>
               <a:defRPr sz="1100"/>
             </a:lvl6pPr>
-            <a:lvl7pPr indent="-298450" lvl="6" marL="3200400">
+            <a:lvl7pPr marL="3200400" lvl="6" indent="-298450">
               <a:spcBef>
                 <a:spcPts val="0"/>
               </a:spcBef>
@@ -436,7 +449,7 @@
               <a:buChar char="●"/>
               <a:defRPr sz="1100"/>
             </a:lvl7pPr>
-            <a:lvl8pPr indent="-298450" lvl="7" marL="3657600">
+            <a:lvl8pPr marL="3657600" lvl="7" indent="-298450">
               <a:spcBef>
                 <a:spcPts val="0"/>
               </a:spcBef>
@@ -447,7 +460,7 @@
               <a:buChar char="○"/>
               <a:defRPr sz="1100"/>
             </a:lvl8pPr>
-            <a:lvl9pPr indent="-298450" lvl="8" marL="4114800">
+            <a:lvl9pPr marL="4114800" lvl="8" indent="-298450">
               <a:spcBef>
                 <a:spcPts val="0"/>
               </a:spcBef>
@@ -459,14 +472,16 @@
               <a:defRPr sz="1100"/>
             </a:lvl9pPr>
           </a:lstStyle>
-          <a:p/>
+          <a:p>
+            <a:endParaRPr/>
+          </a:p>
         </p:txBody>
       </p:sp>
     </p:spTree>
   </p:cSld>
-  <p:clrMap accent1="accent1" accent2="accent2" accent3="accent3" accent4="accent4" accent5="accent5" accent6="accent6" bg1="lt1" bg2="dk2" tx1="dk1" tx2="lt2" folHlink="folHlink" hlink="hlink"/>
+  <p:clrMap bg1="lt1" tx1="dk1" bg2="dk2" tx2="lt2" accent1="accent1" accent2="accent2" accent3="accent3" accent4="accent4" accent5="accent5" accent6="accent6" hlink="hlink" folHlink="folHlink"/>
   <p:notesStyle>
-    <a:defPPr lvl="0" marR="0" rtl="0" algn="l">
+    <a:defPPr marR="0" lvl="0" algn="l" rtl="0">
       <a:lnSpc>
         <a:spcPct val="100000"/>
       </a:lnSpc>
@@ -477,7 +492,7 @@
         <a:spcPts val="0"/>
       </a:spcAft>
     </a:defPPr>
-    <a:lvl1pPr lvl="0" marR="0" rtl="0" algn="l">
+    <a:lvl1pPr marR="0" lvl="0" algn="l" rtl="0">
       <a:lnSpc>
         <a:spcPct val="100000"/>
       </a:lnSpc>
@@ -491,7 +506,7 @@
         <a:srgbClr val="000000"/>
       </a:buClr>
       <a:buFont typeface="Arial"/>
-      <a:defRPr b="0" i="0" sz="1400" u="none" cap="none" strike="noStrike">
+      <a:defRPr sz="1400" b="0" i="0" u="none" strike="noStrike" cap="none">
         <a:solidFill>
           <a:srgbClr val="000000"/>
         </a:solidFill>
@@ -501,7 +516,7 @@
         <a:sym typeface="Arial"/>
       </a:defRPr>
     </a:lvl1pPr>
-    <a:lvl2pPr lvl="1" marR="0" rtl="0" algn="l">
+    <a:lvl2pPr marR="0" lvl="1" algn="l" rtl="0">
       <a:lnSpc>
         <a:spcPct val="100000"/>
       </a:lnSpc>
@@ -515,7 +530,7 @@
         <a:srgbClr val="000000"/>
       </a:buClr>
       <a:buFont typeface="Arial"/>
-      <a:defRPr b="0" i="0" sz="1400" u="none" cap="none" strike="noStrike">
+      <a:defRPr sz="1400" b="0" i="0" u="none" strike="noStrike" cap="none">
         <a:solidFill>
           <a:srgbClr val="000000"/>
         </a:solidFill>
@@ -525,7 +540,7 @@
         <a:sym typeface="Arial"/>
       </a:defRPr>
     </a:lvl2pPr>
-    <a:lvl3pPr lvl="2" marR="0" rtl="0" algn="l">
+    <a:lvl3pPr marR="0" lvl="2" algn="l" rtl="0">
       <a:lnSpc>
         <a:spcPct val="100000"/>
       </a:lnSpc>
@@ -539,7 +554,7 @@
         <a:srgbClr val="000000"/>
       </a:buClr>
       <a:buFont typeface="Arial"/>
-      <a:defRPr b="0" i="0" sz="1400" u="none" cap="none" strike="noStrike">
+      <a:defRPr sz="1400" b="0" i="0" u="none" strike="noStrike" cap="none">
         <a:solidFill>
           <a:srgbClr val="000000"/>
         </a:solidFill>
@@ -549,7 +564,7 @@
         <a:sym typeface="Arial"/>
       </a:defRPr>
     </a:lvl3pPr>
-    <a:lvl4pPr lvl="3" marR="0" rtl="0" algn="l">
+    <a:lvl4pPr marR="0" lvl="3" algn="l" rtl="0">
       <a:lnSpc>
         <a:spcPct val="100000"/>
       </a:lnSpc>
@@ -563,7 +578,7 @@
         <a:srgbClr val="000000"/>
       </a:buClr>
       <a:buFont typeface="Arial"/>
-      <a:defRPr b="0" i="0" sz="1400" u="none" cap="none" strike="noStrike">
+      <a:defRPr sz="1400" b="0" i="0" u="none" strike="noStrike" cap="none">
         <a:solidFill>
           <a:srgbClr val="000000"/>
         </a:solidFill>
@@ -573,7 +588,7 @@
         <a:sym typeface="Arial"/>
       </a:defRPr>
     </a:lvl4pPr>
-    <a:lvl5pPr lvl="4" marR="0" rtl="0" algn="l">
+    <a:lvl5pPr marR="0" lvl="4" algn="l" rtl="0">
       <a:lnSpc>
         <a:spcPct val="100000"/>
       </a:lnSpc>
@@ -587,7 +602,7 @@
         <a:srgbClr val="000000"/>
       </a:buClr>
       <a:buFont typeface="Arial"/>
-      <a:defRPr b="0" i="0" sz="1400" u="none" cap="none" strike="noStrike">
+      <a:defRPr sz="1400" b="0" i="0" u="none" strike="noStrike" cap="none">
         <a:solidFill>
           <a:srgbClr val="000000"/>
         </a:solidFill>
@@ -597,7 +612,7 @@
         <a:sym typeface="Arial"/>
       </a:defRPr>
     </a:lvl5pPr>
-    <a:lvl6pPr lvl="5" marR="0" rtl="0" algn="l">
+    <a:lvl6pPr marR="0" lvl="5" algn="l" rtl="0">
       <a:lnSpc>
         <a:spcPct val="100000"/>
       </a:lnSpc>
@@ -611,7 +626,7 @@
         <a:srgbClr val="000000"/>
       </a:buClr>
       <a:buFont typeface="Arial"/>
-      <a:defRPr b="0" i="0" sz="1400" u="none" cap="none" strike="noStrike">
+      <a:defRPr sz="1400" b="0" i="0" u="none" strike="noStrike" cap="none">
         <a:solidFill>
           <a:srgbClr val="000000"/>
         </a:solidFill>
@@ -621,7 +636,7 @@
         <a:sym typeface="Arial"/>
       </a:defRPr>
     </a:lvl6pPr>
-    <a:lvl7pPr lvl="6" marR="0" rtl="0" algn="l">
+    <a:lvl7pPr marR="0" lvl="6" algn="l" rtl="0">
       <a:lnSpc>
         <a:spcPct val="100000"/>
       </a:lnSpc>
@@ -635,7 +650,7 @@
         <a:srgbClr val="000000"/>
       </a:buClr>
       <a:buFont typeface="Arial"/>
-      <a:defRPr b="0" i="0" sz="1400" u="none" cap="none" strike="noStrike">
+      <a:defRPr sz="1400" b="0" i="0" u="none" strike="noStrike" cap="none">
         <a:solidFill>
           <a:srgbClr val="000000"/>
         </a:solidFill>
@@ -645,7 +660,7 @@
         <a:sym typeface="Arial"/>
       </a:defRPr>
     </a:lvl7pPr>
-    <a:lvl8pPr lvl="7" marR="0" rtl="0" algn="l">
+    <a:lvl8pPr marR="0" lvl="7" algn="l" rtl="0">
       <a:lnSpc>
         <a:spcPct val="100000"/>
       </a:lnSpc>
@@ -659,7 +674,7 @@
         <a:srgbClr val="000000"/>
       </a:buClr>
       <a:buFont typeface="Arial"/>
-      <a:defRPr b="0" i="0" sz="1400" u="none" cap="none" strike="noStrike">
+      <a:defRPr sz="1400" b="0" i="0" u="none" strike="noStrike" cap="none">
         <a:solidFill>
           <a:srgbClr val="000000"/>
         </a:solidFill>
@@ -669,7 +684,7 @@
         <a:sym typeface="Arial"/>
       </a:defRPr>
     </a:lvl8pPr>
-    <a:lvl9pPr lvl="8" marR="0" rtl="0" algn="l">
+    <a:lvl9pPr marR="0" lvl="8" algn="l" rtl="0">
       <a:lnSpc>
         <a:spcPct val="100000"/>
       </a:lnSpc>
@@ -683,7 +698,7 @@
         <a:srgbClr val="000000"/>
       </a:buClr>
       <a:buFont typeface="Arial"/>
-      <a:defRPr b="0" i="0" sz="1400" u="none" cap="none" strike="noStrike">
+      <a:defRPr sz="1400" b="0" i="0" u="none" strike="noStrike" cap="none">
         <a:solidFill>
           <a:srgbClr val="000000"/>
         </a:solidFill>
@@ -698,11 +713,11 @@
 </file>
 
 <file path=ppt/notesSlides/notesSlide1.xml><?xml version="1.0" encoding="utf-8"?>
-<p:notes xmlns:a="http://schemas.openxmlformats.org/drawingml/2006/main" xmlns:r="http://schemas.openxmlformats.org/officeDocument/2006/relationships" xmlns:mc="http://schemas.openxmlformats.org/markup-compatibility/2006" xmlns:mv="urn:schemas-microsoft-com:mac:vml" xmlns:p="http://schemas.openxmlformats.org/presentationml/2006/main" xmlns:c="http://schemas.openxmlformats.org/drawingml/2006/chart" xmlns:dgm="http://schemas.openxmlformats.org/drawingml/2006/diagram" xmlns:o="urn:schemas-microsoft-com:office:office" xmlns:v="urn:schemas-microsoft-com:vml" xmlns:pvml="urn:schemas-microsoft-com:office:powerpoint" xmlns:com="http://schemas.openxmlformats.org/drawingml/2006/compatibility" xmlns:p14="http://schemas.microsoft.com/office/powerpoint/2010/main" xmlns:p15="http://schemas.microsoft.com/office/powerpoint/2012/main" xmlns:ahyp="http://schemas.microsoft.com/office/drawing/2018/hyperlinkcolor" showMasterPhAnim="0" showMasterSp="0">
+<p:notes xmlns:a="http://schemas.openxmlformats.org/drawingml/2006/main" xmlns:r="http://schemas.openxmlformats.org/officeDocument/2006/relationships" xmlns:p="http://schemas.openxmlformats.org/presentationml/2006/main" showMasterSp="0" showMasterPhAnim="0">
   <p:cSld>
     <p:spTree>
       <p:nvGrpSpPr>
-        <p:cNvPr id="50" name="Shape 50"/>
+        <p:cNvPr id="1" name="Shape 50"/>
         <p:cNvGrpSpPr/>
         <p:nvPr/>
       </p:nvGrpSpPr>
@@ -717,9 +732,11 @@
       <p:sp>
         <p:nvSpPr>
           <p:cNvPr id="51" name="Google Shape;51;p:notes"/>
-          <p:cNvSpPr/>
+          <p:cNvSpPr>
+            <a:spLocks noGrp="1" noRot="1" noChangeAspect="1"/>
+          </p:cNvSpPr>
           <p:nvPr>
-            <p:ph idx="2" type="sldImg"/>
+            <p:ph type="sldImg" idx="2"/>
           </p:nvPr>
         </p:nvSpPr>
         <p:spPr>
@@ -728,9 +745,13 @@
             <a:ext cx="6096075" cy="3429000"/>
           </a:xfrm>
           <a:custGeom>
-            <a:rect b="b" l="l" r="r" t="t"/>
+            <a:avLst/>
+            <a:gdLst/>
+            <a:ahLst/>
+            <a:cxnLst/>
+            <a:rect l="l" t="t" r="r" b="b"/>
             <a:pathLst>
-              <a:path extrusionOk="0" h="120000" w="120000">
+              <a:path w="120000" h="120000" extrusionOk="0">
                 <a:moveTo>
                   <a:pt x="0" y="0"/>
                 </a:moveTo>
@@ -752,9 +773,11 @@
       <p:sp>
         <p:nvSpPr>
           <p:cNvPr id="52" name="Google Shape;52;p:notes"/>
-          <p:cNvSpPr txBox="1"/>
+          <p:cNvSpPr txBox="1">
+            <a:spLocks noGrp="1"/>
+          </p:cNvSpPr>
           <p:nvPr>
-            <p:ph idx="1" type="body"/>
+            <p:ph type="body" idx="1"/>
           </p:nvPr>
         </p:nvSpPr>
         <p:spPr>
@@ -767,12 +790,12 @@
           </a:prstGeom>
         </p:spPr>
         <p:txBody>
-          <a:bodyPr anchorCtr="0" anchor="t" bIns="91425" lIns="91425" spcFirstLastPara="1" rIns="91425" wrap="square" tIns="91425">
+          <a:bodyPr spcFirstLastPara="1" wrap="square" lIns="91425" tIns="91425" rIns="91425" bIns="91425" anchor="t" anchorCtr="0">
             <a:noAutofit/>
           </a:bodyPr>
           <a:lstStyle/>
           <a:p>
-            <a:pPr indent="0" lvl="0" marL="0" rtl="0" algn="l">
+            <a:pPr marL="0" lvl="0" indent="0" algn="l" rtl="0">
               <a:spcBef>
                 <a:spcPts val="0"/>
               </a:spcBef>
@@ -781,9 +804,6 @@
               </a:spcAft>
               <a:buNone/>
             </a:pPr>
-            <a:r>
-              <a:t/>
-            </a:r>
             <a:endParaRPr/>
           </a:p>
         </p:txBody>
@@ -797,11 +817,11 @@
 </file>
 
 <file path=ppt/notesSlides/notesSlide10.xml><?xml version="1.0" encoding="utf-8"?>
-<p:notes xmlns:a="http://schemas.openxmlformats.org/drawingml/2006/main" xmlns:r="http://schemas.openxmlformats.org/officeDocument/2006/relationships" xmlns:mc="http://schemas.openxmlformats.org/markup-compatibility/2006" xmlns:mv="urn:schemas-microsoft-com:mac:vml" xmlns:p="http://schemas.openxmlformats.org/presentationml/2006/main" xmlns:c="http://schemas.openxmlformats.org/drawingml/2006/chart" xmlns:dgm="http://schemas.openxmlformats.org/drawingml/2006/diagram" xmlns:o="urn:schemas-microsoft-com:office:office" xmlns:v="urn:schemas-microsoft-com:vml" xmlns:pvml="urn:schemas-microsoft-com:office:powerpoint" xmlns:com="http://schemas.openxmlformats.org/drawingml/2006/compatibility" xmlns:p14="http://schemas.microsoft.com/office/powerpoint/2010/main" xmlns:p15="http://schemas.microsoft.com/office/powerpoint/2012/main" xmlns:ahyp="http://schemas.microsoft.com/office/drawing/2018/hyperlinkcolor" showMasterPhAnim="0" showMasterSp="0">
+<p:notes xmlns:a="http://schemas.openxmlformats.org/drawingml/2006/main" xmlns:r="http://schemas.openxmlformats.org/officeDocument/2006/relationships" xmlns:p="http://schemas.openxmlformats.org/presentationml/2006/main" showMasterSp="0" showMasterPhAnim="0">
   <p:cSld>
     <p:spTree>
       <p:nvGrpSpPr>
-        <p:cNvPr id="112" name="Shape 112"/>
+        <p:cNvPr id="1" name="Shape 112"/>
         <p:cNvGrpSpPr/>
         <p:nvPr/>
       </p:nvGrpSpPr>
@@ -816,9 +836,11 @@
       <p:sp>
         <p:nvSpPr>
           <p:cNvPr id="113" name="Google Shape;113;gcbb020cf96_0_5:notes"/>
-          <p:cNvSpPr/>
+          <p:cNvSpPr>
+            <a:spLocks noGrp="1" noRot="1" noChangeAspect="1"/>
+          </p:cNvSpPr>
           <p:nvPr>
-            <p:ph idx="2" type="sldImg"/>
+            <p:ph type="sldImg" idx="2"/>
           </p:nvPr>
         </p:nvSpPr>
         <p:spPr>
@@ -827,9 +849,13 @@
             <a:ext cx="6096000" cy="3429000"/>
           </a:xfrm>
           <a:custGeom>
-            <a:rect b="b" l="l" r="r" t="t"/>
+            <a:avLst/>
+            <a:gdLst/>
+            <a:ahLst/>
+            <a:cxnLst/>
+            <a:rect l="l" t="t" r="r" b="b"/>
             <a:pathLst>
-              <a:path extrusionOk="0" h="120000" w="120000">
+              <a:path w="120000" h="120000" extrusionOk="0">
                 <a:moveTo>
                   <a:pt x="0" y="0"/>
                 </a:moveTo>
@@ -851,9 +877,11 @@
       <p:sp>
         <p:nvSpPr>
           <p:cNvPr id="114" name="Google Shape;114;gcbb020cf96_0_5:notes"/>
-          <p:cNvSpPr txBox="1"/>
+          <p:cNvSpPr txBox="1">
+            <a:spLocks noGrp="1"/>
+          </p:cNvSpPr>
           <p:nvPr>
-            <p:ph idx="1" type="body"/>
+            <p:ph type="body" idx="1"/>
           </p:nvPr>
         </p:nvSpPr>
         <p:spPr>
@@ -866,12 +894,12 @@
           </a:prstGeom>
         </p:spPr>
         <p:txBody>
-          <a:bodyPr anchorCtr="0" anchor="t" bIns="91425" lIns="91425" spcFirstLastPara="1" rIns="91425" wrap="square" tIns="91425">
+          <a:bodyPr spcFirstLastPara="1" wrap="square" lIns="91425" tIns="91425" rIns="91425" bIns="91425" anchor="t" anchorCtr="0">
             <a:noAutofit/>
           </a:bodyPr>
           <a:lstStyle/>
           <a:p>
-            <a:pPr indent="0" lvl="0" marL="0" rtl="0" algn="l">
+            <a:pPr marL="0" lvl="0" indent="0" algn="l" rtl="0">
               <a:spcBef>
                 <a:spcPts val="0"/>
               </a:spcBef>
@@ -880,9 +908,6 @@
               </a:spcAft>
               <a:buNone/>
             </a:pPr>
-            <a:r>
-              <a:t/>
-            </a:r>
             <a:endParaRPr/>
           </a:p>
         </p:txBody>
@@ -896,11 +921,11 @@
 </file>
 
 <file path=ppt/notesSlides/notesSlide11.xml><?xml version="1.0" encoding="utf-8"?>
-<p:notes xmlns:a="http://schemas.openxmlformats.org/drawingml/2006/main" xmlns:r="http://schemas.openxmlformats.org/officeDocument/2006/relationships" xmlns:mc="http://schemas.openxmlformats.org/markup-compatibility/2006" xmlns:mv="urn:schemas-microsoft-com:mac:vml" xmlns:p="http://schemas.openxmlformats.org/presentationml/2006/main" xmlns:c="http://schemas.openxmlformats.org/drawingml/2006/chart" xmlns:dgm="http://schemas.openxmlformats.org/drawingml/2006/diagram" xmlns:o="urn:schemas-microsoft-com:office:office" xmlns:v="urn:schemas-microsoft-com:vml" xmlns:pvml="urn:schemas-microsoft-com:office:powerpoint" xmlns:com="http://schemas.openxmlformats.org/drawingml/2006/compatibility" xmlns:p14="http://schemas.microsoft.com/office/powerpoint/2010/main" xmlns:p15="http://schemas.microsoft.com/office/powerpoint/2012/main" xmlns:ahyp="http://schemas.microsoft.com/office/drawing/2018/hyperlinkcolor" showMasterPhAnim="0" showMasterSp="0">
+<p:notes xmlns:a="http://schemas.openxmlformats.org/drawingml/2006/main" xmlns:r="http://schemas.openxmlformats.org/officeDocument/2006/relationships" xmlns:p="http://schemas.openxmlformats.org/presentationml/2006/main" showMasterSp="0" showMasterPhAnim="0">
   <p:cSld>
     <p:spTree>
       <p:nvGrpSpPr>
-        <p:cNvPr id="119" name="Shape 119"/>
+        <p:cNvPr id="1" name="Shape 119"/>
         <p:cNvGrpSpPr/>
         <p:nvPr/>
       </p:nvGrpSpPr>
@@ -915,9 +940,11 @@
       <p:sp>
         <p:nvSpPr>
           <p:cNvPr id="120" name="Google Shape;120;gd8a1b3d518_0_1:notes"/>
-          <p:cNvSpPr/>
+          <p:cNvSpPr>
+            <a:spLocks noGrp="1" noRot="1" noChangeAspect="1"/>
+          </p:cNvSpPr>
           <p:nvPr>
-            <p:ph idx="2" type="sldImg"/>
+            <p:ph type="sldImg" idx="2"/>
           </p:nvPr>
         </p:nvSpPr>
         <p:spPr>
@@ -926,9 +953,13 @@
             <a:ext cx="6096000" cy="3429000"/>
           </a:xfrm>
           <a:custGeom>
-            <a:rect b="b" l="l" r="r" t="t"/>
+            <a:avLst/>
+            <a:gdLst/>
+            <a:ahLst/>
+            <a:cxnLst/>
+            <a:rect l="l" t="t" r="r" b="b"/>
             <a:pathLst>
-              <a:path extrusionOk="0" h="120000" w="120000">
+              <a:path w="120000" h="120000" extrusionOk="0">
                 <a:moveTo>
                   <a:pt x="0" y="0"/>
                 </a:moveTo>
@@ -950,9 +981,11 @@
       <p:sp>
         <p:nvSpPr>
           <p:cNvPr id="121" name="Google Shape;121;gd8a1b3d518_0_1:notes"/>
-          <p:cNvSpPr txBox="1"/>
+          <p:cNvSpPr txBox="1">
+            <a:spLocks noGrp="1"/>
+          </p:cNvSpPr>
           <p:nvPr>
-            <p:ph idx="1" type="body"/>
+            <p:ph type="body" idx="1"/>
           </p:nvPr>
         </p:nvSpPr>
         <p:spPr>
@@ -965,12 +998,12 @@
           </a:prstGeom>
         </p:spPr>
         <p:txBody>
-          <a:bodyPr anchorCtr="0" anchor="t" bIns="91425" lIns="91425" spcFirstLastPara="1" rIns="91425" wrap="square" tIns="91425">
+          <a:bodyPr spcFirstLastPara="1" wrap="square" lIns="91425" tIns="91425" rIns="91425" bIns="91425" anchor="t" anchorCtr="0">
             <a:noAutofit/>
           </a:bodyPr>
           <a:lstStyle/>
           <a:p>
-            <a:pPr indent="0" lvl="0" marL="0" rtl="0" algn="l">
+            <a:pPr marL="0" lvl="0" indent="0" algn="l" rtl="0">
               <a:spcBef>
                 <a:spcPts val="0"/>
               </a:spcBef>
@@ -979,9 +1012,6 @@
               </a:spcAft>
               <a:buNone/>
             </a:pPr>
-            <a:r>
-              <a:t/>
-            </a:r>
             <a:endParaRPr/>
           </a:p>
         </p:txBody>
@@ -995,11 +1025,11 @@
 </file>
 
 <file path=ppt/notesSlides/notesSlide12.xml><?xml version="1.0" encoding="utf-8"?>
-<p:notes xmlns:a="http://schemas.openxmlformats.org/drawingml/2006/main" xmlns:r="http://schemas.openxmlformats.org/officeDocument/2006/relationships" xmlns:mc="http://schemas.openxmlformats.org/markup-compatibility/2006" xmlns:mv="urn:schemas-microsoft-com:mac:vml" xmlns:p="http://schemas.openxmlformats.org/presentationml/2006/main" xmlns:c="http://schemas.openxmlformats.org/drawingml/2006/chart" xmlns:dgm="http://schemas.openxmlformats.org/drawingml/2006/diagram" xmlns:o="urn:schemas-microsoft-com:office:office" xmlns:v="urn:schemas-microsoft-com:vml" xmlns:pvml="urn:schemas-microsoft-com:office:powerpoint" xmlns:com="http://schemas.openxmlformats.org/drawingml/2006/compatibility" xmlns:p14="http://schemas.microsoft.com/office/powerpoint/2010/main" xmlns:p15="http://schemas.microsoft.com/office/powerpoint/2012/main" xmlns:ahyp="http://schemas.microsoft.com/office/drawing/2018/hyperlinkcolor" showMasterPhAnim="0" showMasterSp="0">
+<p:notes xmlns:a="http://schemas.openxmlformats.org/drawingml/2006/main" xmlns:r="http://schemas.openxmlformats.org/officeDocument/2006/relationships" xmlns:p="http://schemas.openxmlformats.org/presentationml/2006/main" showMasterSp="0" showMasterPhAnim="0">
   <p:cSld>
     <p:spTree>
       <p:nvGrpSpPr>
-        <p:cNvPr id="126" name="Shape 126"/>
+        <p:cNvPr id="1" name="Shape 126"/>
         <p:cNvGrpSpPr/>
         <p:nvPr/>
       </p:nvGrpSpPr>
@@ -1014,9 +1044,11 @@
       <p:sp>
         <p:nvSpPr>
           <p:cNvPr id="127" name="Google Shape;127;gd8a1b3d518_0_7:notes"/>
-          <p:cNvSpPr/>
+          <p:cNvSpPr>
+            <a:spLocks noGrp="1" noRot="1" noChangeAspect="1"/>
+          </p:cNvSpPr>
           <p:nvPr>
-            <p:ph idx="2" type="sldImg"/>
+            <p:ph type="sldImg" idx="2"/>
           </p:nvPr>
         </p:nvSpPr>
         <p:spPr>
@@ -1025,9 +1057,13 @@
             <a:ext cx="6096000" cy="3429000"/>
           </a:xfrm>
           <a:custGeom>
-            <a:rect b="b" l="l" r="r" t="t"/>
+            <a:avLst/>
+            <a:gdLst/>
+            <a:ahLst/>
+            <a:cxnLst/>
+            <a:rect l="l" t="t" r="r" b="b"/>
             <a:pathLst>
-              <a:path extrusionOk="0" h="120000" w="120000">
+              <a:path w="120000" h="120000" extrusionOk="0">
                 <a:moveTo>
                   <a:pt x="0" y="0"/>
                 </a:moveTo>
@@ -1049,9 +1085,11 @@
       <p:sp>
         <p:nvSpPr>
           <p:cNvPr id="128" name="Google Shape;128;gd8a1b3d518_0_7:notes"/>
-          <p:cNvSpPr txBox="1"/>
+          <p:cNvSpPr txBox="1">
+            <a:spLocks noGrp="1"/>
+          </p:cNvSpPr>
           <p:nvPr>
-            <p:ph idx="1" type="body"/>
+            <p:ph type="body" idx="1"/>
           </p:nvPr>
         </p:nvSpPr>
         <p:spPr>
@@ -1064,12 +1102,12 @@
           </a:prstGeom>
         </p:spPr>
         <p:txBody>
-          <a:bodyPr anchorCtr="0" anchor="t" bIns="91425" lIns="91425" spcFirstLastPara="1" rIns="91425" wrap="square" tIns="91425">
+          <a:bodyPr spcFirstLastPara="1" wrap="square" lIns="91425" tIns="91425" rIns="91425" bIns="91425" anchor="t" anchorCtr="0">
             <a:noAutofit/>
           </a:bodyPr>
           <a:lstStyle/>
           <a:p>
-            <a:pPr indent="0" lvl="0" marL="0" rtl="0" algn="l">
+            <a:pPr marL="0" lvl="0" indent="0" algn="l" rtl="0">
               <a:spcBef>
                 <a:spcPts val="0"/>
               </a:spcBef>
@@ -1078,9 +1116,6 @@
               </a:spcAft>
               <a:buNone/>
             </a:pPr>
-            <a:r>
-              <a:t/>
-            </a:r>
             <a:endParaRPr/>
           </a:p>
         </p:txBody>
@@ -1094,11 +1129,11 @@
 </file>
 
 <file path=ppt/notesSlides/notesSlide2.xml><?xml version="1.0" encoding="utf-8"?>
-<p:notes xmlns:a="http://schemas.openxmlformats.org/drawingml/2006/main" xmlns:r="http://schemas.openxmlformats.org/officeDocument/2006/relationships" xmlns:mc="http://schemas.openxmlformats.org/markup-compatibility/2006" xmlns:mv="urn:schemas-microsoft-com:mac:vml" xmlns:p="http://schemas.openxmlformats.org/presentationml/2006/main" xmlns:c="http://schemas.openxmlformats.org/drawingml/2006/chart" xmlns:dgm="http://schemas.openxmlformats.org/drawingml/2006/diagram" xmlns:o="urn:schemas-microsoft-com:office:office" xmlns:v="urn:schemas-microsoft-com:vml" xmlns:pvml="urn:schemas-microsoft-com:office:powerpoint" xmlns:com="http://schemas.openxmlformats.org/drawingml/2006/compatibility" xmlns:p14="http://schemas.microsoft.com/office/powerpoint/2010/main" xmlns:p15="http://schemas.microsoft.com/office/powerpoint/2012/main" xmlns:ahyp="http://schemas.microsoft.com/office/drawing/2018/hyperlinkcolor" showMasterPhAnim="0" showMasterSp="0">
+<p:notes xmlns:a="http://schemas.openxmlformats.org/drawingml/2006/main" xmlns:r="http://schemas.openxmlformats.org/officeDocument/2006/relationships" xmlns:p="http://schemas.openxmlformats.org/presentationml/2006/main" showMasterSp="0" showMasterPhAnim="0">
   <p:cSld>
     <p:spTree>
       <p:nvGrpSpPr>
-        <p:cNvPr id="56" name="Shape 56"/>
+        <p:cNvPr id="1" name="Shape 56"/>
         <p:cNvGrpSpPr/>
         <p:nvPr/>
       </p:nvGrpSpPr>
@@ -1113,9 +1148,11 @@
       <p:sp>
         <p:nvSpPr>
           <p:cNvPr id="57" name="Google Shape;57;gc2cb32dc82_0_0:notes"/>
-          <p:cNvSpPr/>
+          <p:cNvSpPr>
+            <a:spLocks noGrp="1" noRot="1" noChangeAspect="1"/>
+          </p:cNvSpPr>
           <p:nvPr>
-            <p:ph idx="2" type="sldImg"/>
+            <p:ph type="sldImg" idx="2"/>
           </p:nvPr>
         </p:nvSpPr>
         <p:spPr>
@@ -1124,9 +1161,13 @@
             <a:ext cx="6096000" cy="3429000"/>
           </a:xfrm>
           <a:custGeom>
-            <a:rect b="b" l="l" r="r" t="t"/>
+            <a:avLst/>
+            <a:gdLst/>
+            <a:ahLst/>
+            <a:cxnLst/>
+            <a:rect l="l" t="t" r="r" b="b"/>
             <a:pathLst>
-              <a:path extrusionOk="0" h="120000" w="120000">
+              <a:path w="120000" h="120000" extrusionOk="0">
                 <a:moveTo>
                   <a:pt x="0" y="0"/>
                 </a:moveTo>
@@ -1148,9 +1189,11 @@
       <p:sp>
         <p:nvSpPr>
           <p:cNvPr id="58" name="Google Shape;58;gc2cb32dc82_0_0:notes"/>
-          <p:cNvSpPr txBox="1"/>
+          <p:cNvSpPr txBox="1">
+            <a:spLocks noGrp="1"/>
+          </p:cNvSpPr>
           <p:nvPr>
-            <p:ph idx="1" type="body"/>
+            <p:ph type="body" idx="1"/>
           </p:nvPr>
         </p:nvSpPr>
         <p:spPr>
@@ -1163,12 +1206,12 @@
           </a:prstGeom>
         </p:spPr>
         <p:txBody>
-          <a:bodyPr anchorCtr="0" anchor="t" bIns="91425" lIns="91425" spcFirstLastPara="1" rIns="91425" wrap="square" tIns="91425">
+          <a:bodyPr spcFirstLastPara="1" wrap="square" lIns="91425" tIns="91425" rIns="91425" bIns="91425" anchor="t" anchorCtr="0">
             <a:noAutofit/>
           </a:bodyPr>
           <a:lstStyle/>
           <a:p>
-            <a:pPr indent="0" lvl="0" marL="0" rtl="0" algn="l">
+            <a:pPr marL="0" lvl="0" indent="0" algn="l" rtl="0">
               <a:spcBef>
                 <a:spcPts val="0"/>
               </a:spcBef>
@@ -1177,9 +1220,6 @@
               </a:spcAft>
               <a:buNone/>
             </a:pPr>
-            <a:r>
-              <a:t/>
-            </a:r>
             <a:endParaRPr/>
           </a:p>
         </p:txBody>
@@ -1193,11 +1233,11 @@
 </file>
 
 <file path=ppt/notesSlides/notesSlide3.xml><?xml version="1.0" encoding="utf-8"?>
-<p:notes xmlns:a="http://schemas.openxmlformats.org/drawingml/2006/main" xmlns:r="http://schemas.openxmlformats.org/officeDocument/2006/relationships" xmlns:mc="http://schemas.openxmlformats.org/markup-compatibility/2006" xmlns:mv="urn:schemas-microsoft-com:mac:vml" xmlns:p="http://schemas.openxmlformats.org/presentationml/2006/main" xmlns:c="http://schemas.openxmlformats.org/drawingml/2006/chart" xmlns:dgm="http://schemas.openxmlformats.org/drawingml/2006/diagram" xmlns:o="urn:schemas-microsoft-com:office:office" xmlns:v="urn:schemas-microsoft-com:vml" xmlns:pvml="urn:schemas-microsoft-com:office:powerpoint" xmlns:com="http://schemas.openxmlformats.org/drawingml/2006/compatibility" xmlns:p14="http://schemas.microsoft.com/office/powerpoint/2010/main" xmlns:p15="http://schemas.microsoft.com/office/powerpoint/2012/main" xmlns:ahyp="http://schemas.microsoft.com/office/drawing/2018/hyperlinkcolor" showMasterPhAnim="0" showMasterSp="0">
+<p:notes xmlns:a="http://schemas.openxmlformats.org/drawingml/2006/main" xmlns:r="http://schemas.openxmlformats.org/officeDocument/2006/relationships" xmlns:p="http://schemas.openxmlformats.org/presentationml/2006/main" showMasterSp="0" showMasterPhAnim="0">
   <p:cSld>
     <p:spTree>
       <p:nvGrpSpPr>
-        <p:cNvPr id="63" name="Shape 63"/>
+        <p:cNvPr id="1" name="Shape 63"/>
         <p:cNvGrpSpPr/>
         <p:nvPr/>
       </p:nvGrpSpPr>
@@ -1212,9 +1252,11 @@
       <p:sp>
         <p:nvSpPr>
           <p:cNvPr id="64" name="Google Shape;64;gc2cb32dc82_0_12:notes"/>
-          <p:cNvSpPr/>
+          <p:cNvSpPr>
+            <a:spLocks noGrp="1" noRot="1" noChangeAspect="1"/>
+          </p:cNvSpPr>
           <p:nvPr>
-            <p:ph idx="2" type="sldImg"/>
+            <p:ph type="sldImg" idx="2"/>
           </p:nvPr>
         </p:nvSpPr>
         <p:spPr>
@@ -1223,9 +1265,13 @@
             <a:ext cx="6096000" cy="3429000"/>
           </a:xfrm>
           <a:custGeom>
-            <a:rect b="b" l="l" r="r" t="t"/>
+            <a:avLst/>
+            <a:gdLst/>
+            <a:ahLst/>
+            <a:cxnLst/>
+            <a:rect l="l" t="t" r="r" b="b"/>
             <a:pathLst>
-              <a:path extrusionOk="0" h="120000" w="120000">
+              <a:path w="120000" h="120000" extrusionOk="0">
                 <a:moveTo>
                   <a:pt x="0" y="0"/>
                 </a:moveTo>
@@ -1247,9 +1293,11 @@
       <p:sp>
         <p:nvSpPr>
           <p:cNvPr id="65" name="Google Shape;65;gc2cb32dc82_0_12:notes"/>
-          <p:cNvSpPr txBox="1"/>
+          <p:cNvSpPr txBox="1">
+            <a:spLocks noGrp="1"/>
+          </p:cNvSpPr>
           <p:nvPr>
-            <p:ph idx="1" type="body"/>
+            <p:ph type="body" idx="1"/>
           </p:nvPr>
         </p:nvSpPr>
         <p:spPr>
@@ -1262,12 +1310,12 @@
           </a:prstGeom>
         </p:spPr>
         <p:txBody>
-          <a:bodyPr anchorCtr="0" anchor="t" bIns="91425" lIns="91425" spcFirstLastPara="1" rIns="91425" wrap="square" tIns="91425">
+          <a:bodyPr spcFirstLastPara="1" wrap="square" lIns="91425" tIns="91425" rIns="91425" bIns="91425" anchor="t" anchorCtr="0">
             <a:noAutofit/>
           </a:bodyPr>
           <a:lstStyle/>
           <a:p>
-            <a:pPr indent="0" lvl="0" marL="0" rtl="0" algn="l">
+            <a:pPr marL="0" lvl="0" indent="0" algn="l" rtl="0">
               <a:spcBef>
                 <a:spcPts val="0"/>
               </a:spcBef>
@@ -1276,9 +1324,6 @@
               </a:spcAft>
               <a:buNone/>
             </a:pPr>
-            <a:r>
-              <a:t/>
-            </a:r>
             <a:endParaRPr/>
           </a:p>
         </p:txBody>
@@ -1292,11 +1337,11 @@
 </file>
 
 <file path=ppt/notesSlides/notesSlide4.xml><?xml version="1.0" encoding="utf-8"?>
-<p:notes xmlns:a="http://schemas.openxmlformats.org/drawingml/2006/main" xmlns:r="http://schemas.openxmlformats.org/officeDocument/2006/relationships" xmlns:mc="http://schemas.openxmlformats.org/markup-compatibility/2006" xmlns:mv="urn:schemas-microsoft-com:mac:vml" xmlns:p="http://schemas.openxmlformats.org/presentationml/2006/main" xmlns:c="http://schemas.openxmlformats.org/drawingml/2006/chart" xmlns:dgm="http://schemas.openxmlformats.org/drawingml/2006/diagram" xmlns:o="urn:schemas-microsoft-com:office:office" xmlns:v="urn:schemas-microsoft-com:vml" xmlns:pvml="urn:schemas-microsoft-com:office:powerpoint" xmlns:com="http://schemas.openxmlformats.org/drawingml/2006/compatibility" xmlns:p14="http://schemas.microsoft.com/office/powerpoint/2010/main" xmlns:p15="http://schemas.microsoft.com/office/powerpoint/2012/main" xmlns:ahyp="http://schemas.microsoft.com/office/drawing/2018/hyperlinkcolor" showMasterPhAnim="0" showMasterSp="0">
+<p:notes xmlns:a="http://schemas.openxmlformats.org/drawingml/2006/main" xmlns:r="http://schemas.openxmlformats.org/officeDocument/2006/relationships" xmlns:p="http://schemas.openxmlformats.org/presentationml/2006/main" showMasterSp="0" showMasterPhAnim="0">
   <p:cSld>
     <p:spTree>
       <p:nvGrpSpPr>
-        <p:cNvPr id="70" name="Shape 70"/>
+        <p:cNvPr id="1" name="Shape 70"/>
         <p:cNvGrpSpPr/>
         <p:nvPr/>
       </p:nvGrpSpPr>
@@ -1311,9 +1356,11 @@
       <p:sp>
         <p:nvSpPr>
           <p:cNvPr id="71" name="Google Shape;71;gc2cb32dc82_0_6:notes"/>
-          <p:cNvSpPr/>
+          <p:cNvSpPr>
+            <a:spLocks noGrp="1" noRot="1" noChangeAspect="1"/>
+          </p:cNvSpPr>
           <p:nvPr>
-            <p:ph idx="2" type="sldImg"/>
+            <p:ph type="sldImg" idx="2"/>
           </p:nvPr>
         </p:nvSpPr>
         <p:spPr>
@@ -1322,9 +1369,13 @@
             <a:ext cx="6096000" cy="3429000"/>
           </a:xfrm>
           <a:custGeom>
-            <a:rect b="b" l="l" r="r" t="t"/>
+            <a:avLst/>
+            <a:gdLst/>
+            <a:ahLst/>
+            <a:cxnLst/>
+            <a:rect l="l" t="t" r="r" b="b"/>
             <a:pathLst>
-              <a:path extrusionOk="0" h="120000" w="120000">
+              <a:path w="120000" h="120000" extrusionOk="0">
                 <a:moveTo>
                   <a:pt x="0" y="0"/>
                 </a:moveTo>
@@ -1346,9 +1397,11 @@
       <p:sp>
         <p:nvSpPr>
           <p:cNvPr id="72" name="Google Shape;72;gc2cb32dc82_0_6:notes"/>
-          <p:cNvSpPr txBox="1"/>
+          <p:cNvSpPr txBox="1">
+            <a:spLocks noGrp="1"/>
+          </p:cNvSpPr>
           <p:nvPr>
-            <p:ph idx="1" type="body"/>
+            <p:ph type="body" idx="1"/>
           </p:nvPr>
         </p:nvSpPr>
         <p:spPr>
@@ -1361,12 +1414,12 @@
           </a:prstGeom>
         </p:spPr>
         <p:txBody>
-          <a:bodyPr anchorCtr="0" anchor="t" bIns="91425" lIns="91425" spcFirstLastPara="1" rIns="91425" wrap="square" tIns="91425">
+          <a:bodyPr spcFirstLastPara="1" wrap="square" lIns="91425" tIns="91425" rIns="91425" bIns="91425" anchor="t" anchorCtr="0">
             <a:noAutofit/>
           </a:bodyPr>
           <a:lstStyle/>
           <a:p>
-            <a:pPr indent="0" lvl="0" marL="0" rtl="0" algn="l">
+            <a:pPr marL="0" lvl="0" indent="0" algn="l" rtl="0">
               <a:spcBef>
                 <a:spcPts val="0"/>
               </a:spcBef>
@@ -1375,9 +1428,6 @@
               </a:spcAft>
               <a:buNone/>
             </a:pPr>
-            <a:r>
-              <a:t/>
-            </a:r>
             <a:endParaRPr/>
           </a:p>
         </p:txBody>
@@ -1391,11 +1441,11 @@
 </file>
 
 <file path=ppt/notesSlides/notesSlide5.xml><?xml version="1.0" encoding="utf-8"?>
-<p:notes xmlns:a="http://schemas.openxmlformats.org/drawingml/2006/main" xmlns:r="http://schemas.openxmlformats.org/officeDocument/2006/relationships" xmlns:mc="http://schemas.openxmlformats.org/markup-compatibility/2006" xmlns:mv="urn:schemas-microsoft-com:mac:vml" xmlns:p="http://schemas.openxmlformats.org/presentationml/2006/main" xmlns:c="http://schemas.openxmlformats.org/drawingml/2006/chart" xmlns:dgm="http://schemas.openxmlformats.org/drawingml/2006/diagram" xmlns:o="urn:schemas-microsoft-com:office:office" xmlns:v="urn:schemas-microsoft-com:vml" xmlns:pvml="urn:schemas-microsoft-com:office:powerpoint" xmlns:com="http://schemas.openxmlformats.org/drawingml/2006/compatibility" xmlns:p14="http://schemas.microsoft.com/office/powerpoint/2010/main" xmlns:p15="http://schemas.microsoft.com/office/powerpoint/2012/main" xmlns:ahyp="http://schemas.microsoft.com/office/drawing/2018/hyperlinkcolor" showMasterPhAnim="0" showMasterSp="0">
+<p:notes xmlns:a="http://schemas.openxmlformats.org/drawingml/2006/main" xmlns:r="http://schemas.openxmlformats.org/officeDocument/2006/relationships" xmlns:p="http://schemas.openxmlformats.org/presentationml/2006/main" showMasterSp="0" showMasterPhAnim="0">
   <p:cSld>
     <p:spTree>
       <p:nvGrpSpPr>
-        <p:cNvPr id="77" name="Shape 77"/>
+        <p:cNvPr id="1" name="Shape 77"/>
         <p:cNvGrpSpPr/>
         <p:nvPr/>
       </p:nvGrpSpPr>
@@ -1410,9 +1460,11 @@
       <p:sp>
         <p:nvSpPr>
           <p:cNvPr id="78" name="Google Shape;78;gc2cb32dc82_0_18:notes"/>
-          <p:cNvSpPr/>
+          <p:cNvSpPr>
+            <a:spLocks noGrp="1" noRot="1" noChangeAspect="1"/>
+          </p:cNvSpPr>
           <p:nvPr>
-            <p:ph idx="2" type="sldImg"/>
+            <p:ph type="sldImg" idx="2"/>
           </p:nvPr>
         </p:nvSpPr>
         <p:spPr>
@@ -1421,9 +1473,13 @@
             <a:ext cx="6096000" cy="3429000"/>
           </a:xfrm>
           <a:custGeom>
-            <a:rect b="b" l="l" r="r" t="t"/>
+            <a:avLst/>
+            <a:gdLst/>
+            <a:ahLst/>
+            <a:cxnLst/>
+            <a:rect l="l" t="t" r="r" b="b"/>
             <a:pathLst>
-              <a:path extrusionOk="0" h="120000" w="120000">
+              <a:path w="120000" h="120000" extrusionOk="0">
                 <a:moveTo>
                   <a:pt x="0" y="0"/>
                 </a:moveTo>
@@ -1445,9 +1501,11 @@
       <p:sp>
         <p:nvSpPr>
           <p:cNvPr id="79" name="Google Shape;79;gc2cb32dc82_0_18:notes"/>
-          <p:cNvSpPr txBox="1"/>
+          <p:cNvSpPr txBox="1">
+            <a:spLocks noGrp="1"/>
+          </p:cNvSpPr>
           <p:nvPr>
-            <p:ph idx="1" type="body"/>
+            <p:ph type="body" idx="1"/>
           </p:nvPr>
         </p:nvSpPr>
         <p:spPr>
@@ -1460,12 +1518,12 @@
           </a:prstGeom>
         </p:spPr>
         <p:txBody>
-          <a:bodyPr anchorCtr="0" anchor="t" bIns="91425" lIns="91425" spcFirstLastPara="1" rIns="91425" wrap="square" tIns="91425">
+          <a:bodyPr spcFirstLastPara="1" wrap="square" lIns="91425" tIns="91425" rIns="91425" bIns="91425" anchor="t" anchorCtr="0">
             <a:noAutofit/>
           </a:bodyPr>
           <a:lstStyle/>
           <a:p>
-            <a:pPr indent="0" lvl="0" marL="0" rtl="0" algn="l">
+            <a:pPr marL="0" lvl="0" indent="0" algn="l" rtl="0">
               <a:spcBef>
                 <a:spcPts val="0"/>
               </a:spcBef>
@@ -1474,9 +1532,6 @@
               </a:spcAft>
               <a:buNone/>
             </a:pPr>
-            <a:r>
-              <a:t/>
-            </a:r>
             <a:endParaRPr/>
           </a:p>
         </p:txBody>
@@ -1490,11 +1545,11 @@
 </file>
 
 <file path=ppt/notesSlides/notesSlide6.xml><?xml version="1.0" encoding="utf-8"?>
-<p:notes xmlns:a="http://schemas.openxmlformats.org/drawingml/2006/main" xmlns:r="http://schemas.openxmlformats.org/officeDocument/2006/relationships" xmlns:mc="http://schemas.openxmlformats.org/markup-compatibility/2006" xmlns:mv="urn:schemas-microsoft-com:mac:vml" xmlns:p="http://schemas.openxmlformats.org/presentationml/2006/main" xmlns:c="http://schemas.openxmlformats.org/drawingml/2006/chart" xmlns:dgm="http://schemas.openxmlformats.org/drawingml/2006/diagram" xmlns:o="urn:schemas-microsoft-com:office:office" xmlns:v="urn:schemas-microsoft-com:vml" xmlns:pvml="urn:schemas-microsoft-com:office:powerpoint" xmlns:com="http://schemas.openxmlformats.org/drawingml/2006/compatibility" xmlns:p14="http://schemas.microsoft.com/office/powerpoint/2010/main" xmlns:p15="http://schemas.microsoft.com/office/powerpoint/2012/main" xmlns:ahyp="http://schemas.microsoft.com/office/drawing/2018/hyperlinkcolor" showMasterPhAnim="0" showMasterSp="0">
+<p:notes xmlns:a="http://schemas.openxmlformats.org/drawingml/2006/main" xmlns:r="http://schemas.openxmlformats.org/officeDocument/2006/relationships" xmlns:p="http://schemas.openxmlformats.org/presentationml/2006/main" showMasterSp="0" showMasterPhAnim="0">
   <p:cSld>
     <p:spTree>
       <p:nvGrpSpPr>
-        <p:cNvPr id="84" name="Shape 84"/>
+        <p:cNvPr id="1" name="Shape 84"/>
         <p:cNvGrpSpPr/>
         <p:nvPr/>
       </p:nvGrpSpPr>
@@ -1509,9 +1564,11 @@
       <p:sp>
         <p:nvSpPr>
           <p:cNvPr id="85" name="Google Shape;85;gc2cb32dc82_0_24:notes"/>
-          <p:cNvSpPr/>
+          <p:cNvSpPr>
+            <a:spLocks noGrp="1" noRot="1" noChangeAspect="1"/>
+          </p:cNvSpPr>
           <p:nvPr>
-            <p:ph idx="2" type="sldImg"/>
+            <p:ph type="sldImg" idx="2"/>
           </p:nvPr>
         </p:nvSpPr>
         <p:spPr>
@@ -1520,9 +1577,13 @@
             <a:ext cx="6096000" cy="3429000"/>
           </a:xfrm>
           <a:custGeom>
-            <a:rect b="b" l="l" r="r" t="t"/>
+            <a:avLst/>
+            <a:gdLst/>
+            <a:ahLst/>
+            <a:cxnLst/>
+            <a:rect l="l" t="t" r="r" b="b"/>
             <a:pathLst>
-              <a:path extrusionOk="0" h="120000" w="120000">
+              <a:path w="120000" h="120000" extrusionOk="0">
                 <a:moveTo>
                   <a:pt x="0" y="0"/>
                 </a:moveTo>
@@ -1544,9 +1605,11 @@
       <p:sp>
         <p:nvSpPr>
           <p:cNvPr id="86" name="Google Shape;86;gc2cb32dc82_0_24:notes"/>
-          <p:cNvSpPr txBox="1"/>
+          <p:cNvSpPr txBox="1">
+            <a:spLocks noGrp="1"/>
+          </p:cNvSpPr>
           <p:nvPr>
-            <p:ph idx="1" type="body"/>
+            <p:ph type="body" idx="1"/>
           </p:nvPr>
         </p:nvSpPr>
         <p:spPr>
@@ -1559,12 +1622,12 @@
           </a:prstGeom>
         </p:spPr>
         <p:txBody>
-          <a:bodyPr anchorCtr="0" anchor="t" bIns="91425" lIns="91425" spcFirstLastPara="1" rIns="91425" wrap="square" tIns="91425">
+          <a:bodyPr spcFirstLastPara="1" wrap="square" lIns="91425" tIns="91425" rIns="91425" bIns="91425" anchor="t" anchorCtr="0">
             <a:noAutofit/>
           </a:bodyPr>
           <a:lstStyle/>
           <a:p>
-            <a:pPr indent="0" lvl="0" marL="0" rtl="0" algn="l">
+            <a:pPr marL="0" lvl="0" indent="0" algn="l" rtl="0">
               <a:spcBef>
                 <a:spcPts val="0"/>
               </a:spcBef>
@@ -1573,9 +1636,6 @@
               </a:spcAft>
               <a:buNone/>
             </a:pPr>
-            <a:r>
-              <a:t/>
-            </a:r>
             <a:endParaRPr/>
           </a:p>
         </p:txBody>
@@ -1589,11 +1649,11 @@
 </file>
 
 <file path=ppt/notesSlides/notesSlide7.xml><?xml version="1.0" encoding="utf-8"?>
-<p:notes xmlns:a="http://schemas.openxmlformats.org/drawingml/2006/main" xmlns:r="http://schemas.openxmlformats.org/officeDocument/2006/relationships" xmlns:mc="http://schemas.openxmlformats.org/markup-compatibility/2006" xmlns:mv="urn:schemas-microsoft-com:mac:vml" xmlns:p="http://schemas.openxmlformats.org/presentationml/2006/main" xmlns:c="http://schemas.openxmlformats.org/drawingml/2006/chart" xmlns:dgm="http://schemas.openxmlformats.org/drawingml/2006/diagram" xmlns:o="urn:schemas-microsoft-com:office:office" xmlns:v="urn:schemas-microsoft-com:vml" xmlns:pvml="urn:schemas-microsoft-com:office:powerpoint" xmlns:com="http://schemas.openxmlformats.org/drawingml/2006/compatibility" xmlns:p14="http://schemas.microsoft.com/office/powerpoint/2010/main" xmlns:p15="http://schemas.microsoft.com/office/powerpoint/2012/main" xmlns:ahyp="http://schemas.microsoft.com/office/drawing/2018/hyperlinkcolor" showMasterPhAnim="0" showMasterSp="0">
+<p:notes xmlns:a="http://schemas.openxmlformats.org/drawingml/2006/main" xmlns:r="http://schemas.openxmlformats.org/officeDocument/2006/relationships" xmlns:p="http://schemas.openxmlformats.org/presentationml/2006/main" showMasterSp="0" showMasterPhAnim="0">
   <p:cSld>
     <p:spTree>
       <p:nvGrpSpPr>
-        <p:cNvPr id="91" name="Shape 91"/>
+        <p:cNvPr id="1" name="Shape 91"/>
         <p:cNvGrpSpPr/>
         <p:nvPr/>
       </p:nvGrpSpPr>
@@ -1608,9 +1668,11 @@
       <p:sp>
         <p:nvSpPr>
           <p:cNvPr id="92" name="Google Shape;92;gc4f121afd6_1_0:notes"/>
-          <p:cNvSpPr/>
+          <p:cNvSpPr>
+            <a:spLocks noGrp="1" noRot="1" noChangeAspect="1"/>
+          </p:cNvSpPr>
           <p:nvPr>
-            <p:ph idx="2" type="sldImg"/>
+            <p:ph type="sldImg" idx="2"/>
           </p:nvPr>
         </p:nvSpPr>
         <p:spPr>
@@ -1619,9 +1681,13 @@
             <a:ext cx="6096000" cy="3429000"/>
           </a:xfrm>
           <a:custGeom>
-            <a:rect b="b" l="l" r="r" t="t"/>
+            <a:avLst/>
+            <a:gdLst/>
+            <a:ahLst/>
+            <a:cxnLst/>
+            <a:rect l="l" t="t" r="r" b="b"/>
             <a:pathLst>
-              <a:path extrusionOk="0" h="120000" w="120000">
+              <a:path w="120000" h="120000" extrusionOk="0">
                 <a:moveTo>
                   <a:pt x="0" y="0"/>
                 </a:moveTo>
@@ -1643,9 +1709,11 @@
       <p:sp>
         <p:nvSpPr>
           <p:cNvPr id="93" name="Google Shape;93;gc4f121afd6_1_0:notes"/>
-          <p:cNvSpPr txBox="1"/>
+          <p:cNvSpPr txBox="1">
+            <a:spLocks noGrp="1"/>
+          </p:cNvSpPr>
           <p:nvPr>
-            <p:ph idx="1" type="body"/>
+            <p:ph type="body" idx="1"/>
           </p:nvPr>
         </p:nvSpPr>
         <p:spPr>
@@ -1658,12 +1726,12 @@
           </a:prstGeom>
         </p:spPr>
         <p:txBody>
-          <a:bodyPr anchorCtr="0" anchor="t" bIns="91425" lIns="91425" spcFirstLastPara="1" rIns="91425" wrap="square" tIns="91425">
+          <a:bodyPr spcFirstLastPara="1" wrap="square" lIns="91425" tIns="91425" rIns="91425" bIns="91425" anchor="t" anchorCtr="0">
             <a:noAutofit/>
           </a:bodyPr>
           <a:lstStyle/>
           <a:p>
-            <a:pPr indent="0" lvl="0" marL="0" rtl="0" algn="l">
+            <a:pPr marL="0" lvl="0" indent="0" algn="l" rtl="0">
               <a:spcBef>
                 <a:spcPts val="0"/>
               </a:spcBef>
@@ -1672,9 +1740,6 @@
               </a:spcAft>
               <a:buNone/>
             </a:pPr>
-            <a:r>
-              <a:t/>
-            </a:r>
             <a:endParaRPr/>
           </a:p>
         </p:txBody>
@@ -1688,11 +1753,11 @@
 </file>
 
 <file path=ppt/notesSlides/notesSlide8.xml><?xml version="1.0" encoding="utf-8"?>
-<p:notes xmlns:a="http://schemas.openxmlformats.org/drawingml/2006/main" xmlns:r="http://schemas.openxmlformats.org/officeDocument/2006/relationships" xmlns:mc="http://schemas.openxmlformats.org/markup-compatibility/2006" xmlns:mv="urn:schemas-microsoft-com:mac:vml" xmlns:p="http://schemas.openxmlformats.org/presentationml/2006/main" xmlns:c="http://schemas.openxmlformats.org/drawingml/2006/chart" xmlns:dgm="http://schemas.openxmlformats.org/drawingml/2006/diagram" xmlns:o="urn:schemas-microsoft-com:office:office" xmlns:v="urn:schemas-microsoft-com:vml" xmlns:pvml="urn:schemas-microsoft-com:office:powerpoint" xmlns:com="http://schemas.openxmlformats.org/drawingml/2006/compatibility" xmlns:p14="http://schemas.microsoft.com/office/powerpoint/2010/main" xmlns:p15="http://schemas.microsoft.com/office/powerpoint/2012/main" xmlns:ahyp="http://schemas.microsoft.com/office/drawing/2018/hyperlinkcolor" showMasterPhAnim="0" showMasterSp="0">
+<p:notes xmlns:a="http://schemas.openxmlformats.org/drawingml/2006/main" xmlns:r="http://schemas.openxmlformats.org/officeDocument/2006/relationships" xmlns:p="http://schemas.openxmlformats.org/presentationml/2006/main" showMasterSp="0" showMasterPhAnim="0">
   <p:cSld>
     <p:spTree>
       <p:nvGrpSpPr>
-        <p:cNvPr id="98" name="Shape 98"/>
+        <p:cNvPr id="1" name="Shape 98"/>
         <p:cNvGrpSpPr/>
         <p:nvPr/>
       </p:nvGrpSpPr>
@@ -1707,9 +1772,11 @@
       <p:sp>
         <p:nvSpPr>
           <p:cNvPr id="99" name="Google Shape;99;gc8b7a38e04_0_2:notes"/>
-          <p:cNvSpPr/>
+          <p:cNvSpPr>
+            <a:spLocks noGrp="1" noRot="1" noChangeAspect="1"/>
+          </p:cNvSpPr>
           <p:nvPr>
-            <p:ph idx="2" type="sldImg"/>
+            <p:ph type="sldImg" idx="2"/>
           </p:nvPr>
         </p:nvSpPr>
         <p:spPr>
@@ -1718,9 +1785,13 @@
             <a:ext cx="6096000" cy="3429000"/>
           </a:xfrm>
           <a:custGeom>
-            <a:rect b="b" l="l" r="r" t="t"/>
+            <a:avLst/>
+            <a:gdLst/>
+            <a:ahLst/>
+            <a:cxnLst/>
+            <a:rect l="l" t="t" r="r" b="b"/>
             <a:pathLst>
-              <a:path extrusionOk="0" h="120000" w="120000">
+              <a:path w="120000" h="120000" extrusionOk="0">
                 <a:moveTo>
                   <a:pt x="0" y="0"/>
                 </a:moveTo>
@@ -1742,9 +1813,11 @@
       <p:sp>
         <p:nvSpPr>
           <p:cNvPr id="100" name="Google Shape;100;gc8b7a38e04_0_2:notes"/>
-          <p:cNvSpPr txBox="1"/>
+          <p:cNvSpPr txBox="1">
+            <a:spLocks noGrp="1"/>
+          </p:cNvSpPr>
           <p:nvPr>
-            <p:ph idx="1" type="body"/>
+            <p:ph type="body" idx="1"/>
           </p:nvPr>
         </p:nvSpPr>
         <p:spPr>
@@ -1757,12 +1830,12 @@
           </a:prstGeom>
         </p:spPr>
         <p:txBody>
-          <a:bodyPr anchorCtr="0" anchor="t" bIns="91425" lIns="91425" spcFirstLastPara="1" rIns="91425" wrap="square" tIns="91425">
+          <a:bodyPr spcFirstLastPara="1" wrap="square" lIns="91425" tIns="91425" rIns="91425" bIns="91425" anchor="t" anchorCtr="0">
             <a:noAutofit/>
           </a:bodyPr>
           <a:lstStyle/>
           <a:p>
-            <a:pPr indent="0" lvl="0" marL="0" rtl="0" algn="l">
+            <a:pPr marL="0" lvl="0" indent="0" algn="l" rtl="0">
               <a:spcBef>
                 <a:spcPts val="0"/>
               </a:spcBef>
@@ -1771,9 +1844,6 @@
               </a:spcAft>
               <a:buNone/>
             </a:pPr>
-            <a:r>
-              <a:t/>
-            </a:r>
             <a:endParaRPr/>
           </a:p>
         </p:txBody>
@@ -1787,11 +1857,11 @@
 </file>
 
 <file path=ppt/notesSlides/notesSlide9.xml><?xml version="1.0" encoding="utf-8"?>
-<p:notes xmlns:a="http://schemas.openxmlformats.org/drawingml/2006/main" xmlns:r="http://schemas.openxmlformats.org/officeDocument/2006/relationships" xmlns:mc="http://schemas.openxmlformats.org/markup-compatibility/2006" xmlns:mv="urn:schemas-microsoft-com:mac:vml" xmlns:p="http://schemas.openxmlformats.org/presentationml/2006/main" xmlns:c="http://schemas.openxmlformats.org/drawingml/2006/chart" xmlns:dgm="http://schemas.openxmlformats.org/drawingml/2006/diagram" xmlns:o="urn:schemas-microsoft-com:office:office" xmlns:v="urn:schemas-microsoft-com:vml" xmlns:pvml="urn:schemas-microsoft-com:office:powerpoint" xmlns:com="http://schemas.openxmlformats.org/drawingml/2006/compatibility" xmlns:p14="http://schemas.microsoft.com/office/powerpoint/2010/main" xmlns:p15="http://schemas.microsoft.com/office/powerpoint/2012/main" xmlns:ahyp="http://schemas.microsoft.com/office/drawing/2018/hyperlinkcolor" showMasterPhAnim="0" showMasterSp="0">
+<p:notes xmlns:a="http://schemas.openxmlformats.org/drawingml/2006/main" xmlns:r="http://schemas.openxmlformats.org/officeDocument/2006/relationships" xmlns:p="http://schemas.openxmlformats.org/presentationml/2006/main" showMasterSp="0" showMasterPhAnim="0">
   <p:cSld>
     <p:spTree>
       <p:nvGrpSpPr>
-        <p:cNvPr id="105" name="Shape 105"/>
+        <p:cNvPr id="1" name="Shape 105"/>
         <p:cNvGrpSpPr/>
         <p:nvPr/>
       </p:nvGrpSpPr>
@@ -1806,20 +1876,26 @@
       <p:sp>
         <p:nvSpPr>
           <p:cNvPr id="106" name="Google Shape;106;gcbb020cf96_0_0:notes"/>
-          <p:cNvSpPr/>
+          <p:cNvSpPr>
+            <a:spLocks noGrp="1" noRot="1" noChangeAspect="1"/>
+          </p:cNvSpPr>
           <p:nvPr>
-            <p:ph idx="2" type="sldImg"/>
+            <p:ph type="sldImg" idx="2"/>
           </p:nvPr>
         </p:nvSpPr>
         <p:spPr>
           <a:xfrm>
-            <a:off x="381300" y="685800"/>
+            <a:off x="381000" y="685800"/>
             <a:ext cx="6096000" cy="3429000"/>
           </a:xfrm>
           <a:custGeom>
-            <a:rect b="b" l="l" r="r" t="t"/>
+            <a:avLst/>
+            <a:gdLst/>
+            <a:ahLst/>
+            <a:cxnLst/>
+            <a:rect l="l" t="t" r="r" b="b"/>
             <a:pathLst>
-              <a:path extrusionOk="0" h="120000" w="120000">
+              <a:path w="120000" h="120000" extrusionOk="0">
                 <a:moveTo>
                   <a:pt x="0" y="0"/>
                 </a:moveTo>
@@ -1841,9 +1917,11 @@
       <p:sp>
         <p:nvSpPr>
           <p:cNvPr id="107" name="Google Shape;107;gcbb020cf96_0_0:notes"/>
-          <p:cNvSpPr txBox="1"/>
+          <p:cNvSpPr txBox="1">
+            <a:spLocks noGrp="1"/>
+          </p:cNvSpPr>
           <p:nvPr>
-            <p:ph idx="1" type="body"/>
+            <p:ph type="body" idx="1"/>
           </p:nvPr>
         </p:nvSpPr>
         <p:spPr>
@@ -1856,12 +1934,12 @@
           </a:prstGeom>
         </p:spPr>
         <p:txBody>
-          <a:bodyPr anchorCtr="0" anchor="t" bIns="91425" lIns="91425" spcFirstLastPara="1" rIns="91425" wrap="square" tIns="91425">
+          <a:bodyPr spcFirstLastPara="1" wrap="square" lIns="91425" tIns="91425" rIns="91425" bIns="91425" anchor="t" anchorCtr="0">
             <a:noAutofit/>
           </a:bodyPr>
           <a:lstStyle/>
           <a:p>
-            <a:pPr indent="0" lvl="0" marL="0" rtl="0" algn="l">
+            <a:pPr marL="0" lvl="0" indent="0" algn="l" rtl="0">
               <a:spcBef>
                 <a:spcPts val="0"/>
               </a:spcBef>
@@ -1870,9 +1948,6 @@
               </a:spcAft>
               <a:buNone/>
             </a:pPr>
-            <a:r>
-              <a:t/>
-            </a:r>
             <a:endParaRPr/>
           </a:p>
         </p:txBody>
@@ -1886,11 +1961,11 @@
 </file>
 
 <file path=ppt/slideLayouts/slideLayout1.xml><?xml version="1.0" encoding="utf-8"?>
-<p:sldLayout xmlns:a="http://schemas.openxmlformats.org/drawingml/2006/main" xmlns:r="http://schemas.openxmlformats.org/officeDocument/2006/relationships" xmlns:mc="http://schemas.openxmlformats.org/markup-compatibility/2006" xmlns:mv="urn:schemas-microsoft-com:mac:vml" xmlns:p="http://schemas.openxmlformats.org/presentationml/2006/main" xmlns:c="http://schemas.openxmlformats.org/drawingml/2006/chart" xmlns:dgm="http://schemas.openxmlformats.org/drawingml/2006/diagram" xmlns:o="urn:schemas-microsoft-com:office:office" xmlns:v="urn:schemas-microsoft-com:vml" xmlns:pvml="urn:schemas-microsoft-com:office:powerpoint" xmlns:com="http://schemas.openxmlformats.org/drawingml/2006/compatibility" xmlns:p14="http://schemas.microsoft.com/office/powerpoint/2010/main" xmlns:p15="http://schemas.microsoft.com/office/powerpoint/2012/main" xmlns:ahyp="http://schemas.microsoft.com/office/drawing/2018/hyperlinkcolor" matchingName="Title slide" type="title">
+<p:sldLayout xmlns:a="http://schemas.openxmlformats.org/drawingml/2006/main" xmlns:r="http://schemas.openxmlformats.org/officeDocument/2006/relationships" xmlns:p="http://schemas.openxmlformats.org/presentationml/2006/main" matchingName="Title slide" type="title">
   <p:cSld name="TITLE">
     <p:spTree>
       <p:nvGrpSpPr>
-        <p:cNvPr id="9" name="Shape 9"/>
+        <p:cNvPr id="1" name="Shape 9"/>
         <p:cNvGrpSpPr/>
         <p:nvPr/>
       </p:nvGrpSpPr>
@@ -1905,7 +1980,9 @@
       <p:sp>
         <p:nvSpPr>
           <p:cNvPr id="10" name="Google Shape;10;p2"/>
-          <p:cNvSpPr txBox="1"/>
+          <p:cNvSpPr txBox="1">
+            <a:spLocks noGrp="1"/>
+          </p:cNvSpPr>
           <p:nvPr>
             <p:ph type="ctrTitle"/>
           </p:nvPr>
@@ -1920,7 +1997,7 @@
           </a:prstGeom>
         </p:spPr>
         <p:txBody>
-          <a:bodyPr anchorCtr="0" anchor="b" bIns="91425" lIns="91425" spcFirstLastPara="1" rIns="91425" wrap="square" tIns="91425">
+          <a:bodyPr spcFirstLastPara="1" wrap="square" lIns="91425" tIns="91425" rIns="91425" bIns="91425" anchor="b" anchorCtr="0">
             <a:normAutofit/>
           </a:bodyPr>
           <a:lstStyle>
@@ -2024,15 +2101,19 @@
               <a:defRPr sz="5200"/>
             </a:lvl9pPr>
           </a:lstStyle>
-          <a:p/>
+          <a:p>
+            <a:endParaRPr/>
+          </a:p>
         </p:txBody>
       </p:sp>
       <p:sp>
         <p:nvSpPr>
           <p:cNvPr id="11" name="Google Shape;11;p2"/>
-          <p:cNvSpPr txBox="1"/>
+          <p:cNvSpPr txBox="1">
+            <a:spLocks noGrp="1"/>
+          </p:cNvSpPr>
           <p:nvPr>
-            <p:ph idx="1" type="subTitle"/>
+            <p:ph type="subTitle" idx="1"/>
           </p:nvPr>
         </p:nvSpPr>
         <p:spPr>
@@ -2045,7 +2126,7 @@
           </a:prstGeom>
         </p:spPr>
         <p:txBody>
-          <a:bodyPr anchorCtr="0" anchor="t" bIns="91425" lIns="91425" spcFirstLastPara="1" rIns="91425" wrap="square" tIns="91425">
+          <a:bodyPr spcFirstLastPara="1" wrap="square" lIns="91425" tIns="91425" rIns="91425" bIns="91425" anchor="t" anchorCtr="0">
             <a:normAutofit/>
           </a:bodyPr>
           <a:lstStyle>
@@ -2176,15 +2257,19 @@
               <a:defRPr sz="2800"/>
             </a:lvl9pPr>
           </a:lstStyle>
-          <a:p/>
+          <a:p>
+            <a:endParaRPr/>
+          </a:p>
         </p:txBody>
       </p:sp>
       <p:sp>
         <p:nvSpPr>
           <p:cNvPr id="12" name="Google Shape;12;p2"/>
-          <p:cNvSpPr txBox="1"/>
+          <p:cNvSpPr txBox="1">
+            <a:spLocks noGrp="1"/>
+          </p:cNvSpPr>
           <p:nvPr>
-            <p:ph idx="12" type="sldNum"/>
+            <p:ph type="sldNum" idx="12"/>
           </p:nvPr>
         </p:nvSpPr>
         <p:spPr>
@@ -2197,7 +2282,7 @@
           </a:prstGeom>
         </p:spPr>
         <p:txBody>
-          <a:bodyPr anchorCtr="0" anchor="ctr" bIns="91425" lIns="91425" spcFirstLastPara="1" rIns="91425" wrap="square" tIns="91425">
+          <a:bodyPr spcFirstLastPara="1" wrap="square" lIns="91425" tIns="91425" rIns="91425" bIns="91425" anchor="ctr" anchorCtr="0">
             <a:normAutofit/>
           </a:bodyPr>
           <a:lstStyle>
@@ -2239,7 +2324,7 @@
             </a:lvl9pPr>
           </a:lstStyle>
           <a:p>
-            <a:pPr indent="0" lvl="0" marL="0" rtl="0" algn="r">
+            <a:pPr marL="0" lvl="0" indent="0" algn="r" rtl="0">
               <a:spcBef>
                 <a:spcPts val="0"/>
               </a:spcBef>
@@ -2265,11 +2350,11 @@
 </file>
 
 <file path=ppt/slideLayouts/slideLayout10.xml><?xml version="1.0" encoding="utf-8"?>
-<p:sldLayout xmlns:a="http://schemas.openxmlformats.org/drawingml/2006/main" xmlns:r="http://schemas.openxmlformats.org/officeDocument/2006/relationships" xmlns:mc="http://schemas.openxmlformats.org/markup-compatibility/2006" xmlns:mv="urn:schemas-microsoft-com:mac:vml" xmlns:p="http://schemas.openxmlformats.org/presentationml/2006/main" xmlns:c="http://schemas.openxmlformats.org/drawingml/2006/chart" xmlns:dgm="http://schemas.openxmlformats.org/drawingml/2006/diagram" xmlns:o="urn:schemas-microsoft-com:office:office" xmlns:v="urn:schemas-microsoft-com:vml" xmlns:pvml="urn:schemas-microsoft-com:office:powerpoint" xmlns:com="http://schemas.openxmlformats.org/drawingml/2006/compatibility" xmlns:p14="http://schemas.microsoft.com/office/powerpoint/2010/main" xmlns:p15="http://schemas.microsoft.com/office/powerpoint/2012/main" xmlns:ahyp="http://schemas.microsoft.com/office/drawing/2018/hyperlinkcolor" matchingName="Big number">
+<p:sldLayout xmlns:a="http://schemas.openxmlformats.org/drawingml/2006/main" xmlns:r="http://schemas.openxmlformats.org/officeDocument/2006/relationships" xmlns:p="http://schemas.openxmlformats.org/presentationml/2006/main" matchingName="Big number">
   <p:cSld name="BIG_NUMBER">
     <p:spTree>
       <p:nvGrpSpPr>
-        <p:cNvPr id="44" name="Shape 44"/>
+        <p:cNvPr id="1" name="Shape 44"/>
         <p:cNvGrpSpPr/>
         <p:nvPr/>
       </p:nvGrpSpPr>
@@ -2284,9 +2369,11 @@
       <p:sp>
         <p:nvSpPr>
           <p:cNvPr id="45" name="Google Shape;45;p11"/>
-          <p:cNvSpPr txBox="1"/>
+          <p:cNvSpPr txBox="1">
+            <a:spLocks noGrp="1"/>
+          </p:cNvSpPr>
           <p:nvPr>
-            <p:ph hasCustomPrompt="1" type="title"/>
+            <p:ph type="title" hasCustomPrompt="1"/>
           </p:nvPr>
         </p:nvSpPr>
         <p:spPr>
@@ -2299,7 +2386,7 @@
           </a:prstGeom>
         </p:spPr>
         <p:txBody>
-          <a:bodyPr anchorCtr="0" anchor="b" bIns="91425" lIns="91425" spcFirstLastPara="1" rIns="91425" wrap="square" tIns="91425">
+          <a:bodyPr spcFirstLastPara="1" wrap="square" lIns="91425" tIns="91425" rIns="91425" bIns="91425" anchor="b" anchorCtr="0">
             <a:normAutofit/>
           </a:bodyPr>
           <a:lstStyle>
@@ -2413,9 +2500,11 @@
       <p:sp>
         <p:nvSpPr>
           <p:cNvPr id="46" name="Google Shape;46;p11"/>
-          <p:cNvSpPr txBox="1"/>
+          <p:cNvSpPr txBox="1">
+            <a:spLocks noGrp="1"/>
+          </p:cNvSpPr>
           <p:nvPr>
-            <p:ph idx="1" type="body"/>
+            <p:ph type="body" idx="1"/>
           </p:nvPr>
         </p:nvSpPr>
         <p:spPr>
@@ -2428,11 +2517,11 @@
           </a:prstGeom>
         </p:spPr>
         <p:txBody>
-          <a:bodyPr anchorCtr="0" anchor="t" bIns="91425" lIns="91425" spcFirstLastPara="1" rIns="91425" wrap="square" tIns="91425">
+          <a:bodyPr spcFirstLastPara="1" wrap="square" lIns="91425" tIns="91425" rIns="91425" bIns="91425" anchor="t" anchorCtr="0">
             <a:normAutofit/>
           </a:bodyPr>
           <a:lstStyle>
-            <a:lvl1pPr indent="-342900" lvl="0" marL="457200" algn="ctr">
+            <a:lvl1pPr marL="457200" lvl="0" indent="-342900" algn="ctr">
               <a:spcBef>
                 <a:spcPts val="0"/>
               </a:spcBef>
@@ -2443,7 +2532,7 @@
               <a:buChar char="●"/>
               <a:defRPr/>
             </a:lvl1pPr>
-            <a:lvl2pPr indent="-317500" lvl="1" marL="914400" algn="ctr">
+            <a:lvl2pPr marL="914400" lvl="1" indent="-317500" algn="ctr">
               <a:spcBef>
                 <a:spcPts val="0"/>
               </a:spcBef>
@@ -2454,7 +2543,7 @@
               <a:buChar char="○"/>
               <a:defRPr/>
             </a:lvl2pPr>
-            <a:lvl3pPr indent="-317500" lvl="2" marL="1371600" algn="ctr">
+            <a:lvl3pPr marL="1371600" lvl="2" indent="-317500" algn="ctr">
               <a:spcBef>
                 <a:spcPts val="0"/>
               </a:spcBef>
@@ -2465,7 +2554,7 @@
               <a:buChar char="■"/>
               <a:defRPr/>
             </a:lvl3pPr>
-            <a:lvl4pPr indent="-317500" lvl="3" marL="1828800" algn="ctr">
+            <a:lvl4pPr marL="1828800" lvl="3" indent="-317500" algn="ctr">
               <a:spcBef>
                 <a:spcPts val="0"/>
               </a:spcBef>
@@ -2476,7 +2565,7 @@
               <a:buChar char="●"/>
               <a:defRPr/>
             </a:lvl4pPr>
-            <a:lvl5pPr indent="-317500" lvl="4" marL="2286000" algn="ctr">
+            <a:lvl5pPr marL="2286000" lvl="4" indent="-317500" algn="ctr">
               <a:spcBef>
                 <a:spcPts val="0"/>
               </a:spcBef>
@@ -2487,7 +2576,7 @@
               <a:buChar char="○"/>
               <a:defRPr/>
             </a:lvl5pPr>
-            <a:lvl6pPr indent="-317500" lvl="5" marL="2743200" algn="ctr">
+            <a:lvl6pPr marL="2743200" lvl="5" indent="-317500" algn="ctr">
               <a:spcBef>
                 <a:spcPts val="0"/>
               </a:spcBef>
@@ -2498,7 +2587,7 @@
               <a:buChar char="■"/>
               <a:defRPr/>
             </a:lvl6pPr>
-            <a:lvl7pPr indent="-317500" lvl="6" marL="3200400" algn="ctr">
+            <a:lvl7pPr marL="3200400" lvl="6" indent="-317500" algn="ctr">
               <a:spcBef>
                 <a:spcPts val="0"/>
               </a:spcBef>
@@ -2509,7 +2598,7 @@
               <a:buChar char="●"/>
               <a:defRPr/>
             </a:lvl7pPr>
-            <a:lvl8pPr indent="-317500" lvl="7" marL="3657600" algn="ctr">
+            <a:lvl8pPr marL="3657600" lvl="7" indent="-317500" algn="ctr">
               <a:spcBef>
                 <a:spcPts val="0"/>
               </a:spcBef>
@@ -2520,7 +2609,7 @@
               <a:buChar char="○"/>
               <a:defRPr/>
             </a:lvl8pPr>
-            <a:lvl9pPr indent="-317500" lvl="8" marL="4114800" algn="ctr">
+            <a:lvl9pPr marL="4114800" lvl="8" indent="-317500" algn="ctr">
               <a:spcBef>
                 <a:spcPts val="0"/>
               </a:spcBef>
@@ -2532,15 +2621,19 @@
               <a:defRPr/>
             </a:lvl9pPr>
           </a:lstStyle>
-          <a:p/>
+          <a:p>
+            <a:endParaRPr/>
+          </a:p>
         </p:txBody>
       </p:sp>
       <p:sp>
         <p:nvSpPr>
           <p:cNvPr id="47" name="Google Shape;47;p11"/>
-          <p:cNvSpPr txBox="1"/>
+          <p:cNvSpPr txBox="1">
+            <a:spLocks noGrp="1"/>
+          </p:cNvSpPr>
           <p:nvPr>
-            <p:ph idx="12" type="sldNum"/>
+            <p:ph type="sldNum" idx="12"/>
           </p:nvPr>
         </p:nvSpPr>
         <p:spPr>
@@ -2553,7 +2646,7 @@
           </a:prstGeom>
         </p:spPr>
         <p:txBody>
-          <a:bodyPr anchorCtr="0" anchor="ctr" bIns="91425" lIns="91425" spcFirstLastPara="1" rIns="91425" wrap="square" tIns="91425">
+          <a:bodyPr spcFirstLastPara="1" wrap="square" lIns="91425" tIns="91425" rIns="91425" bIns="91425" anchor="ctr" anchorCtr="0">
             <a:normAutofit/>
           </a:bodyPr>
           <a:lstStyle>
@@ -2595,7 +2688,7 @@
             </a:lvl9pPr>
           </a:lstStyle>
           <a:p>
-            <a:pPr indent="0" lvl="0" marL="0" rtl="0" algn="r">
+            <a:pPr marL="0" lvl="0" indent="0" algn="r" rtl="0">
               <a:spcBef>
                 <a:spcPts val="0"/>
               </a:spcBef>
@@ -2621,11 +2714,11 @@
 </file>
 
 <file path=ppt/slideLayouts/slideLayout11.xml><?xml version="1.0" encoding="utf-8"?>
-<p:sldLayout xmlns:a="http://schemas.openxmlformats.org/drawingml/2006/main" xmlns:r="http://schemas.openxmlformats.org/officeDocument/2006/relationships" xmlns:mc="http://schemas.openxmlformats.org/markup-compatibility/2006" xmlns:mv="urn:schemas-microsoft-com:mac:vml" xmlns:p="http://schemas.openxmlformats.org/presentationml/2006/main" xmlns:c="http://schemas.openxmlformats.org/drawingml/2006/chart" xmlns:dgm="http://schemas.openxmlformats.org/drawingml/2006/diagram" xmlns:o="urn:schemas-microsoft-com:office:office" xmlns:v="urn:schemas-microsoft-com:vml" xmlns:pvml="urn:schemas-microsoft-com:office:powerpoint" xmlns:com="http://schemas.openxmlformats.org/drawingml/2006/compatibility" xmlns:p14="http://schemas.microsoft.com/office/powerpoint/2010/main" xmlns:p15="http://schemas.microsoft.com/office/powerpoint/2012/main" xmlns:ahyp="http://schemas.microsoft.com/office/drawing/2018/hyperlinkcolor" matchingName="Blank" type="blank">
+<p:sldLayout xmlns:a="http://schemas.openxmlformats.org/drawingml/2006/main" xmlns:r="http://schemas.openxmlformats.org/officeDocument/2006/relationships" xmlns:p="http://schemas.openxmlformats.org/presentationml/2006/main" matchingName="Blank" type="blank">
   <p:cSld name="BLANK">
     <p:spTree>
       <p:nvGrpSpPr>
-        <p:cNvPr id="48" name="Shape 48"/>
+        <p:cNvPr id="1" name="Shape 48"/>
         <p:cNvGrpSpPr/>
         <p:nvPr/>
       </p:nvGrpSpPr>
@@ -2640,9 +2733,11 @@
       <p:sp>
         <p:nvSpPr>
           <p:cNvPr id="49" name="Google Shape;49;p12"/>
-          <p:cNvSpPr txBox="1"/>
+          <p:cNvSpPr txBox="1">
+            <a:spLocks noGrp="1"/>
+          </p:cNvSpPr>
           <p:nvPr>
-            <p:ph idx="12" type="sldNum"/>
+            <p:ph type="sldNum" idx="12"/>
           </p:nvPr>
         </p:nvSpPr>
         <p:spPr>
@@ -2655,7 +2750,7 @@
           </a:prstGeom>
         </p:spPr>
         <p:txBody>
-          <a:bodyPr anchorCtr="0" anchor="ctr" bIns="91425" lIns="91425" spcFirstLastPara="1" rIns="91425" wrap="square" tIns="91425">
+          <a:bodyPr spcFirstLastPara="1" wrap="square" lIns="91425" tIns="91425" rIns="91425" bIns="91425" anchor="ctr" anchorCtr="0">
             <a:normAutofit/>
           </a:bodyPr>
           <a:lstStyle>
@@ -2697,7 +2792,7 @@
             </a:lvl9pPr>
           </a:lstStyle>
           <a:p>
-            <a:pPr indent="0" lvl="0" marL="0" rtl="0" algn="r">
+            <a:pPr marL="0" lvl="0" indent="0" algn="r" rtl="0">
               <a:spcBef>
                 <a:spcPts val="0"/>
               </a:spcBef>
@@ -2723,11 +2818,11 @@
 </file>
 
 <file path=ppt/slideLayouts/slideLayout2.xml><?xml version="1.0" encoding="utf-8"?>
-<p:sldLayout xmlns:a="http://schemas.openxmlformats.org/drawingml/2006/main" xmlns:r="http://schemas.openxmlformats.org/officeDocument/2006/relationships" xmlns:mc="http://schemas.openxmlformats.org/markup-compatibility/2006" xmlns:mv="urn:schemas-microsoft-com:mac:vml" xmlns:p="http://schemas.openxmlformats.org/presentationml/2006/main" xmlns:c="http://schemas.openxmlformats.org/drawingml/2006/chart" xmlns:dgm="http://schemas.openxmlformats.org/drawingml/2006/diagram" xmlns:o="urn:schemas-microsoft-com:office:office" xmlns:v="urn:schemas-microsoft-com:vml" xmlns:pvml="urn:schemas-microsoft-com:office:powerpoint" xmlns:com="http://schemas.openxmlformats.org/drawingml/2006/compatibility" xmlns:p14="http://schemas.microsoft.com/office/powerpoint/2010/main" xmlns:p15="http://schemas.microsoft.com/office/powerpoint/2012/main" xmlns:ahyp="http://schemas.microsoft.com/office/drawing/2018/hyperlinkcolor" matchingName="Section header" type="secHead">
+<p:sldLayout xmlns:a="http://schemas.openxmlformats.org/drawingml/2006/main" xmlns:r="http://schemas.openxmlformats.org/officeDocument/2006/relationships" xmlns:p="http://schemas.openxmlformats.org/presentationml/2006/main" matchingName="Section header" type="secHead">
   <p:cSld name="SECTION_HEADER">
     <p:spTree>
       <p:nvGrpSpPr>
-        <p:cNvPr id="13" name="Shape 13"/>
+        <p:cNvPr id="1" name="Shape 13"/>
         <p:cNvGrpSpPr/>
         <p:nvPr/>
       </p:nvGrpSpPr>
@@ -2742,7 +2837,9 @@
       <p:sp>
         <p:nvSpPr>
           <p:cNvPr id="14" name="Google Shape;14;p3"/>
-          <p:cNvSpPr txBox="1"/>
+          <p:cNvSpPr txBox="1">
+            <a:spLocks noGrp="1"/>
+          </p:cNvSpPr>
           <p:nvPr>
             <p:ph type="title"/>
           </p:nvPr>
@@ -2757,7 +2854,7 @@
           </a:prstGeom>
         </p:spPr>
         <p:txBody>
-          <a:bodyPr anchorCtr="0" anchor="ctr" bIns="91425" lIns="91425" spcFirstLastPara="1" rIns="91425" wrap="square" tIns="91425">
+          <a:bodyPr spcFirstLastPara="1" wrap="square" lIns="91425" tIns="91425" rIns="91425" bIns="91425" anchor="ctr" anchorCtr="0">
             <a:normAutofit/>
           </a:bodyPr>
           <a:lstStyle>
@@ -2861,15 +2958,19 @@
               <a:defRPr sz="3600"/>
             </a:lvl9pPr>
           </a:lstStyle>
-          <a:p/>
+          <a:p>
+            <a:endParaRPr/>
+          </a:p>
         </p:txBody>
       </p:sp>
       <p:sp>
         <p:nvSpPr>
           <p:cNvPr id="15" name="Google Shape;15;p3"/>
-          <p:cNvSpPr txBox="1"/>
+          <p:cNvSpPr txBox="1">
+            <a:spLocks noGrp="1"/>
+          </p:cNvSpPr>
           <p:nvPr>
-            <p:ph idx="12" type="sldNum"/>
+            <p:ph type="sldNum" idx="12"/>
           </p:nvPr>
         </p:nvSpPr>
         <p:spPr>
@@ -2882,7 +2983,7 @@
           </a:prstGeom>
         </p:spPr>
         <p:txBody>
-          <a:bodyPr anchorCtr="0" anchor="ctr" bIns="91425" lIns="91425" spcFirstLastPara="1" rIns="91425" wrap="square" tIns="91425">
+          <a:bodyPr spcFirstLastPara="1" wrap="square" lIns="91425" tIns="91425" rIns="91425" bIns="91425" anchor="ctr" anchorCtr="0">
             <a:normAutofit/>
           </a:bodyPr>
           <a:lstStyle>
@@ -2924,7 +3025,7 @@
             </a:lvl9pPr>
           </a:lstStyle>
           <a:p>
-            <a:pPr indent="0" lvl="0" marL="0" rtl="0" algn="r">
+            <a:pPr marL="0" lvl="0" indent="0" algn="r" rtl="0">
               <a:spcBef>
                 <a:spcPts val="0"/>
               </a:spcBef>
@@ -2950,11 +3051,11 @@
 </file>
 
 <file path=ppt/slideLayouts/slideLayout3.xml><?xml version="1.0" encoding="utf-8"?>
-<p:sldLayout xmlns:a="http://schemas.openxmlformats.org/drawingml/2006/main" xmlns:r="http://schemas.openxmlformats.org/officeDocument/2006/relationships" xmlns:mc="http://schemas.openxmlformats.org/markup-compatibility/2006" xmlns:mv="urn:schemas-microsoft-com:mac:vml" xmlns:p="http://schemas.openxmlformats.org/presentationml/2006/main" xmlns:c="http://schemas.openxmlformats.org/drawingml/2006/chart" xmlns:dgm="http://schemas.openxmlformats.org/drawingml/2006/diagram" xmlns:o="urn:schemas-microsoft-com:office:office" xmlns:v="urn:schemas-microsoft-com:vml" xmlns:pvml="urn:schemas-microsoft-com:office:powerpoint" xmlns:com="http://schemas.openxmlformats.org/drawingml/2006/compatibility" xmlns:p14="http://schemas.microsoft.com/office/powerpoint/2010/main" xmlns:p15="http://schemas.microsoft.com/office/powerpoint/2012/main" xmlns:ahyp="http://schemas.microsoft.com/office/drawing/2018/hyperlinkcolor" matchingName="Title and body" type="tx">
+<p:sldLayout xmlns:a="http://schemas.openxmlformats.org/drawingml/2006/main" xmlns:r="http://schemas.openxmlformats.org/officeDocument/2006/relationships" xmlns:p="http://schemas.openxmlformats.org/presentationml/2006/main" matchingName="Title and body" type="tx">
   <p:cSld name="TITLE_AND_BODY">
     <p:spTree>
       <p:nvGrpSpPr>
-        <p:cNvPr id="16" name="Shape 16"/>
+        <p:cNvPr id="1" name="Shape 16"/>
         <p:cNvGrpSpPr/>
         <p:nvPr/>
       </p:nvGrpSpPr>
@@ -2969,7 +3070,9 @@
       <p:sp>
         <p:nvSpPr>
           <p:cNvPr id="17" name="Google Shape;17;p4"/>
-          <p:cNvSpPr txBox="1"/>
+          <p:cNvSpPr txBox="1">
+            <a:spLocks noGrp="1"/>
+          </p:cNvSpPr>
           <p:nvPr>
             <p:ph type="title"/>
           </p:nvPr>
@@ -2984,7 +3087,7 @@
           </a:prstGeom>
         </p:spPr>
         <p:txBody>
-          <a:bodyPr anchorCtr="0" anchor="t" bIns="91425" lIns="91425" spcFirstLastPara="1" rIns="91425" wrap="square" tIns="91425">
+          <a:bodyPr spcFirstLastPara="1" wrap="square" lIns="91425" tIns="91425" rIns="91425" bIns="91425" anchor="t" anchorCtr="0">
             <a:normAutofit/>
           </a:bodyPr>
           <a:lstStyle>
@@ -3088,15 +3191,19 @@
               <a:defRPr/>
             </a:lvl9pPr>
           </a:lstStyle>
-          <a:p/>
+          <a:p>
+            <a:endParaRPr/>
+          </a:p>
         </p:txBody>
       </p:sp>
       <p:sp>
         <p:nvSpPr>
           <p:cNvPr id="18" name="Google Shape;18;p4"/>
-          <p:cNvSpPr txBox="1"/>
+          <p:cNvSpPr txBox="1">
+            <a:spLocks noGrp="1"/>
+          </p:cNvSpPr>
           <p:nvPr>
-            <p:ph idx="1" type="body"/>
+            <p:ph type="body" idx="1"/>
           </p:nvPr>
         </p:nvSpPr>
         <p:spPr>
@@ -3109,11 +3216,11 @@
           </a:prstGeom>
         </p:spPr>
         <p:txBody>
-          <a:bodyPr anchorCtr="0" anchor="t" bIns="91425" lIns="91425" spcFirstLastPara="1" rIns="91425" wrap="square" tIns="91425">
+          <a:bodyPr spcFirstLastPara="1" wrap="square" lIns="91425" tIns="91425" rIns="91425" bIns="91425" anchor="t" anchorCtr="0">
             <a:normAutofit/>
           </a:bodyPr>
           <a:lstStyle>
-            <a:lvl1pPr indent="-342900" lvl="0" marL="457200">
+            <a:lvl1pPr marL="457200" lvl="0" indent="-342900">
               <a:spcBef>
                 <a:spcPts val="0"/>
               </a:spcBef>
@@ -3124,7 +3231,7 @@
               <a:buChar char="●"/>
               <a:defRPr/>
             </a:lvl1pPr>
-            <a:lvl2pPr indent="-317500" lvl="1" marL="914400">
+            <a:lvl2pPr marL="914400" lvl="1" indent="-317500">
               <a:spcBef>
                 <a:spcPts val="0"/>
               </a:spcBef>
@@ -3135,7 +3242,7 @@
               <a:buChar char="○"/>
               <a:defRPr/>
             </a:lvl2pPr>
-            <a:lvl3pPr indent="-317500" lvl="2" marL="1371600">
+            <a:lvl3pPr marL="1371600" lvl="2" indent="-317500">
               <a:spcBef>
                 <a:spcPts val="0"/>
               </a:spcBef>
@@ -3146,7 +3253,7 @@
               <a:buChar char="■"/>
               <a:defRPr/>
             </a:lvl3pPr>
-            <a:lvl4pPr indent="-317500" lvl="3" marL="1828800">
+            <a:lvl4pPr marL="1828800" lvl="3" indent="-317500">
               <a:spcBef>
                 <a:spcPts val="0"/>
               </a:spcBef>
@@ -3157,7 +3264,7 @@
               <a:buChar char="●"/>
               <a:defRPr/>
             </a:lvl4pPr>
-            <a:lvl5pPr indent="-317500" lvl="4" marL="2286000">
+            <a:lvl5pPr marL="2286000" lvl="4" indent="-317500">
               <a:spcBef>
                 <a:spcPts val="0"/>
               </a:spcBef>
@@ -3168,7 +3275,7 @@
               <a:buChar char="○"/>
               <a:defRPr/>
             </a:lvl5pPr>
-            <a:lvl6pPr indent="-317500" lvl="5" marL="2743200">
+            <a:lvl6pPr marL="2743200" lvl="5" indent="-317500">
               <a:spcBef>
                 <a:spcPts val="0"/>
               </a:spcBef>
@@ -3179,7 +3286,7 @@
               <a:buChar char="■"/>
               <a:defRPr/>
             </a:lvl6pPr>
-            <a:lvl7pPr indent="-317500" lvl="6" marL="3200400">
+            <a:lvl7pPr marL="3200400" lvl="6" indent="-317500">
               <a:spcBef>
                 <a:spcPts val="0"/>
               </a:spcBef>
@@ -3190,7 +3297,7 @@
               <a:buChar char="●"/>
               <a:defRPr/>
             </a:lvl7pPr>
-            <a:lvl8pPr indent="-317500" lvl="7" marL="3657600">
+            <a:lvl8pPr marL="3657600" lvl="7" indent="-317500">
               <a:spcBef>
                 <a:spcPts val="0"/>
               </a:spcBef>
@@ -3201,7 +3308,7 @@
               <a:buChar char="○"/>
               <a:defRPr/>
             </a:lvl8pPr>
-            <a:lvl9pPr indent="-317500" lvl="8" marL="4114800">
+            <a:lvl9pPr marL="4114800" lvl="8" indent="-317500">
               <a:spcBef>
                 <a:spcPts val="0"/>
               </a:spcBef>
@@ -3213,15 +3320,19 @@
               <a:defRPr/>
             </a:lvl9pPr>
           </a:lstStyle>
-          <a:p/>
+          <a:p>
+            <a:endParaRPr/>
+          </a:p>
         </p:txBody>
       </p:sp>
       <p:sp>
         <p:nvSpPr>
           <p:cNvPr id="19" name="Google Shape;19;p4"/>
-          <p:cNvSpPr txBox="1"/>
+          <p:cNvSpPr txBox="1">
+            <a:spLocks noGrp="1"/>
+          </p:cNvSpPr>
           <p:nvPr>
-            <p:ph idx="12" type="sldNum"/>
+            <p:ph type="sldNum" idx="12"/>
           </p:nvPr>
         </p:nvSpPr>
         <p:spPr>
@@ -3234,7 +3345,7 @@
           </a:prstGeom>
         </p:spPr>
         <p:txBody>
-          <a:bodyPr anchorCtr="0" anchor="ctr" bIns="91425" lIns="91425" spcFirstLastPara="1" rIns="91425" wrap="square" tIns="91425">
+          <a:bodyPr spcFirstLastPara="1" wrap="square" lIns="91425" tIns="91425" rIns="91425" bIns="91425" anchor="ctr" anchorCtr="0">
             <a:normAutofit/>
           </a:bodyPr>
           <a:lstStyle>
@@ -3276,7 +3387,7 @@
             </a:lvl9pPr>
           </a:lstStyle>
           <a:p>
-            <a:pPr indent="0" lvl="0" marL="0" rtl="0" algn="r">
+            <a:pPr marL="0" lvl="0" indent="0" algn="r" rtl="0">
               <a:spcBef>
                 <a:spcPts val="0"/>
               </a:spcBef>
@@ -3302,11 +3413,11 @@
 </file>
 
 <file path=ppt/slideLayouts/slideLayout4.xml><?xml version="1.0" encoding="utf-8"?>
-<p:sldLayout xmlns:a="http://schemas.openxmlformats.org/drawingml/2006/main" xmlns:r="http://schemas.openxmlformats.org/officeDocument/2006/relationships" xmlns:mc="http://schemas.openxmlformats.org/markup-compatibility/2006" xmlns:mv="urn:schemas-microsoft-com:mac:vml" xmlns:p="http://schemas.openxmlformats.org/presentationml/2006/main" xmlns:c="http://schemas.openxmlformats.org/drawingml/2006/chart" xmlns:dgm="http://schemas.openxmlformats.org/drawingml/2006/diagram" xmlns:o="urn:schemas-microsoft-com:office:office" xmlns:v="urn:schemas-microsoft-com:vml" xmlns:pvml="urn:schemas-microsoft-com:office:powerpoint" xmlns:com="http://schemas.openxmlformats.org/drawingml/2006/compatibility" xmlns:p14="http://schemas.microsoft.com/office/powerpoint/2010/main" xmlns:p15="http://schemas.microsoft.com/office/powerpoint/2012/main" xmlns:ahyp="http://schemas.microsoft.com/office/drawing/2018/hyperlinkcolor" matchingName="Title and two columns" type="twoColTx">
+<p:sldLayout xmlns:a="http://schemas.openxmlformats.org/drawingml/2006/main" xmlns:r="http://schemas.openxmlformats.org/officeDocument/2006/relationships" xmlns:p="http://schemas.openxmlformats.org/presentationml/2006/main" matchingName="Title and two columns" type="twoColTx">
   <p:cSld name="TITLE_AND_TWO_COLUMNS">
     <p:spTree>
       <p:nvGrpSpPr>
-        <p:cNvPr id="20" name="Shape 20"/>
+        <p:cNvPr id="1" name="Shape 20"/>
         <p:cNvGrpSpPr/>
         <p:nvPr/>
       </p:nvGrpSpPr>
@@ -3321,7 +3432,9 @@
       <p:sp>
         <p:nvSpPr>
           <p:cNvPr id="21" name="Google Shape;21;p5"/>
-          <p:cNvSpPr txBox="1"/>
+          <p:cNvSpPr txBox="1">
+            <a:spLocks noGrp="1"/>
+          </p:cNvSpPr>
           <p:nvPr>
             <p:ph type="title"/>
           </p:nvPr>
@@ -3336,7 +3449,7 @@
           </a:prstGeom>
         </p:spPr>
         <p:txBody>
-          <a:bodyPr anchorCtr="0" anchor="t" bIns="91425" lIns="91425" spcFirstLastPara="1" rIns="91425" wrap="square" tIns="91425">
+          <a:bodyPr spcFirstLastPara="1" wrap="square" lIns="91425" tIns="91425" rIns="91425" bIns="91425" anchor="t" anchorCtr="0">
             <a:normAutofit/>
           </a:bodyPr>
           <a:lstStyle>
@@ -3440,15 +3553,19 @@
               <a:defRPr/>
             </a:lvl9pPr>
           </a:lstStyle>
-          <a:p/>
+          <a:p>
+            <a:endParaRPr/>
+          </a:p>
         </p:txBody>
       </p:sp>
       <p:sp>
         <p:nvSpPr>
           <p:cNvPr id="22" name="Google Shape;22;p5"/>
-          <p:cNvSpPr txBox="1"/>
+          <p:cNvSpPr txBox="1">
+            <a:spLocks noGrp="1"/>
+          </p:cNvSpPr>
           <p:nvPr>
-            <p:ph idx="1" type="body"/>
+            <p:ph type="body" idx="1"/>
           </p:nvPr>
         </p:nvSpPr>
         <p:spPr>
@@ -3461,11 +3578,11 @@
           </a:prstGeom>
         </p:spPr>
         <p:txBody>
-          <a:bodyPr anchorCtr="0" anchor="t" bIns="91425" lIns="91425" spcFirstLastPara="1" rIns="91425" wrap="square" tIns="91425">
+          <a:bodyPr spcFirstLastPara="1" wrap="square" lIns="91425" tIns="91425" rIns="91425" bIns="91425" anchor="t" anchorCtr="0">
             <a:normAutofit/>
           </a:bodyPr>
           <a:lstStyle>
-            <a:lvl1pPr indent="-317500" lvl="0" marL="457200">
+            <a:lvl1pPr marL="457200" lvl="0" indent="-317500">
               <a:spcBef>
                 <a:spcPts val="0"/>
               </a:spcBef>
@@ -3476,7 +3593,7 @@
               <a:buChar char="●"/>
               <a:defRPr sz="1400"/>
             </a:lvl1pPr>
-            <a:lvl2pPr indent="-304800" lvl="1" marL="914400">
+            <a:lvl2pPr marL="914400" lvl="1" indent="-304800">
               <a:spcBef>
                 <a:spcPts val="0"/>
               </a:spcBef>
@@ -3487,7 +3604,7 @@
               <a:buChar char="○"/>
               <a:defRPr sz="1200"/>
             </a:lvl2pPr>
-            <a:lvl3pPr indent="-304800" lvl="2" marL="1371600">
+            <a:lvl3pPr marL="1371600" lvl="2" indent="-304800">
               <a:spcBef>
                 <a:spcPts val="0"/>
               </a:spcBef>
@@ -3498,7 +3615,7 @@
               <a:buChar char="■"/>
               <a:defRPr sz="1200"/>
             </a:lvl3pPr>
-            <a:lvl4pPr indent="-304800" lvl="3" marL="1828800">
+            <a:lvl4pPr marL="1828800" lvl="3" indent="-304800">
               <a:spcBef>
                 <a:spcPts val="0"/>
               </a:spcBef>
@@ -3509,7 +3626,7 @@
               <a:buChar char="●"/>
               <a:defRPr sz="1200"/>
             </a:lvl4pPr>
-            <a:lvl5pPr indent="-304800" lvl="4" marL="2286000">
+            <a:lvl5pPr marL="2286000" lvl="4" indent="-304800">
               <a:spcBef>
                 <a:spcPts val="0"/>
               </a:spcBef>
@@ -3520,7 +3637,7 @@
               <a:buChar char="○"/>
               <a:defRPr sz="1200"/>
             </a:lvl5pPr>
-            <a:lvl6pPr indent="-304800" lvl="5" marL="2743200">
+            <a:lvl6pPr marL="2743200" lvl="5" indent="-304800">
               <a:spcBef>
                 <a:spcPts val="0"/>
               </a:spcBef>
@@ -3531,7 +3648,7 @@
               <a:buChar char="■"/>
               <a:defRPr sz="1200"/>
             </a:lvl6pPr>
-            <a:lvl7pPr indent="-304800" lvl="6" marL="3200400">
+            <a:lvl7pPr marL="3200400" lvl="6" indent="-304800">
               <a:spcBef>
                 <a:spcPts val="0"/>
               </a:spcBef>
@@ -3542,7 +3659,7 @@
               <a:buChar char="●"/>
               <a:defRPr sz="1200"/>
             </a:lvl7pPr>
-            <a:lvl8pPr indent="-304800" lvl="7" marL="3657600">
+            <a:lvl8pPr marL="3657600" lvl="7" indent="-304800">
               <a:spcBef>
                 <a:spcPts val="0"/>
               </a:spcBef>
@@ -3553,7 +3670,7 @@
               <a:buChar char="○"/>
               <a:defRPr sz="1200"/>
             </a:lvl8pPr>
-            <a:lvl9pPr indent="-304800" lvl="8" marL="4114800">
+            <a:lvl9pPr marL="4114800" lvl="8" indent="-304800">
               <a:spcBef>
                 <a:spcPts val="0"/>
               </a:spcBef>
@@ -3565,15 +3682,19 @@
               <a:defRPr sz="1200"/>
             </a:lvl9pPr>
           </a:lstStyle>
-          <a:p/>
+          <a:p>
+            <a:endParaRPr/>
+          </a:p>
         </p:txBody>
       </p:sp>
       <p:sp>
         <p:nvSpPr>
           <p:cNvPr id="23" name="Google Shape;23;p5"/>
-          <p:cNvSpPr txBox="1"/>
+          <p:cNvSpPr txBox="1">
+            <a:spLocks noGrp="1"/>
+          </p:cNvSpPr>
           <p:nvPr>
-            <p:ph idx="2" type="body"/>
+            <p:ph type="body" idx="2"/>
           </p:nvPr>
         </p:nvSpPr>
         <p:spPr>
@@ -3586,11 +3707,11 @@
           </a:prstGeom>
         </p:spPr>
         <p:txBody>
-          <a:bodyPr anchorCtr="0" anchor="t" bIns="91425" lIns="91425" spcFirstLastPara="1" rIns="91425" wrap="square" tIns="91425">
+          <a:bodyPr spcFirstLastPara="1" wrap="square" lIns="91425" tIns="91425" rIns="91425" bIns="91425" anchor="t" anchorCtr="0">
             <a:normAutofit/>
           </a:bodyPr>
           <a:lstStyle>
-            <a:lvl1pPr indent="-317500" lvl="0" marL="457200">
+            <a:lvl1pPr marL="457200" lvl="0" indent="-317500">
               <a:spcBef>
                 <a:spcPts val="0"/>
               </a:spcBef>
@@ -3601,7 +3722,7 @@
               <a:buChar char="●"/>
               <a:defRPr sz="1400"/>
             </a:lvl1pPr>
-            <a:lvl2pPr indent="-304800" lvl="1" marL="914400">
+            <a:lvl2pPr marL="914400" lvl="1" indent="-304800">
               <a:spcBef>
                 <a:spcPts val="0"/>
               </a:spcBef>
@@ -3612,7 +3733,7 @@
               <a:buChar char="○"/>
               <a:defRPr sz="1200"/>
             </a:lvl2pPr>
-            <a:lvl3pPr indent="-304800" lvl="2" marL="1371600">
+            <a:lvl3pPr marL="1371600" lvl="2" indent="-304800">
               <a:spcBef>
                 <a:spcPts val="0"/>
               </a:spcBef>
@@ -3623,7 +3744,7 @@
               <a:buChar char="■"/>
               <a:defRPr sz="1200"/>
             </a:lvl3pPr>
-            <a:lvl4pPr indent="-304800" lvl="3" marL="1828800">
+            <a:lvl4pPr marL="1828800" lvl="3" indent="-304800">
               <a:spcBef>
                 <a:spcPts val="0"/>
               </a:spcBef>
@@ -3634,7 +3755,7 @@
               <a:buChar char="●"/>
               <a:defRPr sz="1200"/>
             </a:lvl4pPr>
-            <a:lvl5pPr indent="-304800" lvl="4" marL="2286000">
+            <a:lvl5pPr marL="2286000" lvl="4" indent="-304800">
               <a:spcBef>
                 <a:spcPts val="0"/>
               </a:spcBef>
@@ -3645,7 +3766,7 @@
               <a:buChar char="○"/>
               <a:defRPr sz="1200"/>
             </a:lvl5pPr>
-            <a:lvl6pPr indent="-304800" lvl="5" marL="2743200">
+            <a:lvl6pPr marL="2743200" lvl="5" indent="-304800">
               <a:spcBef>
                 <a:spcPts val="0"/>
               </a:spcBef>
@@ -3656,7 +3777,7 @@
               <a:buChar char="■"/>
               <a:defRPr sz="1200"/>
             </a:lvl6pPr>
-            <a:lvl7pPr indent="-304800" lvl="6" marL="3200400">
+            <a:lvl7pPr marL="3200400" lvl="6" indent="-304800">
               <a:spcBef>
                 <a:spcPts val="0"/>
               </a:spcBef>
@@ -3667,7 +3788,7 @@
               <a:buChar char="●"/>
               <a:defRPr sz="1200"/>
             </a:lvl7pPr>
-            <a:lvl8pPr indent="-304800" lvl="7" marL="3657600">
+            <a:lvl8pPr marL="3657600" lvl="7" indent="-304800">
               <a:spcBef>
                 <a:spcPts val="0"/>
               </a:spcBef>
@@ -3678,7 +3799,7 @@
               <a:buChar char="○"/>
               <a:defRPr sz="1200"/>
             </a:lvl8pPr>
-            <a:lvl9pPr indent="-304800" lvl="8" marL="4114800">
+            <a:lvl9pPr marL="4114800" lvl="8" indent="-304800">
               <a:spcBef>
                 <a:spcPts val="0"/>
               </a:spcBef>
@@ -3690,15 +3811,19 @@
               <a:defRPr sz="1200"/>
             </a:lvl9pPr>
           </a:lstStyle>
-          <a:p/>
+          <a:p>
+            <a:endParaRPr/>
+          </a:p>
         </p:txBody>
       </p:sp>
       <p:sp>
         <p:nvSpPr>
           <p:cNvPr id="24" name="Google Shape;24;p5"/>
-          <p:cNvSpPr txBox="1"/>
+          <p:cNvSpPr txBox="1">
+            <a:spLocks noGrp="1"/>
+          </p:cNvSpPr>
           <p:nvPr>
-            <p:ph idx="12" type="sldNum"/>
+            <p:ph type="sldNum" idx="12"/>
           </p:nvPr>
         </p:nvSpPr>
         <p:spPr>
@@ -3711,7 +3836,7 @@
           </a:prstGeom>
         </p:spPr>
         <p:txBody>
-          <a:bodyPr anchorCtr="0" anchor="ctr" bIns="91425" lIns="91425" spcFirstLastPara="1" rIns="91425" wrap="square" tIns="91425">
+          <a:bodyPr spcFirstLastPara="1" wrap="square" lIns="91425" tIns="91425" rIns="91425" bIns="91425" anchor="ctr" anchorCtr="0">
             <a:normAutofit/>
           </a:bodyPr>
           <a:lstStyle>
@@ -3753,7 +3878,7 @@
             </a:lvl9pPr>
           </a:lstStyle>
           <a:p>
-            <a:pPr indent="0" lvl="0" marL="0" rtl="0" algn="r">
+            <a:pPr marL="0" lvl="0" indent="0" algn="r" rtl="0">
               <a:spcBef>
                 <a:spcPts val="0"/>
               </a:spcBef>
@@ -3779,11 +3904,11 @@
 </file>
 
 <file path=ppt/slideLayouts/slideLayout5.xml><?xml version="1.0" encoding="utf-8"?>
-<p:sldLayout xmlns:a="http://schemas.openxmlformats.org/drawingml/2006/main" xmlns:r="http://schemas.openxmlformats.org/officeDocument/2006/relationships" xmlns:mc="http://schemas.openxmlformats.org/markup-compatibility/2006" xmlns:mv="urn:schemas-microsoft-com:mac:vml" xmlns:p="http://schemas.openxmlformats.org/presentationml/2006/main" xmlns:c="http://schemas.openxmlformats.org/drawingml/2006/chart" xmlns:dgm="http://schemas.openxmlformats.org/drawingml/2006/diagram" xmlns:o="urn:schemas-microsoft-com:office:office" xmlns:v="urn:schemas-microsoft-com:vml" xmlns:pvml="urn:schemas-microsoft-com:office:powerpoint" xmlns:com="http://schemas.openxmlformats.org/drawingml/2006/compatibility" xmlns:p14="http://schemas.microsoft.com/office/powerpoint/2010/main" xmlns:p15="http://schemas.microsoft.com/office/powerpoint/2012/main" xmlns:ahyp="http://schemas.microsoft.com/office/drawing/2018/hyperlinkcolor" matchingName="Title only" type="titleOnly">
+<p:sldLayout xmlns:a="http://schemas.openxmlformats.org/drawingml/2006/main" xmlns:r="http://schemas.openxmlformats.org/officeDocument/2006/relationships" xmlns:p="http://schemas.openxmlformats.org/presentationml/2006/main" matchingName="Title only" type="titleOnly">
   <p:cSld name="TITLE_ONLY">
     <p:spTree>
       <p:nvGrpSpPr>
-        <p:cNvPr id="25" name="Shape 25"/>
+        <p:cNvPr id="1" name="Shape 25"/>
         <p:cNvGrpSpPr/>
         <p:nvPr/>
       </p:nvGrpSpPr>
@@ -3798,7 +3923,9 @@
       <p:sp>
         <p:nvSpPr>
           <p:cNvPr id="26" name="Google Shape;26;p6"/>
-          <p:cNvSpPr txBox="1"/>
+          <p:cNvSpPr txBox="1">
+            <a:spLocks noGrp="1"/>
+          </p:cNvSpPr>
           <p:nvPr>
             <p:ph type="title"/>
           </p:nvPr>
@@ -3813,7 +3940,7 @@
           </a:prstGeom>
         </p:spPr>
         <p:txBody>
-          <a:bodyPr anchorCtr="0" anchor="t" bIns="91425" lIns="91425" spcFirstLastPara="1" rIns="91425" wrap="square" tIns="91425">
+          <a:bodyPr spcFirstLastPara="1" wrap="square" lIns="91425" tIns="91425" rIns="91425" bIns="91425" anchor="t" anchorCtr="0">
             <a:normAutofit/>
           </a:bodyPr>
           <a:lstStyle>
@@ -3917,15 +4044,19 @@
               <a:defRPr/>
             </a:lvl9pPr>
           </a:lstStyle>
-          <a:p/>
+          <a:p>
+            <a:endParaRPr/>
+          </a:p>
         </p:txBody>
       </p:sp>
       <p:sp>
         <p:nvSpPr>
           <p:cNvPr id="27" name="Google Shape;27;p6"/>
-          <p:cNvSpPr txBox="1"/>
+          <p:cNvSpPr txBox="1">
+            <a:spLocks noGrp="1"/>
+          </p:cNvSpPr>
           <p:nvPr>
-            <p:ph idx="12" type="sldNum"/>
+            <p:ph type="sldNum" idx="12"/>
           </p:nvPr>
         </p:nvSpPr>
         <p:spPr>
@@ -3938,7 +4069,7 @@
           </a:prstGeom>
         </p:spPr>
         <p:txBody>
-          <a:bodyPr anchorCtr="0" anchor="ctr" bIns="91425" lIns="91425" spcFirstLastPara="1" rIns="91425" wrap="square" tIns="91425">
+          <a:bodyPr spcFirstLastPara="1" wrap="square" lIns="91425" tIns="91425" rIns="91425" bIns="91425" anchor="ctr" anchorCtr="0">
             <a:normAutofit/>
           </a:bodyPr>
           <a:lstStyle>
@@ -3980,7 +4111,7 @@
             </a:lvl9pPr>
           </a:lstStyle>
           <a:p>
-            <a:pPr indent="0" lvl="0" marL="0" rtl="0" algn="r">
+            <a:pPr marL="0" lvl="0" indent="0" algn="r" rtl="0">
               <a:spcBef>
                 <a:spcPts val="0"/>
               </a:spcBef>
@@ -4006,11 +4137,11 @@
 </file>
 
 <file path=ppt/slideLayouts/slideLayout6.xml><?xml version="1.0" encoding="utf-8"?>
-<p:sldLayout xmlns:a="http://schemas.openxmlformats.org/drawingml/2006/main" xmlns:r="http://schemas.openxmlformats.org/officeDocument/2006/relationships" xmlns:mc="http://schemas.openxmlformats.org/markup-compatibility/2006" xmlns:mv="urn:schemas-microsoft-com:mac:vml" xmlns:p="http://schemas.openxmlformats.org/presentationml/2006/main" xmlns:c="http://schemas.openxmlformats.org/drawingml/2006/chart" xmlns:dgm="http://schemas.openxmlformats.org/drawingml/2006/diagram" xmlns:o="urn:schemas-microsoft-com:office:office" xmlns:v="urn:schemas-microsoft-com:vml" xmlns:pvml="urn:schemas-microsoft-com:office:powerpoint" xmlns:com="http://schemas.openxmlformats.org/drawingml/2006/compatibility" xmlns:p14="http://schemas.microsoft.com/office/powerpoint/2010/main" xmlns:p15="http://schemas.microsoft.com/office/powerpoint/2012/main" xmlns:ahyp="http://schemas.microsoft.com/office/drawing/2018/hyperlinkcolor" matchingName="One column text">
+<p:sldLayout xmlns:a="http://schemas.openxmlformats.org/drawingml/2006/main" xmlns:r="http://schemas.openxmlformats.org/officeDocument/2006/relationships" xmlns:p="http://schemas.openxmlformats.org/presentationml/2006/main" matchingName="One column text">
   <p:cSld name="ONE_COLUMN_TEXT">
     <p:spTree>
       <p:nvGrpSpPr>
-        <p:cNvPr id="28" name="Shape 28"/>
+        <p:cNvPr id="1" name="Shape 28"/>
         <p:cNvGrpSpPr/>
         <p:nvPr/>
       </p:nvGrpSpPr>
@@ -4025,7 +4156,9 @@
       <p:sp>
         <p:nvSpPr>
           <p:cNvPr id="29" name="Google Shape;29;p7"/>
-          <p:cNvSpPr txBox="1"/>
+          <p:cNvSpPr txBox="1">
+            <a:spLocks noGrp="1"/>
+          </p:cNvSpPr>
           <p:nvPr>
             <p:ph type="title"/>
           </p:nvPr>
@@ -4040,7 +4173,7 @@
           </a:prstGeom>
         </p:spPr>
         <p:txBody>
-          <a:bodyPr anchorCtr="0" anchor="b" bIns="91425" lIns="91425" spcFirstLastPara="1" rIns="91425" wrap="square" tIns="91425">
+          <a:bodyPr spcFirstLastPara="1" wrap="square" lIns="91425" tIns="91425" rIns="91425" bIns="91425" anchor="b" anchorCtr="0">
             <a:normAutofit/>
           </a:bodyPr>
           <a:lstStyle>
@@ -4144,15 +4277,19 @@
               <a:defRPr sz="2400"/>
             </a:lvl9pPr>
           </a:lstStyle>
-          <a:p/>
+          <a:p>
+            <a:endParaRPr/>
+          </a:p>
         </p:txBody>
       </p:sp>
       <p:sp>
         <p:nvSpPr>
           <p:cNvPr id="30" name="Google Shape;30;p7"/>
-          <p:cNvSpPr txBox="1"/>
+          <p:cNvSpPr txBox="1">
+            <a:spLocks noGrp="1"/>
+          </p:cNvSpPr>
           <p:nvPr>
-            <p:ph idx="1" type="body"/>
+            <p:ph type="body" idx="1"/>
           </p:nvPr>
         </p:nvSpPr>
         <p:spPr>
@@ -4165,11 +4302,11 @@
           </a:prstGeom>
         </p:spPr>
         <p:txBody>
-          <a:bodyPr anchorCtr="0" anchor="t" bIns="91425" lIns="91425" spcFirstLastPara="1" rIns="91425" wrap="square" tIns="91425">
+          <a:bodyPr spcFirstLastPara="1" wrap="square" lIns="91425" tIns="91425" rIns="91425" bIns="91425" anchor="t" anchorCtr="0">
             <a:normAutofit/>
           </a:bodyPr>
           <a:lstStyle>
-            <a:lvl1pPr indent="-304800" lvl="0" marL="457200">
+            <a:lvl1pPr marL="457200" lvl="0" indent="-304800">
               <a:spcBef>
                 <a:spcPts val="0"/>
               </a:spcBef>
@@ -4180,7 +4317,7 @@
               <a:buChar char="●"/>
               <a:defRPr sz="1200"/>
             </a:lvl1pPr>
-            <a:lvl2pPr indent="-304800" lvl="1" marL="914400">
+            <a:lvl2pPr marL="914400" lvl="1" indent="-304800">
               <a:spcBef>
                 <a:spcPts val="0"/>
               </a:spcBef>
@@ -4191,7 +4328,7 @@
               <a:buChar char="○"/>
               <a:defRPr sz="1200"/>
             </a:lvl2pPr>
-            <a:lvl3pPr indent="-304800" lvl="2" marL="1371600">
+            <a:lvl3pPr marL="1371600" lvl="2" indent="-304800">
               <a:spcBef>
                 <a:spcPts val="0"/>
               </a:spcBef>
@@ -4202,7 +4339,7 @@
               <a:buChar char="■"/>
               <a:defRPr sz="1200"/>
             </a:lvl3pPr>
-            <a:lvl4pPr indent="-304800" lvl="3" marL="1828800">
+            <a:lvl4pPr marL="1828800" lvl="3" indent="-304800">
               <a:spcBef>
                 <a:spcPts val="0"/>
               </a:spcBef>
@@ -4213,7 +4350,7 @@
               <a:buChar char="●"/>
               <a:defRPr sz="1200"/>
             </a:lvl4pPr>
-            <a:lvl5pPr indent="-304800" lvl="4" marL="2286000">
+            <a:lvl5pPr marL="2286000" lvl="4" indent="-304800">
               <a:spcBef>
                 <a:spcPts val="0"/>
               </a:spcBef>
@@ -4224,7 +4361,7 @@
               <a:buChar char="○"/>
               <a:defRPr sz="1200"/>
             </a:lvl5pPr>
-            <a:lvl6pPr indent="-304800" lvl="5" marL="2743200">
+            <a:lvl6pPr marL="2743200" lvl="5" indent="-304800">
               <a:spcBef>
                 <a:spcPts val="0"/>
               </a:spcBef>
@@ -4235,7 +4372,7 @@
               <a:buChar char="■"/>
               <a:defRPr sz="1200"/>
             </a:lvl6pPr>
-            <a:lvl7pPr indent="-304800" lvl="6" marL="3200400">
+            <a:lvl7pPr marL="3200400" lvl="6" indent="-304800">
               <a:spcBef>
                 <a:spcPts val="0"/>
               </a:spcBef>
@@ -4246,7 +4383,7 @@
               <a:buChar char="●"/>
               <a:defRPr sz="1200"/>
             </a:lvl7pPr>
-            <a:lvl8pPr indent="-304800" lvl="7" marL="3657600">
+            <a:lvl8pPr marL="3657600" lvl="7" indent="-304800">
               <a:spcBef>
                 <a:spcPts val="0"/>
               </a:spcBef>
@@ -4257,7 +4394,7 @@
               <a:buChar char="○"/>
               <a:defRPr sz="1200"/>
             </a:lvl8pPr>
-            <a:lvl9pPr indent="-304800" lvl="8" marL="4114800">
+            <a:lvl9pPr marL="4114800" lvl="8" indent="-304800">
               <a:spcBef>
                 <a:spcPts val="0"/>
               </a:spcBef>
@@ -4269,15 +4406,19 @@
               <a:defRPr sz="1200"/>
             </a:lvl9pPr>
           </a:lstStyle>
-          <a:p/>
+          <a:p>
+            <a:endParaRPr/>
+          </a:p>
         </p:txBody>
       </p:sp>
       <p:sp>
         <p:nvSpPr>
           <p:cNvPr id="31" name="Google Shape;31;p7"/>
-          <p:cNvSpPr txBox="1"/>
+          <p:cNvSpPr txBox="1">
+            <a:spLocks noGrp="1"/>
+          </p:cNvSpPr>
           <p:nvPr>
-            <p:ph idx="12" type="sldNum"/>
+            <p:ph type="sldNum" idx="12"/>
           </p:nvPr>
         </p:nvSpPr>
         <p:spPr>
@@ -4290,7 +4431,7 @@
           </a:prstGeom>
         </p:spPr>
         <p:txBody>
-          <a:bodyPr anchorCtr="0" anchor="ctr" bIns="91425" lIns="91425" spcFirstLastPara="1" rIns="91425" wrap="square" tIns="91425">
+          <a:bodyPr spcFirstLastPara="1" wrap="square" lIns="91425" tIns="91425" rIns="91425" bIns="91425" anchor="ctr" anchorCtr="0">
             <a:normAutofit/>
           </a:bodyPr>
           <a:lstStyle>
@@ -4332,7 +4473,7 @@
             </a:lvl9pPr>
           </a:lstStyle>
           <a:p>
-            <a:pPr indent="0" lvl="0" marL="0" rtl="0" algn="r">
+            <a:pPr marL="0" lvl="0" indent="0" algn="r" rtl="0">
               <a:spcBef>
                 <a:spcPts val="0"/>
               </a:spcBef>
@@ -4358,11 +4499,11 @@
 </file>
 
 <file path=ppt/slideLayouts/slideLayout7.xml><?xml version="1.0" encoding="utf-8"?>
-<p:sldLayout xmlns:a="http://schemas.openxmlformats.org/drawingml/2006/main" xmlns:r="http://schemas.openxmlformats.org/officeDocument/2006/relationships" xmlns:mc="http://schemas.openxmlformats.org/markup-compatibility/2006" xmlns:mv="urn:schemas-microsoft-com:mac:vml" xmlns:p="http://schemas.openxmlformats.org/presentationml/2006/main" xmlns:c="http://schemas.openxmlformats.org/drawingml/2006/chart" xmlns:dgm="http://schemas.openxmlformats.org/drawingml/2006/diagram" xmlns:o="urn:schemas-microsoft-com:office:office" xmlns:v="urn:schemas-microsoft-com:vml" xmlns:pvml="urn:schemas-microsoft-com:office:powerpoint" xmlns:com="http://schemas.openxmlformats.org/drawingml/2006/compatibility" xmlns:p14="http://schemas.microsoft.com/office/powerpoint/2010/main" xmlns:p15="http://schemas.microsoft.com/office/powerpoint/2012/main" xmlns:ahyp="http://schemas.microsoft.com/office/drawing/2018/hyperlinkcolor" matchingName="Main point">
+<p:sldLayout xmlns:a="http://schemas.openxmlformats.org/drawingml/2006/main" xmlns:r="http://schemas.openxmlformats.org/officeDocument/2006/relationships" xmlns:p="http://schemas.openxmlformats.org/presentationml/2006/main" matchingName="Main point">
   <p:cSld name="MAIN_POINT">
     <p:spTree>
       <p:nvGrpSpPr>
-        <p:cNvPr id="32" name="Shape 32"/>
+        <p:cNvPr id="1" name="Shape 32"/>
         <p:cNvGrpSpPr/>
         <p:nvPr/>
       </p:nvGrpSpPr>
@@ -4377,7 +4518,9 @@
       <p:sp>
         <p:nvSpPr>
           <p:cNvPr id="33" name="Google Shape;33;p8"/>
-          <p:cNvSpPr txBox="1"/>
+          <p:cNvSpPr txBox="1">
+            <a:spLocks noGrp="1"/>
+          </p:cNvSpPr>
           <p:nvPr>
             <p:ph type="title"/>
           </p:nvPr>
@@ -4392,7 +4535,7 @@
           </a:prstGeom>
         </p:spPr>
         <p:txBody>
-          <a:bodyPr anchorCtr="0" anchor="ctr" bIns="91425" lIns="91425" spcFirstLastPara="1" rIns="91425" wrap="square" tIns="91425">
+          <a:bodyPr spcFirstLastPara="1" wrap="square" lIns="91425" tIns="91425" rIns="91425" bIns="91425" anchor="ctr" anchorCtr="0">
             <a:normAutofit/>
           </a:bodyPr>
           <a:lstStyle>
@@ -4496,15 +4639,19 @@
               <a:defRPr sz="4800"/>
             </a:lvl9pPr>
           </a:lstStyle>
-          <a:p/>
+          <a:p>
+            <a:endParaRPr/>
+          </a:p>
         </p:txBody>
       </p:sp>
       <p:sp>
         <p:nvSpPr>
           <p:cNvPr id="34" name="Google Shape;34;p8"/>
-          <p:cNvSpPr txBox="1"/>
+          <p:cNvSpPr txBox="1">
+            <a:spLocks noGrp="1"/>
+          </p:cNvSpPr>
           <p:nvPr>
-            <p:ph idx="12" type="sldNum"/>
+            <p:ph type="sldNum" idx="12"/>
           </p:nvPr>
         </p:nvSpPr>
         <p:spPr>
@@ -4517,7 +4664,7 @@
           </a:prstGeom>
         </p:spPr>
         <p:txBody>
-          <a:bodyPr anchorCtr="0" anchor="ctr" bIns="91425" lIns="91425" spcFirstLastPara="1" rIns="91425" wrap="square" tIns="91425">
+          <a:bodyPr spcFirstLastPara="1" wrap="square" lIns="91425" tIns="91425" rIns="91425" bIns="91425" anchor="ctr" anchorCtr="0">
             <a:normAutofit/>
           </a:bodyPr>
           <a:lstStyle>
@@ -4559,7 +4706,7 @@
             </a:lvl9pPr>
           </a:lstStyle>
           <a:p>
-            <a:pPr indent="0" lvl="0" marL="0" rtl="0" algn="r">
+            <a:pPr marL="0" lvl="0" indent="0" algn="r" rtl="0">
               <a:spcBef>
                 <a:spcPts val="0"/>
               </a:spcBef>
@@ -4585,11 +4732,11 @@
 </file>
 
 <file path=ppt/slideLayouts/slideLayout8.xml><?xml version="1.0" encoding="utf-8"?>
-<p:sldLayout xmlns:a="http://schemas.openxmlformats.org/drawingml/2006/main" xmlns:r="http://schemas.openxmlformats.org/officeDocument/2006/relationships" xmlns:mc="http://schemas.openxmlformats.org/markup-compatibility/2006" xmlns:mv="urn:schemas-microsoft-com:mac:vml" xmlns:p="http://schemas.openxmlformats.org/presentationml/2006/main" xmlns:c="http://schemas.openxmlformats.org/drawingml/2006/chart" xmlns:dgm="http://schemas.openxmlformats.org/drawingml/2006/diagram" xmlns:o="urn:schemas-microsoft-com:office:office" xmlns:v="urn:schemas-microsoft-com:vml" xmlns:pvml="urn:schemas-microsoft-com:office:powerpoint" xmlns:com="http://schemas.openxmlformats.org/drawingml/2006/compatibility" xmlns:p14="http://schemas.microsoft.com/office/powerpoint/2010/main" xmlns:p15="http://schemas.microsoft.com/office/powerpoint/2012/main" xmlns:ahyp="http://schemas.microsoft.com/office/drawing/2018/hyperlinkcolor" matchingName="Section title and description">
+<p:sldLayout xmlns:a="http://schemas.openxmlformats.org/drawingml/2006/main" xmlns:r="http://schemas.openxmlformats.org/officeDocument/2006/relationships" xmlns:p="http://schemas.openxmlformats.org/presentationml/2006/main" matchingName="Section title and description">
   <p:cSld name="SECTION_TITLE_AND_DESCRIPTION">
     <p:spTree>
       <p:nvGrpSpPr>
-        <p:cNvPr id="35" name="Shape 35"/>
+        <p:cNvPr id="1" name="Shape 35"/>
         <p:cNvGrpSpPr/>
         <p:nvPr/>
       </p:nvGrpSpPr>
@@ -4623,12 +4770,12 @@
           </a:ln>
         </p:spPr>
         <p:txBody>
-          <a:bodyPr anchorCtr="0" anchor="ctr" bIns="91425" lIns="91425" spcFirstLastPara="1" rIns="91425" wrap="square" tIns="91425">
+          <a:bodyPr spcFirstLastPara="1" wrap="square" lIns="91425" tIns="91425" rIns="91425" bIns="91425" anchor="ctr" anchorCtr="0">
             <a:noAutofit/>
           </a:bodyPr>
           <a:lstStyle/>
           <a:p>
-            <a:pPr indent="0" lvl="0" marL="0" rtl="0" algn="l">
+            <a:pPr marL="0" lvl="0" indent="0" algn="l" rtl="0">
               <a:spcBef>
                 <a:spcPts val="0"/>
               </a:spcBef>
@@ -4637,9 +4784,6 @@
               </a:spcAft>
               <a:buNone/>
             </a:pPr>
-            <a:r>
-              <a:t/>
-            </a:r>
             <a:endParaRPr/>
           </a:p>
         </p:txBody>
@@ -4647,7 +4791,9 @@
       <p:sp>
         <p:nvSpPr>
           <p:cNvPr id="37" name="Google Shape;37;p9"/>
-          <p:cNvSpPr txBox="1"/>
+          <p:cNvSpPr txBox="1">
+            <a:spLocks noGrp="1"/>
+          </p:cNvSpPr>
           <p:nvPr>
             <p:ph type="title"/>
           </p:nvPr>
@@ -4662,7 +4808,7 @@
           </a:prstGeom>
         </p:spPr>
         <p:txBody>
-          <a:bodyPr anchorCtr="0" anchor="b" bIns="91425" lIns="91425" spcFirstLastPara="1" rIns="91425" wrap="square" tIns="91425">
+          <a:bodyPr spcFirstLastPara="1" wrap="square" lIns="91425" tIns="91425" rIns="91425" bIns="91425" anchor="b" anchorCtr="0">
             <a:normAutofit/>
           </a:bodyPr>
           <a:lstStyle>
@@ -4766,15 +4912,19 @@
               <a:defRPr sz="4200"/>
             </a:lvl9pPr>
           </a:lstStyle>
-          <a:p/>
+          <a:p>
+            <a:endParaRPr/>
+          </a:p>
         </p:txBody>
       </p:sp>
       <p:sp>
         <p:nvSpPr>
           <p:cNvPr id="38" name="Google Shape;38;p9"/>
-          <p:cNvSpPr txBox="1"/>
+          <p:cNvSpPr txBox="1">
+            <a:spLocks noGrp="1"/>
+          </p:cNvSpPr>
           <p:nvPr>
-            <p:ph idx="1" type="subTitle"/>
+            <p:ph type="subTitle" idx="1"/>
           </p:nvPr>
         </p:nvSpPr>
         <p:spPr>
@@ -4787,7 +4937,7 @@
           </a:prstGeom>
         </p:spPr>
         <p:txBody>
-          <a:bodyPr anchorCtr="0" anchor="t" bIns="91425" lIns="91425" spcFirstLastPara="1" rIns="91425" wrap="square" tIns="91425">
+          <a:bodyPr spcFirstLastPara="1" wrap="square" lIns="91425" tIns="91425" rIns="91425" bIns="91425" anchor="t" anchorCtr="0">
             <a:normAutofit/>
           </a:bodyPr>
           <a:lstStyle>
@@ -4918,15 +5068,19 @@
               <a:defRPr sz="2100"/>
             </a:lvl9pPr>
           </a:lstStyle>
-          <a:p/>
+          <a:p>
+            <a:endParaRPr/>
+          </a:p>
         </p:txBody>
       </p:sp>
       <p:sp>
         <p:nvSpPr>
           <p:cNvPr id="39" name="Google Shape;39;p9"/>
-          <p:cNvSpPr txBox="1"/>
+          <p:cNvSpPr txBox="1">
+            <a:spLocks noGrp="1"/>
+          </p:cNvSpPr>
           <p:nvPr>
-            <p:ph idx="2" type="body"/>
+            <p:ph type="body" idx="2"/>
           </p:nvPr>
         </p:nvSpPr>
         <p:spPr>
@@ -4939,11 +5093,11 @@
           </a:prstGeom>
         </p:spPr>
         <p:txBody>
-          <a:bodyPr anchorCtr="0" anchor="ctr" bIns="91425" lIns="91425" spcFirstLastPara="1" rIns="91425" wrap="square" tIns="91425">
+          <a:bodyPr spcFirstLastPara="1" wrap="square" lIns="91425" tIns="91425" rIns="91425" bIns="91425" anchor="ctr" anchorCtr="0">
             <a:normAutofit/>
           </a:bodyPr>
           <a:lstStyle>
-            <a:lvl1pPr indent="-342900" lvl="0" marL="457200">
+            <a:lvl1pPr marL="457200" lvl="0" indent="-342900">
               <a:spcBef>
                 <a:spcPts val="0"/>
               </a:spcBef>
@@ -4954,7 +5108,7 @@
               <a:buChar char="●"/>
               <a:defRPr/>
             </a:lvl1pPr>
-            <a:lvl2pPr indent="-317500" lvl="1" marL="914400">
+            <a:lvl2pPr marL="914400" lvl="1" indent="-317500">
               <a:spcBef>
                 <a:spcPts val="0"/>
               </a:spcBef>
@@ -4965,7 +5119,7 @@
               <a:buChar char="○"/>
               <a:defRPr/>
             </a:lvl2pPr>
-            <a:lvl3pPr indent="-317500" lvl="2" marL="1371600">
+            <a:lvl3pPr marL="1371600" lvl="2" indent="-317500">
               <a:spcBef>
                 <a:spcPts val="0"/>
               </a:spcBef>
@@ -4976,7 +5130,7 @@
               <a:buChar char="■"/>
               <a:defRPr/>
             </a:lvl3pPr>
-            <a:lvl4pPr indent="-317500" lvl="3" marL="1828800">
+            <a:lvl4pPr marL="1828800" lvl="3" indent="-317500">
               <a:spcBef>
                 <a:spcPts val="0"/>
               </a:spcBef>
@@ -4987,7 +5141,7 @@
               <a:buChar char="●"/>
               <a:defRPr/>
             </a:lvl4pPr>
-            <a:lvl5pPr indent="-317500" lvl="4" marL="2286000">
+            <a:lvl5pPr marL="2286000" lvl="4" indent="-317500">
               <a:spcBef>
                 <a:spcPts val="0"/>
               </a:spcBef>
@@ -4998,7 +5152,7 @@
               <a:buChar char="○"/>
               <a:defRPr/>
             </a:lvl5pPr>
-            <a:lvl6pPr indent="-317500" lvl="5" marL="2743200">
+            <a:lvl6pPr marL="2743200" lvl="5" indent="-317500">
               <a:spcBef>
                 <a:spcPts val="0"/>
               </a:spcBef>
@@ -5009,7 +5163,7 @@
               <a:buChar char="■"/>
               <a:defRPr/>
             </a:lvl6pPr>
-            <a:lvl7pPr indent="-317500" lvl="6" marL="3200400">
+            <a:lvl7pPr marL="3200400" lvl="6" indent="-317500">
               <a:spcBef>
                 <a:spcPts val="0"/>
               </a:spcBef>
@@ -5020,7 +5174,7 @@
               <a:buChar char="●"/>
               <a:defRPr/>
             </a:lvl7pPr>
-            <a:lvl8pPr indent="-317500" lvl="7" marL="3657600">
+            <a:lvl8pPr marL="3657600" lvl="7" indent="-317500">
               <a:spcBef>
                 <a:spcPts val="0"/>
               </a:spcBef>
@@ -5031,7 +5185,7 @@
               <a:buChar char="○"/>
               <a:defRPr/>
             </a:lvl8pPr>
-            <a:lvl9pPr indent="-317500" lvl="8" marL="4114800">
+            <a:lvl9pPr marL="4114800" lvl="8" indent="-317500">
               <a:spcBef>
                 <a:spcPts val="0"/>
               </a:spcBef>
@@ -5043,15 +5197,19 @@
               <a:defRPr/>
             </a:lvl9pPr>
           </a:lstStyle>
-          <a:p/>
+          <a:p>
+            <a:endParaRPr/>
+          </a:p>
         </p:txBody>
       </p:sp>
       <p:sp>
         <p:nvSpPr>
           <p:cNvPr id="40" name="Google Shape;40;p9"/>
-          <p:cNvSpPr txBox="1"/>
+          <p:cNvSpPr txBox="1">
+            <a:spLocks noGrp="1"/>
+          </p:cNvSpPr>
           <p:nvPr>
-            <p:ph idx="12" type="sldNum"/>
+            <p:ph type="sldNum" idx="12"/>
           </p:nvPr>
         </p:nvSpPr>
         <p:spPr>
@@ -5064,7 +5222,7 @@
           </a:prstGeom>
         </p:spPr>
         <p:txBody>
-          <a:bodyPr anchorCtr="0" anchor="ctr" bIns="91425" lIns="91425" spcFirstLastPara="1" rIns="91425" wrap="square" tIns="91425">
+          <a:bodyPr spcFirstLastPara="1" wrap="square" lIns="91425" tIns="91425" rIns="91425" bIns="91425" anchor="ctr" anchorCtr="0">
             <a:normAutofit/>
           </a:bodyPr>
           <a:lstStyle>
@@ -5106,7 +5264,7 @@
             </a:lvl9pPr>
           </a:lstStyle>
           <a:p>
-            <a:pPr indent="0" lvl="0" marL="0" rtl="0" algn="r">
+            <a:pPr marL="0" lvl="0" indent="0" algn="r" rtl="0">
               <a:spcBef>
                 <a:spcPts val="0"/>
               </a:spcBef>
@@ -5132,11 +5290,11 @@
 </file>
 
 <file path=ppt/slideLayouts/slideLayout9.xml><?xml version="1.0" encoding="utf-8"?>
-<p:sldLayout xmlns:a="http://schemas.openxmlformats.org/drawingml/2006/main" xmlns:r="http://schemas.openxmlformats.org/officeDocument/2006/relationships" xmlns:mc="http://schemas.openxmlformats.org/markup-compatibility/2006" xmlns:mv="urn:schemas-microsoft-com:mac:vml" xmlns:p="http://schemas.openxmlformats.org/presentationml/2006/main" xmlns:c="http://schemas.openxmlformats.org/drawingml/2006/chart" xmlns:dgm="http://schemas.openxmlformats.org/drawingml/2006/diagram" xmlns:o="urn:schemas-microsoft-com:office:office" xmlns:v="urn:schemas-microsoft-com:vml" xmlns:pvml="urn:schemas-microsoft-com:office:powerpoint" xmlns:com="http://schemas.openxmlformats.org/drawingml/2006/compatibility" xmlns:p14="http://schemas.microsoft.com/office/powerpoint/2010/main" xmlns:p15="http://schemas.microsoft.com/office/powerpoint/2012/main" xmlns:ahyp="http://schemas.microsoft.com/office/drawing/2018/hyperlinkcolor" matchingName="Caption">
+<p:sldLayout xmlns:a="http://schemas.openxmlformats.org/drawingml/2006/main" xmlns:r="http://schemas.openxmlformats.org/officeDocument/2006/relationships" xmlns:p="http://schemas.openxmlformats.org/presentationml/2006/main" matchingName="Caption">
   <p:cSld name="CAPTION_ONLY">
     <p:spTree>
       <p:nvGrpSpPr>
-        <p:cNvPr id="41" name="Shape 41"/>
+        <p:cNvPr id="1" name="Shape 41"/>
         <p:cNvGrpSpPr/>
         <p:nvPr/>
       </p:nvGrpSpPr>
@@ -5151,9 +5309,11 @@
       <p:sp>
         <p:nvSpPr>
           <p:cNvPr id="42" name="Google Shape;42;p10"/>
-          <p:cNvSpPr txBox="1"/>
+          <p:cNvSpPr txBox="1">
+            <a:spLocks noGrp="1"/>
+          </p:cNvSpPr>
           <p:nvPr>
-            <p:ph idx="1" type="body"/>
+            <p:ph type="body" idx="1"/>
           </p:nvPr>
         </p:nvSpPr>
         <p:spPr>
@@ -5166,11 +5326,11 @@
           </a:prstGeom>
         </p:spPr>
         <p:txBody>
-          <a:bodyPr anchorCtr="0" anchor="ctr" bIns="91425" lIns="91425" spcFirstLastPara="1" rIns="91425" wrap="square" tIns="91425">
+          <a:bodyPr spcFirstLastPara="1" wrap="square" lIns="91425" tIns="91425" rIns="91425" bIns="91425" anchor="ctr" anchorCtr="0">
             <a:normAutofit/>
           </a:bodyPr>
           <a:lstStyle>
-            <a:lvl1pPr indent="-228600" lvl="0" marL="457200">
+            <a:lvl1pPr marL="457200" lvl="0" indent="-228600">
               <a:lnSpc>
                 <a:spcPct val="100000"/>
               </a:lnSpc>
@@ -5185,15 +5345,19 @@
               <a:defRPr/>
             </a:lvl1pPr>
           </a:lstStyle>
-          <a:p/>
+          <a:p>
+            <a:endParaRPr/>
+          </a:p>
         </p:txBody>
       </p:sp>
       <p:sp>
         <p:nvSpPr>
           <p:cNvPr id="43" name="Google Shape;43;p10"/>
-          <p:cNvSpPr txBox="1"/>
+          <p:cNvSpPr txBox="1">
+            <a:spLocks noGrp="1"/>
+          </p:cNvSpPr>
           <p:nvPr>
-            <p:ph idx="12" type="sldNum"/>
+            <p:ph type="sldNum" idx="12"/>
           </p:nvPr>
         </p:nvSpPr>
         <p:spPr>
@@ -5206,7 +5370,7 @@
           </a:prstGeom>
         </p:spPr>
         <p:txBody>
-          <a:bodyPr anchorCtr="0" anchor="ctr" bIns="91425" lIns="91425" spcFirstLastPara="1" rIns="91425" wrap="square" tIns="91425">
+          <a:bodyPr spcFirstLastPara="1" wrap="square" lIns="91425" tIns="91425" rIns="91425" bIns="91425" anchor="ctr" anchorCtr="0">
             <a:normAutofit/>
           </a:bodyPr>
           <a:lstStyle>
@@ -5248,7 +5412,7 @@
             </a:lvl9pPr>
           </a:lstStyle>
           <a:p>
-            <a:pPr indent="0" lvl="0" marL="0" rtl="0" algn="r">
+            <a:pPr marL="0" lvl="0" indent="0" algn="r" rtl="0">
               <a:spcBef>
                 <a:spcPts val="0"/>
               </a:spcBef>
@@ -5274,18 +5438,19 @@
 </file>
 
 <file path=ppt/slideMasters/slideMaster1.xml><?xml version="1.0" encoding="utf-8"?>
-<p:sldMaster xmlns:a="http://schemas.openxmlformats.org/drawingml/2006/main" xmlns:r="http://schemas.openxmlformats.org/officeDocument/2006/relationships" xmlns:mc="http://schemas.openxmlformats.org/markup-compatibility/2006" xmlns:mv="urn:schemas-microsoft-com:mac:vml" xmlns:p="http://schemas.openxmlformats.org/presentationml/2006/main" xmlns:c="http://schemas.openxmlformats.org/drawingml/2006/chart" xmlns:dgm="http://schemas.openxmlformats.org/drawingml/2006/diagram" xmlns:o="urn:schemas-microsoft-com:office:office" xmlns:v="urn:schemas-microsoft-com:vml" xmlns:pvml="urn:schemas-microsoft-com:office:powerpoint" xmlns:com="http://schemas.openxmlformats.org/drawingml/2006/compatibility" xmlns:p14="http://schemas.microsoft.com/office/powerpoint/2010/main" xmlns:p15="http://schemas.microsoft.com/office/powerpoint/2012/main" xmlns:ahyp="http://schemas.microsoft.com/office/drawing/2018/hyperlinkcolor">
+<p:sldMaster xmlns:a="http://schemas.openxmlformats.org/drawingml/2006/main" xmlns:r="http://schemas.openxmlformats.org/officeDocument/2006/relationships" xmlns:p="http://schemas.openxmlformats.org/presentationml/2006/main">
   <p:cSld name="simple-light-2">
     <p:bg>
       <p:bgPr>
         <a:solidFill>
           <a:schemeClr val="lt1"/>
         </a:solidFill>
+        <a:effectLst/>
       </p:bgPr>
     </p:bg>
     <p:spTree>
       <p:nvGrpSpPr>
-        <p:cNvPr id="5" name="Shape 5"/>
+        <p:cNvPr id="1" name="Shape 5"/>
         <p:cNvGrpSpPr/>
         <p:nvPr/>
       </p:nvGrpSpPr>
@@ -5300,7 +5465,9 @@
       <p:sp>
         <p:nvSpPr>
           <p:cNvPr id="6" name="Google Shape;6;p1"/>
-          <p:cNvSpPr txBox="1"/>
+          <p:cNvSpPr txBox="1">
+            <a:spLocks noGrp="1"/>
+          </p:cNvSpPr>
           <p:nvPr>
             <p:ph type="title"/>
           </p:nvPr>
@@ -5319,7 +5486,7 @@
           </a:ln>
         </p:spPr>
         <p:txBody>
-          <a:bodyPr anchorCtr="0" anchor="t" bIns="91425" lIns="91425" spcFirstLastPara="1" rIns="91425" wrap="square" tIns="91425">
+          <a:bodyPr spcFirstLastPara="1" wrap="square" lIns="91425" tIns="91425" rIns="91425" bIns="91425" anchor="t" anchorCtr="0">
             <a:normAutofit/>
           </a:bodyPr>
           <a:lstStyle>
@@ -5486,15 +5653,19 @@
               </a:defRPr>
             </a:lvl9pPr>
           </a:lstStyle>
-          <a:p/>
+          <a:p>
+            <a:endParaRPr/>
+          </a:p>
         </p:txBody>
       </p:sp>
       <p:sp>
         <p:nvSpPr>
           <p:cNvPr id="7" name="Google Shape;7;p1"/>
-          <p:cNvSpPr txBox="1"/>
+          <p:cNvSpPr txBox="1">
+            <a:spLocks noGrp="1"/>
+          </p:cNvSpPr>
           <p:nvPr>
-            <p:ph idx="1" type="body"/>
+            <p:ph type="body" idx="1"/>
           </p:nvPr>
         </p:nvSpPr>
         <p:spPr>
@@ -5511,11 +5682,11 @@
           </a:ln>
         </p:spPr>
         <p:txBody>
-          <a:bodyPr anchorCtr="0" anchor="t" bIns="91425" lIns="91425" spcFirstLastPara="1" rIns="91425" wrap="square" tIns="91425">
+          <a:bodyPr spcFirstLastPara="1" wrap="square" lIns="91425" tIns="91425" rIns="91425" bIns="91425" anchor="t" anchorCtr="0">
             <a:normAutofit/>
           </a:bodyPr>
           <a:lstStyle>
-            <a:lvl1pPr indent="-342900" lvl="0" marL="457200">
+            <a:lvl1pPr marL="457200" lvl="0" indent="-342900">
               <a:lnSpc>
                 <a:spcPct val="115000"/>
               </a:lnSpc>
@@ -5536,7 +5707,7 @@
                 </a:solidFill>
               </a:defRPr>
             </a:lvl1pPr>
-            <a:lvl2pPr indent="-317500" lvl="1" marL="914400">
+            <a:lvl2pPr marL="914400" lvl="1" indent="-317500">
               <a:lnSpc>
                 <a:spcPct val="115000"/>
               </a:lnSpc>
@@ -5557,7 +5728,7 @@
                 </a:solidFill>
               </a:defRPr>
             </a:lvl2pPr>
-            <a:lvl3pPr indent="-317500" lvl="2" marL="1371600">
+            <a:lvl3pPr marL="1371600" lvl="2" indent="-317500">
               <a:lnSpc>
                 <a:spcPct val="115000"/>
               </a:lnSpc>
@@ -5578,7 +5749,7 @@
                 </a:solidFill>
               </a:defRPr>
             </a:lvl3pPr>
-            <a:lvl4pPr indent="-317500" lvl="3" marL="1828800">
+            <a:lvl4pPr marL="1828800" lvl="3" indent="-317500">
               <a:lnSpc>
                 <a:spcPct val="115000"/>
               </a:lnSpc>
@@ -5599,7 +5770,7 @@
                 </a:solidFill>
               </a:defRPr>
             </a:lvl4pPr>
-            <a:lvl5pPr indent="-317500" lvl="4" marL="2286000">
+            <a:lvl5pPr marL="2286000" lvl="4" indent="-317500">
               <a:lnSpc>
                 <a:spcPct val="115000"/>
               </a:lnSpc>
@@ -5620,7 +5791,7 @@
                 </a:solidFill>
               </a:defRPr>
             </a:lvl5pPr>
-            <a:lvl6pPr indent="-317500" lvl="5" marL="2743200">
+            <a:lvl6pPr marL="2743200" lvl="5" indent="-317500">
               <a:lnSpc>
                 <a:spcPct val="115000"/>
               </a:lnSpc>
@@ -5641,7 +5812,7 @@
                 </a:solidFill>
               </a:defRPr>
             </a:lvl6pPr>
-            <a:lvl7pPr indent="-317500" lvl="6" marL="3200400">
+            <a:lvl7pPr marL="3200400" lvl="6" indent="-317500">
               <a:lnSpc>
                 <a:spcPct val="115000"/>
               </a:lnSpc>
@@ -5662,7 +5833,7 @@
                 </a:solidFill>
               </a:defRPr>
             </a:lvl7pPr>
-            <a:lvl8pPr indent="-317500" lvl="7" marL="3657600">
+            <a:lvl8pPr marL="3657600" lvl="7" indent="-317500">
               <a:lnSpc>
                 <a:spcPct val="115000"/>
               </a:lnSpc>
@@ -5683,7 +5854,7 @@
                 </a:solidFill>
               </a:defRPr>
             </a:lvl8pPr>
-            <a:lvl9pPr indent="-317500" lvl="8" marL="4114800">
+            <a:lvl9pPr marL="4114800" lvl="8" indent="-317500">
               <a:lnSpc>
                 <a:spcPct val="115000"/>
               </a:lnSpc>
@@ -5705,15 +5876,19 @@
               </a:defRPr>
             </a:lvl9pPr>
           </a:lstStyle>
-          <a:p/>
+          <a:p>
+            <a:endParaRPr/>
+          </a:p>
         </p:txBody>
       </p:sp>
       <p:sp>
         <p:nvSpPr>
           <p:cNvPr id="8" name="Google Shape;8;p1"/>
-          <p:cNvSpPr txBox="1"/>
+          <p:cNvSpPr txBox="1">
+            <a:spLocks noGrp="1"/>
+          </p:cNvSpPr>
           <p:nvPr>
-            <p:ph idx="12" type="sldNum"/>
+            <p:ph type="sldNum" idx="12"/>
           </p:nvPr>
         </p:nvSpPr>
         <p:spPr>
@@ -5730,7 +5905,7 @@
           </a:ln>
         </p:spPr>
         <p:txBody>
-          <a:bodyPr anchorCtr="0" anchor="ctr" bIns="91425" lIns="91425" spcFirstLastPara="1" rIns="91425" wrap="square" tIns="91425">
+          <a:bodyPr spcFirstLastPara="1" wrap="square" lIns="91425" tIns="91425" rIns="91425" bIns="91425" anchor="ctr" anchorCtr="0">
             <a:normAutofit/>
           </a:bodyPr>
           <a:lstStyle>
@@ -5808,7 +5983,7 @@
             </a:lvl9pPr>
           </a:lstStyle>
           <a:p>
-            <a:pPr indent="0" lvl="0" marL="0" rtl="0" algn="r">
+            <a:pPr marL="0" lvl="0" indent="0" algn="r" rtl="0">
               <a:spcBef>
                 <a:spcPts val="0"/>
               </a:spcBef>
@@ -5827,7 +6002,7 @@
       </p:sp>
     </p:spTree>
   </p:cSld>
-  <p:clrMap accent1="accent1" accent2="accent2" accent3="accent3" accent4="accent4" accent5="accent5" accent6="accent6" bg1="lt1" bg2="dk2" tx1="dk1" tx2="lt2" folHlink="folHlink" hlink="hlink"/>
+  <p:clrMap bg1="lt1" tx1="dk1" bg2="dk2" tx2="lt2" accent1="accent1" accent2="accent2" accent3="accent3" accent4="accent4" accent5="accent5" accent6="accent6" hlink="hlink" folHlink="folHlink"/>
   <p:sldLayoutIdLst>
     <p:sldLayoutId id="2147483648" r:id="rId1"/>
     <p:sldLayoutId id="2147483649" r:id="rId2"/>
@@ -5841,10 +6016,10 @@
     <p:sldLayoutId id="2147483657" r:id="rId10"/>
     <p:sldLayoutId id="2147483658" r:id="rId11"/>
   </p:sldLayoutIdLst>
-  <p:hf dt="0" ftr="0" hdr="0" sldNum="0"/>
+  <p:hf sldNum="0" hdr="0" ftr="0" dt="0"/>
   <p:txStyles>
     <p:titleStyle>
-      <a:defPPr lvl="0" marR="0" rtl="0" algn="l">
+      <a:defPPr marR="0" lvl="0" algn="l" rtl="0">
         <a:lnSpc>
           <a:spcPct val="100000"/>
         </a:lnSpc>
@@ -5855,7 +6030,7 @@
           <a:spcPts val="0"/>
         </a:spcAft>
       </a:defPPr>
-      <a:lvl1pPr lvl="0" marR="0" rtl="0" algn="l">
+      <a:lvl1pPr marR="0" lvl="0" algn="l" rtl="0">
         <a:lnSpc>
           <a:spcPct val="100000"/>
         </a:lnSpc>
@@ -5869,7 +6044,7 @@
           <a:srgbClr val="000000"/>
         </a:buClr>
         <a:buFont typeface="Arial"/>
-        <a:defRPr b="0" i="0" sz="1400" u="none" cap="none" strike="noStrike">
+        <a:defRPr sz="1400" b="0" i="0" u="none" strike="noStrike" cap="none">
           <a:solidFill>
             <a:srgbClr val="000000"/>
           </a:solidFill>
@@ -5879,7 +6054,7 @@
           <a:sym typeface="Arial"/>
         </a:defRPr>
       </a:lvl1pPr>
-      <a:lvl2pPr lvl="1" marR="0" rtl="0" algn="l">
+      <a:lvl2pPr marR="0" lvl="1" algn="l" rtl="0">
         <a:lnSpc>
           <a:spcPct val="100000"/>
         </a:lnSpc>
@@ -5893,7 +6068,7 @@
           <a:srgbClr val="000000"/>
         </a:buClr>
         <a:buFont typeface="Arial"/>
-        <a:defRPr b="0" i="0" sz="1400" u="none" cap="none" strike="noStrike">
+        <a:defRPr sz="1400" b="0" i="0" u="none" strike="noStrike" cap="none">
           <a:solidFill>
             <a:srgbClr val="000000"/>
           </a:solidFill>
@@ -5903,7 +6078,7 @@
           <a:sym typeface="Arial"/>
         </a:defRPr>
       </a:lvl2pPr>
-      <a:lvl3pPr lvl="2" marR="0" rtl="0" algn="l">
+      <a:lvl3pPr marR="0" lvl="2" algn="l" rtl="0">
         <a:lnSpc>
           <a:spcPct val="100000"/>
         </a:lnSpc>
@@ -5917,7 +6092,7 @@
           <a:srgbClr val="000000"/>
         </a:buClr>
         <a:buFont typeface="Arial"/>
-        <a:defRPr b="0" i="0" sz="1400" u="none" cap="none" strike="noStrike">
+        <a:defRPr sz="1400" b="0" i="0" u="none" strike="noStrike" cap="none">
           <a:solidFill>
             <a:srgbClr val="000000"/>
           </a:solidFill>
@@ -5927,7 +6102,7 @@
           <a:sym typeface="Arial"/>
         </a:defRPr>
       </a:lvl3pPr>
-      <a:lvl4pPr lvl="3" marR="0" rtl="0" algn="l">
+      <a:lvl4pPr marR="0" lvl="3" algn="l" rtl="0">
         <a:lnSpc>
           <a:spcPct val="100000"/>
         </a:lnSpc>
@@ -5941,7 +6116,7 @@
           <a:srgbClr val="000000"/>
         </a:buClr>
         <a:buFont typeface="Arial"/>
-        <a:defRPr b="0" i="0" sz="1400" u="none" cap="none" strike="noStrike">
+        <a:defRPr sz="1400" b="0" i="0" u="none" strike="noStrike" cap="none">
           <a:solidFill>
             <a:srgbClr val="000000"/>
           </a:solidFill>
@@ -5951,7 +6126,7 @@
           <a:sym typeface="Arial"/>
         </a:defRPr>
       </a:lvl4pPr>
-      <a:lvl5pPr lvl="4" marR="0" rtl="0" algn="l">
+      <a:lvl5pPr marR="0" lvl="4" algn="l" rtl="0">
         <a:lnSpc>
           <a:spcPct val="100000"/>
         </a:lnSpc>
@@ -5965,7 +6140,7 @@
           <a:srgbClr val="000000"/>
         </a:buClr>
         <a:buFont typeface="Arial"/>
-        <a:defRPr b="0" i="0" sz="1400" u="none" cap="none" strike="noStrike">
+        <a:defRPr sz="1400" b="0" i="0" u="none" strike="noStrike" cap="none">
           <a:solidFill>
             <a:srgbClr val="000000"/>
           </a:solidFill>
@@ -5975,7 +6150,7 @@
           <a:sym typeface="Arial"/>
         </a:defRPr>
       </a:lvl5pPr>
-      <a:lvl6pPr lvl="5" marR="0" rtl="0" algn="l">
+      <a:lvl6pPr marR="0" lvl="5" algn="l" rtl="0">
         <a:lnSpc>
           <a:spcPct val="100000"/>
         </a:lnSpc>
@@ -5989,7 +6164,7 @@
           <a:srgbClr val="000000"/>
         </a:buClr>
         <a:buFont typeface="Arial"/>
-        <a:defRPr b="0" i="0" sz="1400" u="none" cap="none" strike="noStrike">
+        <a:defRPr sz="1400" b="0" i="0" u="none" strike="noStrike" cap="none">
           <a:solidFill>
             <a:srgbClr val="000000"/>
           </a:solidFill>
@@ -5999,7 +6174,7 @@
           <a:sym typeface="Arial"/>
         </a:defRPr>
       </a:lvl6pPr>
-      <a:lvl7pPr lvl="6" marR="0" rtl="0" algn="l">
+      <a:lvl7pPr marR="0" lvl="6" algn="l" rtl="0">
         <a:lnSpc>
           <a:spcPct val="100000"/>
         </a:lnSpc>
@@ -6013,7 +6188,7 @@
           <a:srgbClr val="000000"/>
         </a:buClr>
         <a:buFont typeface="Arial"/>
-        <a:defRPr b="0" i="0" sz="1400" u="none" cap="none" strike="noStrike">
+        <a:defRPr sz="1400" b="0" i="0" u="none" strike="noStrike" cap="none">
           <a:solidFill>
             <a:srgbClr val="000000"/>
           </a:solidFill>
@@ -6023,7 +6198,7 @@
           <a:sym typeface="Arial"/>
         </a:defRPr>
       </a:lvl7pPr>
-      <a:lvl8pPr lvl="7" marR="0" rtl="0" algn="l">
+      <a:lvl8pPr marR="0" lvl="7" algn="l" rtl="0">
         <a:lnSpc>
           <a:spcPct val="100000"/>
         </a:lnSpc>
@@ -6037,7 +6212,7 @@
           <a:srgbClr val="000000"/>
         </a:buClr>
         <a:buFont typeface="Arial"/>
-        <a:defRPr b="0" i="0" sz="1400" u="none" cap="none" strike="noStrike">
+        <a:defRPr sz="1400" b="0" i="0" u="none" strike="noStrike" cap="none">
           <a:solidFill>
             <a:srgbClr val="000000"/>
           </a:solidFill>
@@ -6047,7 +6222,7 @@
           <a:sym typeface="Arial"/>
         </a:defRPr>
       </a:lvl8pPr>
-      <a:lvl9pPr lvl="8" marR="0" rtl="0" algn="l">
+      <a:lvl9pPr marR="0" lvl="8" algn="l" rtl="0">
         <a:lnSpc>
           <a:spcPct val="100000"/>
         </a:lnSpc>
@@ -6061,7 +6236,7 @@
           <a:srgbClr val="000000"/>
         </a:buClr>
         <a:buFont typeface="Arial"/>
-        <a:defRPr b="0" i="0" sz="1400" u="none" cap="none" strike="noStrike">
+        <a:defRPr sz="1400" b="0" i="0" u="none" strike="noStrike" cap="none">
           <a:solidFill>
             <a:srgbClr val="000000"/>
           </a:solidFill>
@@ -6073,7 +6248,7 @@
       </a:lvl9pPr>
     </p:titleStyle>
     <p:bodyStyle>
-      <a:defPPr lvl="0" marR="0" rtl="0" algn="l">
+      <a:defPPr marR="0" lvl="0" algn="l" rtl="0">
         <a:lnSpc>
           <a:spcPct val="100000"/>
         </a:lnSpc>
@@ -6084,7 +6259,7 @@
           <a:spcPts val="0"/>
         </a:spcAft>
       </a:defPPr>
-      <a:lvl1pPr lvl="0" marR="0" rtl="0" algn="l">
+      <a:lvl1pPr marR="0" lvl="0" algn="l" rtl="0">
         <a:lnSpc>
           <a:spcPct val="100000"/>
         </a:lnSpc>
@@ -6098,7 +6273,7 @@
           <a:srgbClr val="000000"/>
         </a:buClr>
         <a:buFont typeface="Arial"/>
-        <a:defRPr b="0" i="0" sz="1400" u="none" cap="none" strike="noStrike">
+        <a:defRPr sz="1400" b="0" i="0" u="none" strike="noStrike" cap="none">
           <a:solidFill>
             <a:srgbClr val="000000"/>
           </a:solidFill>
@@ -6108,7 +6283,7 @@
           <a:sym typeface="Arial"/>
         </a:defRPr>
       </a:lvl1pPr>
-      <a:lvl2pPr lvl="1" marR="0" rtl="0" algn="l">
+      <a:lvl2pPr marR="0" lvl="1" algn="l" rtl="0">
         <a:lnSpc>
           <a:spcPct val="100000"/>
         </a:lnSpc>
@@ -6122,7 +6297,7 @@
           <a:srgbClr val="000000"/>
         </a:buClr>
         <a:buFont typeface="Arial"/>
-        <a:defRPr b="0" i="0" sz="1400" u="none" cap="none" strike="noStrike">
+        <a:defRPr sz="1400" b="0" i="0" u="none" strike="noStrike" cap="none">
           <a:solidFill>
             <a:srgbClr val="000000"/>
           </a:solidFill>
@@ -6132,7 +6307,7 @@
           <a:sym typeface="Arial"/>
         </a:defRPr>
       </a:lvl2pPr>
-      <a:lvl3pPr lvl="2" marR="0" rtl="0" algn="l">
+      <a:lvl3pPr marR="0" lvl="2" algn="l" rtl="0">
         <a:lnSpc>
           <a:spcPct val="100000"/>
         </a:lnSpc>
@@ -6146,7 +6321,7 @@
           <a:srgbClr val="000000"/>
         </a:buClr>
         <a:buFont typeface="Arial"/>
-        <a:defRPr b="0" i="0" sz="1400" u="none" cap="none" strike="noStrike">
+        <a:defRPr sz="1400" b="0" i="0" u="none" strike="noStrike" cap="none">
           <a:solidFill>
             <a:srgbClr val="000000"/>
           </a:solidFill>
@@ -6156,7 +6331,7 @@
           <a:sym typeface="Arial"/>
         </a:defRPr>
       </a:lvl3pPr>
-      <a:lvl4pPr lvl="3" marR="0" rtl="0" algn="l">
+      <a:lvl4pPr marR="0" lvl="3" algn="l" rtl="0">
         <a:lnSpc>
           <a:spcPct val="100000"/>
         </a:lnSpc>
@@ -6170,7 +6345,7 @@
           <a:srgbClr val="000000"/>
         </a:buClr>
         <a:buFont typeface="Arial"/>
-        <a:defRPr b="0" i="0" sz="1400" u="none" cap="none" strike="noStrike">
+        <a:defRPr sz="1400" b="0" i="0" u="none" strike="noStrike" cap="none">
           <a:solidFill>
             <a:srgbClr val="000000"/>
           </a:solidFill>
@@ -6180,7 +6355,7 @@
           <a:sym typeface="Arial"/>
         </a:defRPr>
       </a:lvl4pPr>
-      <a:lvl5pPr lvl="4" marR="0" rtl="0" algn="l">
+      <a:lvl5pPr marR="0" lvl="4" algn="l" rtl="0">
         <a:lnSpc>
           <a:spcPct val="100000"/>
         </a:lnSpc>
@@ -6194,7 +6369,7 @@
           <a:srgbClr val="000000"/>
         </a:buClr>
         <a:buFont typeface="Arial"/>
-        <a:defRPr b="0" i="0" sz="1400" u="none" cap="none" strike="noStrike">
+        <a:defRPr sz="1400" b="0" i="0" u="none" strike="noStrike" cap="none">
           <a:solidFill>
             <a:srgbClr val="000000"/>
           </a:solidFill>
@@ -6204,7 +6379,7 @@
           <a:sym typeface="Arial"/>
         </a:defRPr>
       </a:lvl5pPr>
-      <a:lvl6pPr lvl="5" marR="0" rtl="0" algn="l">
+      <a:lvl6pPr marR="0" lvl="5" algn="l" rtl="0">
         <a:lnSpc>
           <a:spcPct val="100000"/>
         </a:lnSpc>
@@ -6218,7 +6393,7 @@
           <a:srgbClr val="000000"/>
         </a:buClr>
         <a:buFont typeface="Arial"/>
-        <a:defRPr b="0" i="0" sz="1400" u="none" cap="none" strike="noStrike">
+        <a:defRPr sz="1400" b="0" i="0" u="none" strike="noStrike" cap="none">
           <a:solidFill>
             <a:srgbClr val="000000"/>
           </a:solidFill>
@@ -6228,7 +6403,7 @@
           <a:sym typeface="Arial"/>
         </a:defRPr>
       </a:lvl6pPr>
-      <a:lvl7pPr lvl="6" marR="0" rtl="0" algn="l">
+      <a:lvl7pPr marR="0" lvl="6" algn="l" rtl="0">
         <a:lnSpc>
           <a:spcPct val="100000"/>
         </a:lnSpc>
@@ -6242,7 +6417,7 @@
           <a:srgbClr val="000000"/>
         </a:buClr>
         <a:buFont typeface="Arial"/>
-        <a:defRPr b="0" i="0" sz="1400" u="none" cap="none" strike="noStrike">
+        <a:defRPr sz="1400" b="0" i="0" u="none" strike="noStrike" cap="none">
           <a:solidFill>
             <a:srgbClr val="000000"/>
           </a:solidFill>
@@ -6252,7 +6427,7 @@
           <a:sym typeface="Arial"/>
         </a:defRPr>
       </a:lvl7pPr>
-      <a:lvl8pPr lvl="7" marR="0" rtl="0" algn="l">
+      <a:lvl8pPr marR="0" lvl="7" algn="l" rtl="0">
         <a:lnSpc>
           <a:spcPct val="100000"/>
         </a:lnSpc>
@@ -6266,7 +6441,7 @@
           <a:srgbClr val="000000"/>
         </a:buClr>
         <a:buFont typeface="Arial"/>
-        <a:defRPr b="0" i="0" sz="1400" u="none" cap="none" strike="noStrike">
+        <a:defRPr sz="1400" b="0" i="0" u="none" strike="noStrike" cap="none">
           <a:solidFill>
             <a:srgbClr val="000000"/>
           </a:solidFill>
@@ -6276,7 +6451,7 @@
           <a:sym typeface="Arial"/>
         </a:defRPr>
       </a:lvl8pPr>
-      <a:lvl9pPr lvl="8" marR="0" rtl="0" algn="l">
+      <a:lvl9pPr marR="0" lvl="8" algn="l" rtl="0">
         <a:lnSpc>
           <a:spcPct val="100000"/>
         </a:lnSpc>
@@ -6290,7 +6465,7 @@
           <a:srgbClr val="000000"/>
         </a:buClr>
         <a:buFont typeface="Arial"/>
-        <a:defRPr b="0" i="0" sz="1400" u="none" cap="none" strike="noStrike">
+        <a:defRPr sz="1400" b="0" i="0" u="none" strike="noStrike" cap="none">
           <a:solidFill>
             <a:srgbClr val="000000"/>
           </a:solidFill>
@@ -6302,7 +6477,7 @@
       </a:lvl9pPr>
     </p:bodyStyle>
     <p:otherStyle>
-      <a:defPPr lvl="0" marR="0" rtl="0" algn="l">
+      <a:defPPr marR="0" lvl="0" algn="l" rtl="0">
         <a:lnSpc>
           <a:spcPct val="100000"/>
         </a:lnSpc>
@@ -6313,7 +6488,7 @@
           <a:spcPts val="0"/>
         </a:spcAft>
       </a:defPPr>
-      <a:lvl1pPr lvl="0" marR="0" rtl="0" algn="l">
+      <a:lvl1pPr marR="0" lvl="0" algn="l" rtl="0">
         <a:lnSpc>
           <a:spcPct val="100000"/>
         </a:lnSpc>
@@ -6327,7 +6502,7 @@
           <a:srgbClr val="000000"/>
         </a:buClr>
         <a:buFont typeface="Arial"/>
-        <a:defRPr b="0" i="0" sz="1400" u="none" cap="none" strike="noStrike">
+        <a:defRPr sz="1400" b="0" i="0" u="none" strike="noStrike" cap="none">
           <a:solidFill>
             <a:srgbClr val="000000"/>
           </a:solidFill>
@@ -6337,7 +6512,7 @@
           <a:sym typeface="Arial"/>
         </a:defRPr>
       </a:lvl1pPr>
-      <a:lvl2pPr lvl="1" marR="0" rtl="0" algn="l">
+      <a:lvl2pPr marR="0" lvl="1" algn="l" rtl="0">
         <a:lnSpc>
           <a:spcPct val="100000"/>
         </a:lnSpc>
@@ -6351,7 +6526,7 @@
           <a:srgbClr val="000000"/>
         </a:buClr>
         <a:buFont typeface="Arial"/>
-        <a:defRPr b="0" i="0" sz="1400" u="none" cap="none" strike="noStrike">
+        <a:defRPr sz="1400" b="0" i="0" u="none" strike="noStrike" cap="none">
           <a:solidFill>
             <a:srgbClr val="000000"/>
           </a:solidFill>
@@ -6361,7 +6536,7 @@
           <a:sym typeface="Arial"/>
         </a:defRPr>
       </a:lvl2pPr>
-      <a:lvl3pPr lvl="2" marR="0" rtl="0" algn="l">
+      <a:lvl3pPr marR="0" lvl="2" algn="l" rtl="0">
         <a:lnSpc>
           <a:spcPct val="100000"/>
         </a:lnSpc>
@@ -6375,7 +6550,7 @@
           <a:srgbClr val="000000"/>
         </a:buClr>
         <a:buFont typeface="Arial"/>
-        <a:defRPr b="0" i="0" sz="1400" u="none" cap="none" strike="noStrike">
+        <a:defRPr sz="1400" b="0" i="0" u="none" strike="noStrike" cap="none">
           <a:solidFill>
             <a:srgbClr val="000000"/>
           </a:solidFill>
@@ -6385,7 +6560,7 @@
           <a:sym typeface="Arial"/>
         </a:defRPr>
       </a:lvl3pPr>
-      <a:lvl4pPr lvl="3" marR="0" rtl="0" algn="l">
+      <a:lvl4pPr marR="0" lvl="3" algn="l" rtl="0">
         <a:lnSpc>
           <a:spcPct val="100000"/>
         </a:lnSpc>
@@ -6399,7 +6574,7 @@
           <a:srgbClr val="000000"/>
         </a:buClr>
         <a:buFont typeface="Arial"/>
-        <a:defRPr b="0" i="0" sz="1400" u="none" cap="none" strike="noStrike">
+        <a:defRPr sz="1400" b="0" i="0" u="none" strike="noStrike" cap="none">
           <a:solidFill>
             <a:srgbClr val="000000"/>
           </a:solidFill>
@@ -6409,7 +6584,7 @@
           <a:sym typeface="Arial"/>
         </a:defRPr>
       </a:lvl4pPr>
-      <a:lvl5pPr lvl="4" marR="0" rtl="0" algn="l">
+      <a:lvl5pPr marR="0" lvl="4" algn="l" rtl="0">
         <a:lnSpc>
           <a:spcPct val="100000"/>
         </a:lnSpc>
@@ -6423,7 +6598,7 @@
           <a:srgbClr val="000000"/>
         </a:buClr>
         <a:buFont typeface="Arial"/>
-        <a:defRPr b="0" i="0" sz="1400" u="none" cap="none" strike="noStrike">
+        <a:defRPr sz="1400" b="0" i="0" u="none" strike="noStrike" cap="none">
           <a:solidFill>
             <a:srgbClr val="000000"/>
           </a:solidFill>
@@ -6433,7 +6608,7 @@
           <a:sym typeface="Arial"/>
         </a:defRPr>
       </a:lvl5pPr>
-      <a:lvl6pPr lvl="5" marR="0" rtl="0" algn="l">
+      <a:lvl6pPr marR="0" lvl="5" algn="l" rtl="0">
         <a:lnSpc>
           <a:spcPct val="100000"/>
         </a:lnSpc>
@@ -6447,7 +6622,7 @@
           <a:srgbClr val="000000"/>
         </a:buClr>
         <a:buFont typeface="Arial"/>
-        <a:defRPr b="0" i="0" sz="1400" u="none" cap="none" strike="noStrike">
+        <a:defRPr sz="1400" b="0" i="0" u="none" strike="noStrike" cap="none">
           <a:solidFill>
             <a:srgbClr val="000000"/>
           </a:solidFill>
@@ -6457,7 +6632,7 @@
           <a:sym typeface="Arial"/>
         </a:defRPr>
       </a:lvl6pPr>
-      <a:lvl7pPr lvl="6" marR="0" rtl="0" algn="l">
+      <a:lvl7pPr marR="0" lvl="6" algn="l" rtl="0">
         <a:lnSpc>
           <a:spcPct val="100000"/>
         </a:lnSpc>
@@ -6471,7 +6646,7 @@
           <a:srgbClr val="000000"/>
         </a:buClr>
         <a:buFont typeface="Arial"/>
-        <a:defRPr b="0" i="0" sz="1400" u="none" cap="none" strike="noStrike">
+        <a:defRPr sz="1400" b="0" i="0" u="none" strike="noStrike" cap="none">
           <a:solidFill>
             <a:srgbClr val="000000"/>
           </a:solidFill>
@@ -6481,7 +6656,7 @@
           <a:sym typeface="Arial"/>
         </a:defRPr>
       </a:lvl7pPr>
-      <a:lvl8pPr lvl="7" marR="0" rtl="0" algn="l">
+      <a:lvl8pPr marR="0" lvl="7" algn="l" rtl="0">
         <a:lnSpc>
           <a:spcPct val="100000"/>
         </a:lnSpc>
@@ -6495,7 +6670,7 @@
           <a:srgbClr val="000000"/>
         </a:buClr>
         <a:buFont typeface="Arial"/>
-        <a:defRPr b="0" i="0" sz="1400" u="none" cap="none" strike="noStrike">
+        <a:defRPr sz="1400" b="0" i="0" u="none" strike="noStrike" cap="none">
           <a:solidFill>
             <a:srgbClr val="000000"/>
           </a:solidFill>
@@ -6505,7 +6680,7 @@
           <a:sym typeface="Arial"/>
         </a:defRPr>
       </a:lvl8pPr>
-      <a:lvl9pPr lvl="8" marR="0" rtl="0" algn="l">
+      <a:lvl9pPr marR="0" lvl="8" algn="l" rtl="0">
         <a:lnSpc>
           <a:spcPct val="100000"/>
         </a:lnSpc>
@@ -6519,7 +6694,7 @@
           <a:srgbClr val="000000"/>
         </a:buClr>
         <a:buFont typeface="Arial"/>
-        <a:defRPr b="0" i="0" sz="1400" u="none" cap="none" strike="noStrike">
+        <a:defRPr sz="1400" b="0" i="0" u="none" strike="noStrike" cap="none">
           <a:solidFill>
             <a:srgbClr val="000000"/>
           </a:solidFill>
@@ -6535,11 +6710,11 @@
 </file>
 
 <file path=ppt/slides/slide1.xml><?xml version="1.0" encoding="utf-8"?>
-<p:sld xmlns:a="http://schemas.openxmlformats.org/drawingml/2006/main" xmlns:r="http://schemas.openxmlformats.org/officeDocument/2006/relationships" xmlns:mc="http://schemas.openxmlformats.org/markup-compatibility/2006" xmlns:mv="urn:schemas-microsoft-com:mac:vml" xmlns:p="http://schemas.openxmlformats.org/presentationml/2006/main" xmlns:c="http://schemas.openxmlformats.org/drawingml/2006/chart" xmlns:dgm="http://schemas.openxmlformats.org/drawingml/2006/diagram" xmlns:o="urn:schemas-microsoft-com:office:office" xmlns:v="urn:schemas-microsoft-com:vml" xmlns:pvml="urn:schemas-microsoft-com:office:powerpoint" xmlns:com="http://schemas.openxmlformats.org/drawingml/2006/compatibility" xmlns:p14="http://schemas.microsoft.com/office/powerpoint/2010/main" xmlns:p15="http://schemas.microsoft.com/office/powerpoint/2012/main" xmlns:ahyp="http://schemas.microsoft.com/office/drawing/2018/hyperlinkcolor">
+<p:sld xmlns:a="http://schemas.openxmlformats.org/drawingml/2006/main" xmlns:r="http://schemas.openxmlformats.org/officeDocument/2006/relationships" xmlns:p="http://schemas.openxmlformats.org/presentationml/2006/main">
   <p:cSld>
     <p:spTree>
       <p:nvGrpSpPr>
-        <p:cNvPr id="53" name="Shape 53"/>
+        <p:cNvPr id="1" name="Shape 53"/>
         <p:cNvGrpSpPr/>
         <p:nvPr/>
       </p:nvGrpSpPr>
@@ -6554,7 +6729,9 @@
       <p:sp>
         <p:nvSpPr>
           <p:cNvPr id="54" name="Google Shape;54;p13"/>
-          <p:cNvSpPr txBox="1"/>
+          <p:cNvSpPr txBox="1">
+            <a:spLocks noGrp="1"/>
+          </p:cNvSpPr>
           <p:nvPr>
             <p:ph type="ctrTitle"/>
           </p:nvPr>
@@ -6569,12 +6746,12 @@
           </a:prstGeom>
         </p:spPr>
         <p:txBody>
-          <a:bodyPr anchorCtr="0" anchor="b" bIns="91425" lIns="91425" spcFirstLastPara="1" rIns="91425" wrap="square" tIns="91425">
+          <a:bodyPr spcFirstLastPara="1" wrap="square" lIns="91425" tIns="91425" rIns="91425" bIns="91425" anchor="b" anchorCtr="0">
             <a:normAutofit/>
           </a:bodyPr>
           <a:lstStyle/>
           <a:p>
-            <a:pPr indent="0" lvl="0" marL="0" rtl="0" algn="ctr">
+            <a:pPr marL="0" lvl="0" indent="0" algn="ctr" rtl="0">
               <a:spcBef>
                 <a:spcPts val="0"/>
               </a:spcBef>
@@ -6594,9 +6771,11 @@
       <p:sp>
         <p:nvSpPr>
           <p:cNvPr id="55" name="Google Shape;55;p13"/>
-          <p:cNvSpPr txBox="1"/>
+          <p:cNvSpPr txBox="1">
+            <a:spLocks noGrp="1"/>
+          </p:cNvSpPr>
           <p:nvPr>
-            <p:ph idx="1" type="subTitle"/>
+            <p:ph type="subTitle" idx="1"/>
           </p:nvPr>
         </p:nvSpPr>
         <p:spPr>
@@ -6609,12 +6788,12 @@
           </a:prstGeom>
         </p:spPr>
         <p:txBody>
-          <a:bodyPr anchorCtr="0" anchor="t" bIns="91425" lIns="91425" spcFirstLastPara="1" rIns="91425" wrap="square" tIns="91425">
+          <a:bodyPr spcFirstLastPara="1" wrap="square" lIns="91425" tIns="91425" rIns="91425" bIns="91425" anchor="t" anchorCtr="0">
             <a:normAutofit/>
           </a:bodyPr>
           <a:lstStyle/>
           <a:p>
-            <a:pPr indent="0" lvl="0" marL="0" rtl="0" algn="ctr">
+            <a:pPr marL="0" lvl="0" indent="0" algn="ctr" rtl="0">
               <a:spcBef>
                 <a:spcPts val="0"/>
               </a:spcBef>
@@ -6640,11 +6819,11 @@
 </file>
 
 <file path=ppt/slides/slide10.xml><?xml version="1.0" encoding="utf-8"?>
-<p:sld xmlns:a="http://schemas.openxmlformats.org/drawingml/2006/main" xmlns:r="http://schemas.openxmlformats.org/officeDocument/2006/relationships" xmlns:mc="http://schemas.openxmlformats.org/markup-compatibility/2006" xmlns:mv="urn:schemas-microsoft-com:mac:vml" xmlns:p="http://schemas.openxmlformats.org/presentationml/2006/main" xmlns:c="http://schemas.openxmlformats.org/drawingml/2006/chart" xmlns:dgm="http://schemas.openxmlformats.org/drawingml/2006/diagram" xmlns:o="urn:schemas-microsoft-com:office:office" xmlns:v="urn:schemas-microsoft-com:vml" xmlns:pvml="urn:schemas-microsoft-com:office:powerpoint" xmlns:com="http://schemas.openxmlformats.org/drawingml/2006/compatibility" xmlns:p14="http://schemas.microsoft.com/office/powerpoint/2010/main" xmlns:p15="http://schemas.microsoft.com/office/powerpoint/2012/main" xmlns:ahyp="http://schemas.microsoft.com/office/drawing/2018/hyperlinkcolor">
+<p:sld xmlns:a="http://schemas.openxmlformats.org/drawingml/2006/main" xmlns:r="http://schemas.openxmlformats.org/officeDocument/2006/relationships" xmlns:p="http://schemas.openxmlformats.org/presentationml/2006/main">
   <p:cSld>
     <p:spTree>
       <p:nvGrpSpPr>
-        <p:cNvPr id="115" name="Shape 115"/>
+        <p:cNvPr id="1" name="Shape 115"/>
         <p:cNvGrpSpPr/>
         <p:nvPr/>
       </p:nvGrpSpPr>
@@ -6659,7 +6838,9 @@
       <p:sp>
         <p:nvSpPr>
           <p:cNvPr id="116" name="Google Shape;116;p22"/>
-          <p:cNvSpPr txBox="1"/>
+          <p:cNvSpPr txBox="1">
+            <a:spLocks noGrp="1"/>
+          </p:cNvSpPr>
           <p:nvPr>
             <p:ph type="title"/>
           </p:nvPr>
@@ -6674,12 +6855,12 @@
           </a:prstGeom>
         </p:spPr>
         <p:txBody>
-          <a:bodyPr anchorCtr="0" anchor="t" bIns="91425" lIns="91425" spcFirstLastPara="1" rIns="91425" wrap="square" tIns="91425">
+          <a:bodyPr spcFirstLastPara="1" wrap="square" lIns="91425" tIns="91425" rIns="91425" bIns="91425" anchor="t" anchorCtr="0">
             <a:normAutofit fontScale="90000"/>
           </a:bodyPr>
           <a:lstStyle/>
           <a:p>
-            <a:pPr indent="0" lvl="0" marL="0" rtl="0" algn="l">
+            <a:pPr marL="0" lvl="0" indent="0" algn="l" rtl="0">
               <a:spcBef>
                 <a:spcPts val="0"/>
               </a:spcBef>
@@ -6699,9 +6880,11 @@
       <p:sp>
         <p:nvSpPr>
           <p:cNvPr id="117" name="Google Shape;117;p22"/>
-          <p:cNvSpPr txBox="1"/>
+          <p:cNvSpPr txBox="1">
+            <a:spLocks noGrp="1"/>
+          </p:cNvSpPr>
           <p:nvPr>
-            <p:ph idx="1" type="body"/>
+            <p:ph type="body" idx="1"/>
           </p:nvPr>
         </p:nvSpPr>
         <p:spPr>
@@ -6714,12 +6897,12 @@
           </a:prstGeom>
         </p:spPr>
         <p:txBody>
-          <a:bodyPr anchorCtr="0" anchor="t" bIns="91425" lIns="91425" spcFirstLastPara="1" rIns="91425" wrap="square" tIns="91425">
+          <a:bodyPr spcFirstLastPara="1" wrap="square" lIns="91425" tIns="91425" rIns="91425" bIns="91425" anchor="t" anchorCtr="0">
             <a:normAutofit/>
           </a:bodyPr>
           <a:lstStyle/>
           <a:p>
-            <a:pPr indent="0" lvl="0" marL="0" rtl="0" algn="l">
+            <a:pPr marL="0" lvl="0" indent="0" algn="l" rtl="0">
               <a:spcBef>
                 <a:spcPts val="0"/>
               </a:spcBef>
@@ -6728,9 +6911,6 @@
               </a:spcAft>
               <a:buNone/>
             </a:pPr>
-            <a:r>
-              <a:t/>
-            </a:r>
             <a:endParaRPr/>
           </a:p>
         </p:txBody>
@@ -6772,11 +6952,11 @@
 </file>
 
 <file path=ppt/slides/slide11.xml><?xml version="1.0" encoding="utf-8"?>
-<p:sld xmlns:a="http://schemas.openxmlformats.org/drawingml/2006/main" xmlns:r="http://schemas.openxmlformats.org/officeDocument/2006/relationships" xmlns:mc="http://schemas.openxmlformats.org/markup-compatibility/2006" xmlns:mv="urn:schemas-microsoft-com:mac:vml" xmlns:p="http://schemas.openxmlformats.org/presentationml/2006/main" xmlns:c="http://schemas.openxmlformats.org/drawingml/2006/chart" xmlns:dgm="http://schemas.openxmlformats.org/drawingml/2006/diagram" xmlns:o="urn:schemas-microsoft-com:office:office" xmlns:v="urn:schemas-microsoft-com:vml" xmlns:pvml="urn:schemas-microsoft-com:office:powerpoint" xmlns:com="http://schemas.openxmlformats.org/drawingml/2006/compatibility" xmlns:p14="http://schemas.microsoft.com/office/powerpoint/2010/main" xmlns:p15="http://schemas.microsoft.com/office/powerpoint/2012/main" xmlns:ahyp="http://schemas.microsoft.com/office/drawing/2018/hyperlinkcolor">
+<p:sld xmlns:a="http://schemas.openxmlformats.org/drawingml/2006/main" xmlns:r="http://schemas.openxmlformats.org/officeDocument/2006/relationships" xmlns:p="http://schemas.openxmlformats.org/presentationml/2006/main">
   <p:cSld>
     <p:spTree>
       <p:nvGrpSpPr>
-        <p:cNvPr id="122" name="Shape 122"/>
+        <p:cNvPr id="1" name="Shape 122"/>
         <p:cNvGrpSpPr/>
         <p:nvPr/>
       </p:nvGrpSpPr>
@@ -6791,7 +6971,9 @@
       <p:sp>
         <p:nvSpPr>
           <p:cNvPr id="123" name="Google Shape;123;p23"/>
-          <p:cNvSpPr txBox="1"/>
+          <p:cNvSpPr txBox="1">
+            <a:spLocks noGrp="1"/>
+          </p:cNvSpPr>
           <p:nvPr>
             <p:ph type="title"/>
           </p:nvPr>
@@ -6806,12 +6988,12 @@
           </a:prstGeom>
         </p:spPr>
         <p:txBody>
-          <a:bodyPr anchorCtr="0" anchor="t" bIns="91425" lIns="91425" spcFirstLastPara="1" rIns="91425" wrap="square" tIns="91425">
+          <a:bodyPr spcFirstLastPara="1" wrap="square" lIns="91425" tIns="91425" rIns="91425" bIns="91425" anchor="t" anchorCtr="0">
             <a:normAutofit fontScale="90000"/>
           </a:bodyPr>
           <a:lstStyle/>
           <a:p>
-            <a:pPr indent="0" lvl="0" marL="0" rtl="0" algn="l">
+            <a:pPr marL="0" lvl="0" indent="0" algn="l" rtl="0">
               <a:spcBef>
                 <a:spcPts val="0"/>
               </a:spcBef>
@@ -6831,9 +7013,11 @@
       <p:sp>
         <p:nvSpPr>
           <p:cNvPr id="124" name="Google Shape;124;p23"/>
-          <p:cNvSpPr txBox="1"/>
+          <p:cNvSpPr txBox="1">
+            <a:spLocks noGrp="1"/>
+          </p:cNvSpPr>
           <p:nvPr>
-            <p:ph idx="1" type="body"/>
+            <p:ph type="body" idx="1"/>
           </p:nvPr>
         </p:nvSpPr>
         <p:spPr>
@@ -6846,12 +7030,12 @@
           </a:prstGeom>
         </p:spPr>
         <p:txBody>
-          <a:bodyPr anchorCtr="0" anchor="t" bIns="91425" lIns="91425" spcFirstLastPara="1" rIns="91425" wrap="square" tIns="91425">
+          <a:bodyPr spcFirstLastPara="1" wrap="square" lIns="91425" tIns="91425" rIns="91425" bIns="91425" anchor="t" anchorCtr="0">
             <a:normAutofit/>
           </a:bodyPr>
           <a:lstStyle/>
           <a:p>
-            <a:pPr indent="0" lvl="0" marL="0" rtl="0" algn="l">
+            <a:pPr marL="0" lvl="0" indent="0" algn="l" rtl="0">
               <a:spcBef>
                 <a:spcPts val="0"/>
               </a:spcBef>
@@ -6860,9 +7044,6 @@
               </a:spcAft>
               <a:buNone/>
             </a:pPr>
-            <a:r>
-              <a:t/>
-            </a:r>
             <a:endParaRPr/>
           </a:p>
         </p:txBody>
@@ -6904,11 +7085,11 @@
 </file>
 
 <file path=ppt/slides/slide12.xml><?xml version="1.0" encoding="utf-8"?>
-<p:sld xmlns:a="http://schemas.openxmlformats.org/drawingml/2006/main" xmlns:r="http://schemas.openxmlformats.org/officeDocument/2006/relationships" xmlns:mc="http://schemas.openxmlformats.org/markup-compatibility/2006" xmlns:mv="urn:schemas-microsoft-com:mac:vml" xmlns:p="http://schemas.openxmlformats.org/presentationml/2006/main" xmlns:c="http://schemas.openxmlformats.org/drawingml/2006/chart" xmlns:dgm="http://schemas.openxmlformats.org/drawingml/2006/diagram" xmlns:o="urn:schemas-microsoft-com:office:office" xmlns:v="urn:schemas-microsoft-com:vml" xmlns:pvml="urn:schemas-microsoft-com:office:powerpoint" xmlns:com="http://schemas.openxmlformats.org/drawingml/2006/compatibility" xmlns:p14="http://schemas.microsoft.com/office/powerpoint/2010/main" xmlns:p15="http://schemas.microsoft.com/office/powerpoint/2012/main" xmlns:ahyp="http://schemas.microsoft.com/office/drawing/2018/hyperlinkcolor">
+<p:sld xmlns:a="http://schemas.openxmlformats.org/drawingml/2006/main" xmlns:r="http://schemas.openxmlformats.org/officeDocument/2006/relationships" xmlns:p="http://schemas.openxmlformats.org/presentationml/2006/main">
   <p:cSld>
     <p:spTree>
       <p:nvGrpSpPr>
-        <p:cNvPr id="129" name="Shape 129"/>
+        <p:cNvPr id="1" name="Shape 129"/>
         <p:cNvGrpSpPr/>
         <p:nvPr/>
       </p:nvGrpSpPr>
@@ -6923,7 +7104,9 @@
       <p:sp>
         <p:nvSpPr>
           <p:cNvPr id="130" name="Google Shape;130;p24"/>
-          <p:cNvSpPr txBox="1"/>
+          <p:cNvSpPr txBox="1">
+            <a:spLocks noGrp="1"/>
+          </p:cNvSpPr>
           <p:nvPr>
             <p:ph type="title"/>
           </p:nvPr>
@@ -6938,12 +7121,12 @@
           </a:prstGeom>
         </p:spPr>
         <p:txBody>
-          <a:bodyPr anchorCtr="0" anchor="t" bIns="91425" lIns="91425" spcFirstLastPara="1" rIns="91425" wrap="square" tIns="91425">
+          <a:bodyPr spcFirstLastPara="1" wrap="square" lIns="91425" tIns="91425" rIns="91425" bIns="91425" anchor="t" anchorCtr="0">
             <a:normAutofit fontScale="90000"/>
           </a:bodyPr>
           <a:lstStyle/>
           <a:p>
-            <a:pPr indent="0" lvl="0" marL="0" rtl="0" algn="l">
+            <a:pPr marL="0" lvl="0" indent="0" algn="l" rtl="0">
               <a:spcBef>
                 <a:spcPts val="0"/>
               </a:spcBef>
@@ -6963,9 +7146,11 @@
       <p:sp>
         <p:nvSpPr>
           <p:cNvPr id="131" name="Google Shape;131;p24"/>
-          <p:cNvSpPr txBox="1"/>
+          <p:cNvSpPr txBox="1">
+            <a:spLocks noGrp="1"/>
+          </p:cNvSpPr>
           <p:nvPr>
-            <p:ph idx="1" type="body"/>
+            <p:ph type="body" idx="1"/>
           </p:nvPr>
         </p:nvSpPr>
         <p:spPr>
@@ -6978,12 +7163,12 @@
           </a:prstGeom>
         </p:spPr>
         <p:txBody>
-          <a:bodyPr anchorCtr="0" anchor="t" bIns="91425" lIns="91425" spcFirstLastPara="1" rIns="91425" wrap="square" tIns="91425">
+          <a:bodyPr spcFirstLastPara="1" wrap="square" lIns="91425" tIns="91425" rIns="91425" bIns="91425" anchor="t" anchorCtr="0">
             <a:normAutofit/>
           </a:bodyPr>
           <a:lstStyle/>
           <a:p>
-            <a:pPr indent="0" lvl="0" marL="0" rtl="0" algn="l">
+            <a:pPr marL="0" lvl="0" indent="0" algn="l" rtl="0">
               <a:spcBef>
                 <a:spcPts val="0"/>
               </a:spcBef>
@@ -6992,9 +7177,6 @@
               </a:spcAft>
               <a:buNone/>
             </a:pPr>
-            <a:r>
-              <a:t/>
-            </a:r>
             <a:endParaRPr/>
           </a:p>
         </p:txBody>
@@ -7009,7 +7191,7 @@
           <a:blip r:embed="rId3">
             <a:alphaModFix/>
           </a:blip>
-          <a:srcRect b="28600" l="590" r="-590" t="-28600"/>
+          <a:srcRect l="590" t="-28600" r="-590" b="28600"/>
           <a:stretch/>
         </p:blipFill>
         <p:spPr>
@@ -7063,11 +7245,11 @@
 </file>
 
 <file path=ppt/slides/slide2.xml><?xml version="1.0" encoding="utf-8"?>
-<p:sld xmlns:a="http://schemas.openxmlformats.org/drawingml/2006/main" xmlns:r="http://schemas.openxmlformats.org/officeDocument/2006/relationships" xmlns:mc="http://schemas.openxmlformats.org/markup-compatibility/2006" xmlns:mv="urn:schemas-microsoft-com:mac:vml" xmlns:p="http://schemas.openxmlformats.org/presentationml/2006/main" xmlns:c="http://schemas.openxmlformats.org/drawingml/2006/chart" xmlns:dgm="http://schemas.openxmlformats.org/drawingml/2006/diagram" xmlns:o="urn:schemas-microsoft-com:office:office" xmlns:v="urn:schemas-microsoft-com:vml" xmlns:pvml="urn:schemas-microsoft-com:office:powerpoint" xmlns:com="http://schemas.openxmlformats.org/drawingml/2006/compatibility" xmlns:p14="http://schemas.microsoft.com/office/powerpoint/2010/main" xmlns:p15="http://schemas.microsoft.com/office/powerpoint/2012/main" xmlns:ahyp="http://schemas.microsoft.com/office/drawing/2018/hyperlinkcolor">
+<p:sld xmlns:a="http://schemas.openxmlformats.org/drawingml/2006/main" xmlns:r="http://schemas.openxmlformats.org/officeDocument/2006/relationships" xmlns:p="http://schemas.openxmlformats.org/presentationml/2006/main">
   <p:cSld>
     <p:spTree>
       <p:nvGrpSpPr>
-        <p:cNvPr id="59" name="Shape 59"/>
+        <p:cNvPr id="1" name="Shape 59"/>
         <p:cNvGrpSpPr/>
         <p:nvPr/>
       </p:nvGrpSpPr>
@@ -7082,7 +7264,9 @@
       <p:sp>
         <p:nvSpPr>
           <p:cNvPr id="60" name="Google Shape;60;p14"/>
-          <p:cNvSpPr txBox="1"/>
+          <p:cNvSpPr txBox="1">
+            <a:spLocks noGrp="1"/>
+          </p:cNvSpPr>
           <p:nvPr>
             <p:ph type="title"/>
           </p:nvPr>
@@ -7097,12 +7281,12 @@
           </a:prstGeom>
         </p:spPr>
         <p:txBody>
-          <a:bodyPr anchorCtr="0" anchor="t" bIns="91425" lIns="91425" spcFirstLastPara="1" rIns="91425" wrap="square" tIns="91425">
+          <a:bodyPr spcFirstLastPara="1" wrap="square" lIns="91425" tIns="91425" rIns="91425" bIns="91425" anchor="t" anchorCtr="0">
             <a:normAutofit fontScale="90000"/>
           </a:bodyPr>
           <a:lstStyle/>
           <a:p>
-            <a:pPr indent="0" lvl="0" marL="0" rtl="0" algn="l">
+            <a:pPr marL="0" lvl="0" indent="0" algn="l" rtl="0">
               <a:spcBef>
                 <a:spcPts val="0"/>
               </a:spcBef>
@@ -7122,9 +7306,11 @@
       <p:sp>
         <p:nvSpPr>
           <p:cNvPr id="61" name="Google Shape;61;p14"/>
-          <p:cNvSpPr txBox="1"/>
+          <p:cNvSpPr txBox="1">
+            <a:spLocks noGrp="1"/>
+          </p:cNvSpPr>
           <p:nvPr>
-            <p:ph idx="1" type="body"/>
+            <p:ph type="body" idx="1"/>
           </p:nvPr>
         </p:nvSpPr>
         <p:spPr>
@@ -7137,12 +7323,12 @@
           </a:prstGeom>
         </p:spPr>
         <p:txBody>
-          <a:bodyPr anchorCtr="0" anchor="t" bIns="91425" lIns="91425" spcFirstLastPara="1" rIns="91425" wrap="square" tIns="91425">
+          <a:bodyPr spcFirstLastPara="1" wrap="square" lIns="91425" tIns="91425" rIns="91425" bIns="91425" anchor="t" anchorCtr="0">
             <a:normAutofit/>
           </a:bodyPr>
           <a:lstStyle/>
           <a:p>
-            <a:pPr indent="0" lvl="0" marL="0" rtl="0" algn="l">
+            <a:pPr marL="0" lvl="0" indent="0" algn="l" rtl="0">
               <a:spcBef>
                 <a:spcPts val="0"/>
               </a:spcBef>
@@ -7151,9 +7337,6 @@
               </a:spcAft>
               <a:buNone/>
             </a:pPr>
-            <a:r>
-              <a:t/>
-            </a:r>
             <a:endParaRPr/>
           </a:p>
         </p:txBody>
@@ -7195,11 +7378,11 @@
 </file>
 
 <file path=ppt/slides/slide3.xml><?xml version="1.0" encoding="utf-8"?>
-<p:sld xmlns:a="http://schemas.openxmlformats.org/drawingml/2006/main" xmlns:r="http://schemas.openxmlformats.org/officeDocument/2006/relationships" xmlns:mc="http://schemas.openxmlformats.org/markup-compatibility/2006" xmlns:mv="urn:schemas-microsoft-com:mac:vml" xmlns:p="http://schemas.openxmlformats.org/presentationml/2006/main" xmlns:c="http://schemas.openxmlformats.org/drawingml/2006/chart" xmlns:dgm="http://schemas.openxmlformats.org/drawingml/2006/diagram" xmlns:o="urn:schemas-microsoft-com:office:office" xmlns:v="urn:schemas-microsoft-com:vml" xmlns:pvml="urn:schemas-microsoft-com:office:powerpoint" xmlns:com="http://schemas.openxmlformats.org/drawingml/2006/compatibility" xmlns:p14="http://schemas.microsoft.com/office/powerpoint/2010/main" xmlns:p15="http://schemas.microsoft.com/office/powerpoint/2012/main" xmlns:ahyp="http://schemas.microsoft.com/office/drawing/2018/hyperlinkcolor">
+<p:sld xmlns:a="http://schemas.openxmlformats.org/drawingml/2006/main" xmlns:r="http://schemas.openxmlformats.org/officeDocument/2006/relationships" xmlns:p="http://schemas.openxmlformats.org/presentationml/2006/main">
   <p:cSld>
     <p:spTree>
       <p:nvGrpSpPr>
-        <p:cNvPr id="66" name="Shape 66"/>
+        <p:cNvPr id="1" name="Shape 66"/>
         <p:cNvGrpSpPr/>
         <p:nvPr/>
       </p:nvGrpSpPr>
@@ -7214,7 +7397,9 @@
       <p:sp>
         <p:nvSpPr>
           <p:cNvPr id="67" name="Google Shape;67;p15"/>
-          <p:cNvSpPr txBox="1"/>
+          <p:cNvSpPr txBox="1">
+            <a:spLocks noGrp="1"/>
+          </p:cNvSpPr>
           <p:nvPr>
             <p:ph type="title"/>
           </p:nvPr>
@@ -7229,12 +7414,12 @@
           </a:prstGeom>
         </p:spPr>
         <p:txBody>
-          <a:bodyPr anchorCtr="0" anchor="t" bIns="91425" lIns="91425" spcFirstLastPara="1" rIns="91425" wrap="square" tIns="91425">
+          <a:bodyPr spcFirstLastPara="1" wrap="square" lIns="91425" tIns="91425" rIns="91425" bIns="91425" anchor="t" anchorCtr="0">
             <a:normAutofit fontScale="90000"/>
           </a:bodyPr>
           <a:lstStyle/>
           <a:p>
-            <a:pPr indent="0" lvl="0" marL="0" rtl="0" algn="l">
+            <a:pPr marL="0" lvl="0" indent="0" algn="l" rtl="0">
               <a:spcBef>
                 <a:spcPts val="0"/>
               </a:spcBef>
@@ -7254,9 +7439,11 @@
       <p:sp>
         <p:nvSpPr>
           <p:cNvPr id="68" name="Google Shape;68;p15"/>
-          <p:cNvSpPr txBox="1"/>
+          <p:cNvSpPr txBox="1">
+            <a:spLocks noGrp="1"/>
+          </p:cNvSpPr>
           <p:nvPr>
-            <p:ph idx="1" type="body"/>
+            <p:ph type="body" idx="1"/>
           </p:nvPr>
         </p:nvSpPr>
         <p:spPr>
@@ -7269,12 +7456,12 @@
           </a:prstGeom>
         </p:spPr>
         <p:txBody>
-          <a:bodyPr anchorCtr="0" anchor="t" bIns="91425" lIns="91425" spcFirstLastPara="1" rIns="91425" wrap="square" tIns="91425">
+          <a:bodyPr spcFirstLastPara="1" wrap="square" lIns="91425" tIns="91425" rIns="91425" bIns="91425" anchor="t" anchorCtr="0">
             <a:normAutofit/>
           </a:bodyPr>
           <a:lstStyle/>
           <a:p>
-            <a:pPr indent="0" lvl="0" marL="0" rtl="0" algn="l">
+            <a:pPr marL="0" lvl="0" indent="0" algn="l" rtl="0">
               <a:spcBef>
                 <a:spcPts val="0"/>
               </a:spcBef>
@@ -7283,9 +7470,6 @@
               </a:spcAft>
               <a:buNone/>
             </a:pPr>
-            <a:r>
-              <a:t/>
-            </a:r>
             <a:endParaRPr/>
           </a:p>
         </p:txBody>
@@ -7327,11 +7511,11 @@
 </file>
 
 <file path=ppt/slides/slide4.xml><?xml version="1.0" encoding="utf-8"?>
-<p:sld xmlns:a="http://schemas.openxmlformats.org/drawingml/2006/main" xmlns:r="http://schemas.openxmlformats.org/officeDocument/2006/relationships" xmlns:mc="http://schemas.openxmlformats.org/markup-compatibility/2006" xmlns:mv="urn:schemas-microsoft-com:mac:vml" xmlns:p="http://schemas.openxmlformats.org/presentationml/2006/main" xmlns:c="http://schemas.openxmlformats.org/drawingml/2006/chart" xmlns:dgm="http://schemas.openxmlformats.org/drawingml/2006/diagram" xmlns:o="urn:schemas-microsoft-com:office:office" xmlns:v="urn:schemas-microsoft-com:vml" xmlns:pvml="urn:schemas-microsoft-com:office:powerpoint" xmlns:com="http://schemas.openxmlformats.org/drawingml/2006/compatibility" xmlns:p14="http://schemas.microsoft.com/office/powerpoint/2010/main" xmlns:p15="http://schemas.microsoft.com/office/powerpoint/2012/main" xmlns:ahyp="http://schemas.microsoft.com/office/drawing/2018/hyperlinkcolor">
+<p:sld xmlns:a="http://schemas.openxmlformats.org/drawingml/2006/main" xmlns:r="http://schemas.openxmlformats.org/officeDocument/2006/relationships" xmlns:p="http://schemas.openxmlformats.org/presentationml/2006/main">
   <p:cSld>
     <p:spTree>
       <p:nvGrpSpPr>
-        <p:cNvPr id="73" name="Shape 73"/>
+        <p:cNvPr id="1" name="Shape 73"/>
         <p:cNvGrpSpPr/>
         <p:nvPr/>
       </p:nvGrpSpPr>
@@ -7346,7 +7530,9 @@
       <p:sp>
         <p:nvSpPr>
           <p:cNvPr id="74" name="Google Shape;74;p16"/>
-          <p:cNvSpPr txBox="1"/>
+          <p:cNvSpPr txBox="1">
+            <a:spLocks noGrp="1"/>
+          </p:cNvSpPr>
           <p:nvPr>
             <p:ph type="title"/>
           </p:nvPr>
@@ -7361,12 +7547,12 @@
           </a:prstGeom>
         </p:spPr>
         <p:txBody>
-          <a:bodyPr anchorCtr="0" anchor="t" bIns="91425" lIns="91425" spcFirstLastPara="1" rIns="91425" wrap="square" tIns="91425">
+          <a:bodyPr spcFirstLastPara="1" wrap="square" lIns="91425" tIns="91425" rIns="91425" bIns="91425" anchor="t" anchorCtr="0">
             <a:normAutofit fontScale="90000"/>
           </a:bodyPr>
           <a:lstStyle/>
           <a:p>
-            <a:pPr indent="0" lvl="0" marL="0" rtl="0" algn="l">
+            <a:pPr marL="0" lvl="0" indent="0" algn="l" rtl="0">
               <a:spcBef>
                 <a:spcPts val="0"/>
               </a:spcBef>
@@ -7386,9 +7572,11 @@
       <p:sp>
         <p:nvSpPr>
           <p:cNvPr id="75" name="Google Shape;75;p16"/>
-          <p:cNvSpPr txBox="1"/>
+          <p:cNvSpPr txBox="1">
+            <a:spLocks noGrp="1"/>
+          </p:cNvSpPr>
           <p:nvPr>
-            <p:ph idx="1" type="body"/>
+            <p:ph type="body" idx="1"/>
           </p:nvPr>
         </p:nvSpPr>
         <p:spPr>
@@ -7401,12 +7589,12 @@
           </a:prstGeom>
         </p:spPr>
         <p:txBody>
-          <a:bodyPr anchorCtr="0" anchor="t" bIns="91425" lIns="91425" spcFirstLastPara="1" rIns="91425" wrap="square" tIns="91425">
+          <a:bodyPr spcFirstLastPara="1" wrap="square" lIns="91425" tIns="91425" rIns="91425" bIns="91425" anchor="t" anchorCtr="0">
             <a:normAutofit/>
           </a:bodyPr>
           <a:lstStyle/>
           <a:p>
-            <a:pPr indent="0" lvl="0" marL="0" rtl="0" algn="l">
+            <a:pPr marL="0" lvl="0" indent="0" algn="l" rtl="0">
               <a:spcBef>
                 <a:spcPts val="0"/>
               </a:spcBef>
@@ -7415,9 +7603,6 @@
               </a:spcAft>
               <a:buNone/>
             </a:pPr>
-            <a:r>
-              <a:t/>
-            </a:r>
             <a:endParaRPr/>
           </a:p>
         </p:txBody>
@@ -7432,7 +7617,7 @@
           <a:blip r:embed="rId3">
             <a:alphaModFix/>
           </a:blip>
-          <a:srcRect b="0" l="0" r="0" t="11410"/>
+          <a:srcRect t="11410"/>
           <a:stretch/>
         </p:blipFill>
         <p:spPr>
@@ -7458,11 +7643,11 @@
 </file>
 
 <file path=ppt/slides/slide5.xml><?xml version="1.0" encoding="utf-8"?>
-<p:sld xmlns:a="http://schemas.openxmlformats.org/drawingml/2006/main" xmlns:r="http://schemas.openxmlformats.org/officeDocument/2006/relationships" xmlns:mc="http://schemas.openxmlformats.org/markup-compatibility/2006" xmlns:mv="urn:schemas-microsoft-com:mac:vml" xmlns:p="http://schemas.openxmlformats.org/presentationml/2006/main" xmlns:c="http://schemas.openxmlformats.org/drawingml/2006/chart" xmlns:dgm="http://schemas.openxmlformats.org/drawingml/2006/diagram" xmlns:o="urn:schemas-microsoft-com:office:office" xmlns:v="urn:schemas-microsoft-com:vml" xmlns:pvml="urn:schemas-microsoft-com:office:powerpoint" xmlns:com="http://schemas.openxmlformats.org/drawingml/2006/compatibility" xmlns:p14="http://schemas.microsoft.com/office/powerpoint/2010/main" xmlns:p15="http://schemas.microsoft.com/office/powerpoint/2012/main" xmlns:ahyp="http://schemas.microsoft.com/office/drawing/2018/hyperlinkcolor">
+<p:sld xmlns:a="http://schemas.openxmlformats.org/drawingml/2006/main" xmlns:r="http://schemas.openxmlformats.org/officeDocument/2006/relationships" xmlns:p="http://schemas.openxmlformats.org/presentationml/2006/main">
   <p:cSld>
     <p:spTree>
       <p:nvGrpSpPr>
-        <p:cNvPr id="80" name="Shape 80"/>
+        <p:cNvPr id="1" name="Shape 80"/>
         <p:cNvGrpSpPr/>
         <p:nvPr/>
       </p:nvGrpSpPr>
@@ -7477,7 +7662,9 @@
       <p:sp>
         <p:nvSpPr>
           <p:cNvPr id="81" name="Google Shape;81;p17"/>
-          <p:cNvSpPr txBox="1"/>
+          <p:cNvSpPr txBox="1">
+            <a:spLocks noGrp="1"/>
+          </p:cNvSpPr>
           <p:nvPr>
             <p:ph type="title"/>
           </p:nvPr>
@@ -7492,12 +7679,12 @@
           </a:prstGeom>
         </p:spPr>
         <p:txBody>
-          <a:bodyPr anchorCtr="0" anchor="t" bIns="91425" lIns="91425" spcFirstLastPara="1" rIns="91425" wrap="square" tIns="91425">
+          <a:bodyPr spcFirstLastPara="1" wrap="square" lIns="91425" tIns="91425" rIns="91425" bIns="91425" anchor="t" anchorCtr="0">
             <a:normAutofit fontScale="90000"/>
           </a:bodyPr>
           <a:lstStyle/>
           <a:p>
-            <a:pPr indent="0" lvl="0" marL="0" rtl="0" algn="l">
+            <a:pPr marL="0" lvl="0" indent="0" algn="l" rtl="0">
               <a:spcBef>
                 <a:spcPts val="0"/>
               </a:spcBef>
@@ -7517,9 +7704,11 @@
       <p:sp>
         <p:nvSpPr>
           <p:cNvPr id="82" name="Google Shape;82;p17"/>
-          <p:cNvSpPr txBox="1"/>
+          <p:cNvSpPr txBox="1">
+            <a:spLocks noGrp="1"/>
+          </p:cNvSpPr>
           <p:nvPr>
-            <p:ph idx="1" type="body"/>
+            <p:ph type="body" idx="1"/>
           </p:nvPr>
         </p:nvSpPr>
         <p:spPr>
@@ -7532,12 +7721,12 @@
           </a:prstGeom>
         </p:spPr>
         <p:txBody>
-          <a:bodyPr anchorCtr="0" anchor="t" bIns="91425" lIns="91425" spcFirstLastPara="1" rIns="91425" wrap="square" tIns="91425">
+          <a:bodyPr spcFirstLastPara="1" wrap="square" lIns="91425" tIns="91425" rIns="91425" bIns="91425" anchor="t" anchorCtr="0">
             <a:normAutofit/>
           </a:bodyPr>
           <a:lstStyle/>
           <a:p>
-            <a:pPr indent="0" lvl="0" marL="0" rtl="0" algn="l">
+            <a:pPr marL="0" lvl="0" indent="0" algn="l" rtl="0">
               <a:spcBef>
                 <a:spcPts val="0"/>
               </a:spcBef>
@@ -7546,9 +7735,6 @@
               </a:spcAft>
               <a:buNone/>
             </a:pPr>
-            <a:r>
-              <a:t/>
-            </a:r>
             <a:endParaRPr/>
           </a:p>
         </p:txBody>
@@ -7590,11 +7776,11 @@
 </file>
 
 <file path=ppt/slides/slide6.xml><?xml version="1.0" encoding="utf-8"?>
-<p:sld xmlns:a="http://schemas.openxmlformats.org/drawingml/2006/main" xmlns:r="http://schemas.openxmlformats.org/officeDocument/2006/relationships" xmlns:mc="http://schemas.openxmlformats.org/markup-compatibility/2006" xmlns:mv="urn:schemas-microsoft-com:mac:vml" xmlns:p="http://schemas.openxmlformats.org/presentationml/2006/main" xmlns:c="http://schemas.openxmlformats.org/drawingml/2006/chart" xmlns:dgm="http://schemas.openxmlformats.org/drawingml/2006/diagram" xmlns:o="urn:schemas-microsoft-com:office:office" xmlns:v="urn:schemas-microsoft-com:vml" xmlns:pvml="urn:schemas-microsoft-com:office:powerpoint" xmlns:com="http://schemas.openxmlformats.org/drawingml/2006/compatibility" xmlns:p14="http://schemas.microsoft.com/office/powerpoint/2010/main" xmlns:p15="http://schemas.microsoft.com/office/powerpoint/2012/main" xmlns:ahyp="http://schemas.microsoft.com/office/drawing/2018/hyperlinkcolor">
+<p:sld xmlns:a="http://schemas.openxmlformats.org/drawingml/2006/main" xmlns:r="http://schemas.openxmlformats.org/officeDocument/2006/relationships" xmlns:p="http://schemas.openxmlformats.org/presentationml/2006/main">
   <p:cSld>
     <p:spTree>
       <p:nvGrpSpPr>
-        <p:cNvPr id="87" name="Shape 87"/>
+        <p:cNvPr id="1" name="Shape 87"/>
         <p:cNvGrpSpPr/>
         <p:nvPr/>
       </p:nvGrpSpPr>
@@ -7609,7 +7795,9 @@
       <p:sp>
         <p:nvSpPr>
           <p:cNvPr id="88" name="Google Shape;88;p18"/>
-          <p:cNvSpPr txBox="1"/>
+          <p:cNvSpPr txBox="1">
+            <a:spLocks noGrp="1"/>
+          </p:cNvSpPr>
           <p:nvPr>
             <p:ph type="title"/>
           </p:nvPr>
@@ -7624,12 +7812,12 @@
           </a:prstGeom>
         </p:spPr>
         <p:txBody>
-          <a:bodyPr anchorCtr="0" anchor="t" bIns="91425" lIns="91425" spcFirstLastPara="1" rIns="91425" wrap="square" tIns="91425">
+          <a:bodyPr spcFirstLastPara="1" wrap="square" lIns="91425" tIns="91425" rIns="91425" bIns="91425" anchor="t" anchorCtr="0">
             <a:normAutofit fontScale="90000"/>
           </a:bodyPr>
           <a:lstStyle/>
           <a:p>
-            <a:pPr indent="0" lvl="0" marL="0" rtl="0" algn="l">
+            <a:pPr marL="0" lvl="0" indent="0" algn="l" rtl="0">
               <a:spcBef>
                 <a:spcPts val="0"/>
               </a:spcBef>
@@ -7649,9 +7837,11 @@
       <p:sp>
         <p:nvSpPr>
           <p:cNvPr id="89" name="Google Shape;89;p18"/>
-          <p:cNvSpPr txBox="1"/>
+          <p:cNvSpPr txBox="1">
+            <a:spLocks noGrp="1"/>
+          </p:cNvSpPr>
           <p:nvPr>
-            <p:ph idx="1" type="body"/>
+            <p:ph type="body" idx="1"/>
           </p:nvPr>
         </p:nvSpPr>
         <p:spPr>
@@ -7664,12 +7854,12 @@
           </a:prstGeom>
         </p:spPr>
         <p:txBody>
-          <a:bodyPr anchorCtr="0" anchor="t" bIns="91425" lIns="91425" spcFirstLastPara="1" rIns="91425" wrap="square" tIns="91425">
+          <a:bodyPr spcFirstLastPara="1" wrap="square" lIns="91425" tIns="91425" rIns="91425" bIns="91425" anchor="t" anchorCtr="0">
             <a:normAutofit/>
           </a:bodyPr>
           <a:lstStyle/>
           <a:p>
-            <a:pPr indent="0" lvl="0" marL="0" rtl="0" algn="l">
+            <a:pPr marL="0" lvl="0" indent="0" algn="l" rtl="0">
               <a:spcBef>
                 <a:spcPts val="0"/>
               </a:spcBef>
@@ -7678,9 +7868,6 @@
               </a:spcAft>
               <a:buNone/>
             </a:pPr>
-            <a:r>
-              <a:t/>
-            </a:r>
             <a:endParaRPr/>
           </a:p>
         </p:txBody>
@@ -7722,11 +7909,11 @@
 </file>
 
 <file path=ppt/slides/slide7.xml><?xml version="1.0" encoding="utf-8"?>
-<p:sld xmlns:a="http://schemas.openxmlformats.org/drawingml/2006/main" xmlns:r="http://schemas.openxmlformats.org/officeDocument/2006/relationships" xmlns:mc="http://schemas.openxmlformats.org/markup-compatibility/2006" xmlns:mv="urn:schemas-microsoft-com:mac:vml" xmlns:p="http://schemas.openxmlformats.org/presentationml/2006/main" xmlns:c="http://schemas.openxmlformats.org/drawingml/2006/chart" xmlns:dgm="http://schemas.openxmlformats.org/drawingml/2006/diagram" xmlns:o="urn:schemas-microsoft-com:office:office" xmlns:v="urn:schemas-microsoft-com:vml" xmlns:pvml="urn:schemas-microsoft-com:office:powerpoint" xmlns:com="http://schemas.openxmlformats.org/drawingml/2006/compatibility" xmlns:p14="http://schemas.microsoft.com/office/powerpoint/2010/main" xmlns:p15="http://schemas.microsoft.com/office/powerpoint/2012/main" xmlns:ahyp="http://schemas.microsoft.com/office/drawing/2018/hyperlinkcolor">
+<p:sld xmlns:a="http://schemas.openxmlformats.org/drawingml/2006/main" xmlns:r="http://schemas.openxmlformats.org/officeDocument/2006/relationships" xmlns:p="http://schemas.openxmlformats.org/presentationml/2006/main">
   <p:cSld>
     <p:spTree>
       <p:nvGrpSpPr>
-        <p:cNvPr id="94" name="Shape 94"/>
+        <p:cNvPr id="1" name="Shape 94"/>
         <p:cNvGrpSpPr/>
         <p:nvPr/>
       </p:nvGrpSpPr>
@@ -7741,7 +7928,9 @@
       <p:sp>
         <p:nvSpPr>
           <p:cNvPr id="95" name="Google Shape;95;p19"/>
-          <p:cNvSpPr txBox="1"/>
+          <p:cNvSpPr txBox="1">
+            <a:spLocks noGrp="1"/>
+          </p:cNvSpPr>
           <p:nvPr>
             <p:ph type="title"/>
           </p:nvPr>
@@ -7756,12 +7945,12 @@
           </a:prstGeom>
         </p:spPr>
         <p:txBody>
-          <a:bodyPr anchorCtr="0" anchor="t" bIns="91425" lIns="91425" spcFirstLastPara="1" rIns="91425" wrap="square" tIns="91425">
+          <a:bodyPr spcFirstLastPara="1" wrap="square" lIns="91425" tIns="91425" rIns="91425" bIns="91425" anchor="t" anchorCtr="0">
             <a:normAutofit fontScale="90000"/>
           </a:bodyPr>
           <a:lstStyle/>
           <a:p>
-            <a:pPr indent="0" lvl="0" marL="0" rtl="0" algn="l">
+            <a:pPr marL="0" lvl="0" indent="0" algn="l" rtl="0">
               <a:spcBef>
                 <a:spcPts val="0"/>
               </a:spcBef>
@@ -7781,9 +7970,11 @@
       <p:sp>
         <p:nvSpPr>
           <p:cNvPr id="96" name="Google Shape;96;p19"/>
-          <p:cNvSpPr txBox="1"/>
+          <p:cNvSpPr txBox="1">
+            <a:spLocks noGrp="1"/>
+          </p:cNvSpPr>
           <p:nvPr>
-            <p:ph idx="1" type="body"/>
+            <p:ph type="body" idx="1"/>
           </p:nvPr>
         </p:nvSpPr>
         <p:spPr>
@@ -7796,12 +7987,12 @@
           </a:prstGeom>
         </p:spPr>
         <p:txBody>
-          <a:bodyPr anchorCtr="0" anchor="t" bIns="91425" lIns="91425" spcFirstLastPara="1" rIns="91425" wrap="square" tIns="91425">
+          <a:bodyPr spcFirstLastPara="1" wrap="square" lIns="91425" tIns="91425" rIns="91425" bIns="91425" anchor="t" anchorCtr="0">
             <a:normAutofit/>
           </a:bodyPr>
           <a:lstStyle/>
           <a:p>
-            <a:pPr indent="-342900" lvl="0" marL="457200" rtl="0" algn="l">
+            <a:pPr marL="457200" lvl="0" indent="-342900" algn="l" rtl="0">
               <a:spcBef>
                 <a:spcPts val="0"/>
               </a:spcBef>
@@ -7811,9 +8002,6 @@
               <a:buSzPts val="1800"/>
               <a:buChar char="-"/>
             </a:pPr>
-            <a:r>
-              <a:t/>
-            </a:r>
             <a:endParaRPr/>
           </a:p>
         </p:txBody>
@@ -7855,11 +8043,11 @@
 </file>
 
 <file path=ppt/slides/slide8.xml><?xml version="1.0" encoding="utf-8"?>
-<p:sld xmlns:a="http://schemas.openxmlformats.org/drawingml/2006/main" xmlns:r="http://schemas.openxmlformats.org/officeDocument/2006/relationships" xmlns:mc="http://schemas.openxmlformats.org/markup-compatibility/2006" xmlns:mv="urn:schemas-microsoft-com:mac:vml" xmlns:p="http://schemas.openxmlformats.org/presentationml/2006/main" xmlns:c="http://schemas.openxmlformats.org/drawingml/2006/chart" xmlns:dgm="http://schemas.openxmlformats.org/drawingml/2006/diagram" xmlns:o="urn:schemas-microsoft-com:office:office" xmlns:v="urn:schemas-microsoft-com:vml" xmlns:pvml="urn:schemas-microsoft-com:office:powerpoint" xmlns:com="http://schemas.openxmlformats.org/drawingml/2006/compatibility" xmlns:p14="http://schemas.microsoft.com/office/powerpoint/2010/main" xmlns:p15="http://schemas.microsoft.com/office/powerpoint/2012/main" xmlns:ahyp="http://schemas.microsoft.com/office/drawing/2018/hyperlinkcolor">
+<p:sld xmlns:a="http://schemas.openxmlformats.org/drawingml/2006/main" xmlns:r="http://schemas.openxmlformats.org/officeDocument/2006/relationships" xmlns:p="http://schemas.openxmlformats.org/presentationml/2006/main">
   <p:cSld>
     <p:spTree>
       <p:nvGrpSpPr>
-        <p:cNvPr id="101" name="Shape 101"/>
+        <p:cNvPr id="1" name="Shape 101"/>
         <p:cNvGrpSpPr/>
         <p:nvPr/>
       </p:nvGrpSpPr>
@@ -7874,7 +8062,9 @@
       <p:sp>
         <p:nvSpPr>
           <p:cNvPr id="102" name="Google Shape;102;p20"/>
-          <p:cNvSpPr txBox="1"/>
+          <p:cNvSpPr txBox="1">
+            <a:spLocks noGrp="1"/>
+          </p:cNvSpPr>
           <p:nvPr>
             <p:ph type="title"/>
           </p:nvPr>
@@ -7889,12 +8079,12 @@
           </a:prstGeom>
         </p:spPr>
         <p:txBody>
-          <a:bodyPr anchorCtr="0" anchor="t" bIns="91425" lIns="91425" spcFirstLastPara="1" rIns="91425" wrap="square" tIns="91425">
+          <a:bodyPr spcFirstLastPara="1" wrap="square" lIns="91425" tIns="91425" rIns="91425" bIns="91425" anchor="t" anchorCtr="0">
             <a:normAutofit fontScale="90000"/>
           </a:bodyPr>
           <a:lstStyle/>
           <a:p>
-            <a:pPr indent="0" lvl="0" marL="0" rtl="0" algn="l">
+            <a:pPr marL="0" lvl="0" indent="0" algn="l" rtl="0">
               <a:spcBef>
                 <a:spcPts val="0"/>
               </a:spcBef>
@@ -7914,9 +8104,11 @@
       <p:sp>
         <p:nvSpPr>
           <p:cNvPr id="103" name="Google Shape;103;p20"/>
-          <p:cNvSpPr txBox="1"/>
+          <p:cNvSpPr txBox="1">
+            <a:spLocks noGrp="1"/>
+          </p:cNvSpPr>
           <p:nvPr>
-            <p:ph idx="1" type="body"/>
+            <p:ph type="body" idx="1"/>
           </p:nvPr>
         </p:nvSpPr>
         <p:spPr>
@@ -7929,12 +8121,12 @@
           </a:prstGeom>
         </p:spPr>
         <p:txBody>
-          <a:bodyPr anchorCtr="0" anchor="t" bIns="91425" lIns="91425" spcFirstLastPara="1" rIns="91425" wrap="square" tIns="91425">
+          <a:bodyPr spcFirstLastPara="1" wrap="square" lIns="91425" tIns="91425" rIns="91425" bIns="91425" anchor="t" anchorCtr="0">
             <a:normAutofit/>
           </a:bodyPr>
           <a:lstStyle/>
           <a:p>
-            <a:pPr indent="0" lvl="0" marL="0" rtl="0" algn="l">
+            <a:pPr marL="0" lvl="0" indent="0" algn="l" rtl="0">
               <a:spcBef>
                 <a:spcPts val="0"/>
               </a:spcBef>
@@ -7943,9 +8135,6 @@
               </a:spcAft>
               <a:buNone/>
             </a:pPr>
-            <a:r>
-              <a:t/>
-            </a:r>
             <a:endParaRPr/>
           </a:p>
         </p:txBody>
@@ -7987,11 +8176,11 @@
 </file>
 
 <file path=ppt/slides/slide9.xml><?xml version="1.0" encoding="utf-8"?>
-<p:sld xmlns:a="http://schemas.openxmlformats.org/drawingml/2006/main" xmlns:r="http://schemas.openxmlformats.org/officeDocument/2006/relationships" xmlns:mc="http://schemas.openxmlformats.org/markup-compatibility/2006" xmlns:mv="urn:schemas-microsoft-com:mac:vml" xmlns:p="http://schemas.openxmlformats.org/presentationml/2006/main" xmlns:c="http://schemas.openxmlformats.org/drawingml/2006/chart" xmlns:dgm="http://schemas.openxmlformats.org/drawingml/2006/diagram" xmlns:o="urn:schemas-microsoft-com:office:office" xmlns:v="urn:schemas-microsoft-com:vml" xmlns:pvml="urn:schemas-microsoft-com:office:powerpoint" xmlns:com="http://schemas.openxmlformats.org/drawingml/2006/compatibility" xmlns:p14="http://schemas.microsoft.com/office/powerpoint/2010/main" xmlns:p15="http://schemas.microsoft.com/office/powerpoint/2012/main" xmlns:ahyp="http://schemas.microsoft.com/office/drawing/2018/hyperlinkcolor">
+<p:sld xmlns:a="http://schemas.openxmlformats.org/drawingml/2006/main" xmlns:r="http://schemas.openxmlformats.org/officeDocument/2006/relationships" xmlns:p="http://schemas.openxmlformats.org/presentationml/2006/main">
   <p:cSld>
     <p:spTree>
       <p:nvGrpSpPr>
-        <p:cNvPr id="108" name="Shape 108"/>
+        <p:cNvPr id="1" name="Shape 108"/>
         <p:cNvGrpSpPr/>
         <p:nvPr/>
       </p:nvGrpSpPr>
@@ -8006,7 +8195,9 @@
       <p:sp>
         <p:nvSpPr>
           <p:cNvPr id="109" name="Google Shape;109;p21"/>
-          <p:cNvSpPr txBox="1"/>
+          <p:cNvSpPr txBox="1">
+            <a:spLocks noGrp="1"/>
+          </p:cNvSpPr>
           <p:nvPr>
             <p:ph type="title"/>
           </p:nvPr>
@@ -8021,12 +8212,12 @@
           </a:prstGeom>
         </p:spPr>
         <p:txBody>
-          <a:bodyPr anchorCtr="0" anchor="t" bIns="91425" lIns="91425" spcFirstLastPara="1" rIns="91425" wrap="square" tIns="91425">
+          <a:bodyPr spcFirstLastPara="1" wrap="square" lIns="91425" tIns="91425" rIns="91425" bIns="91425" anchor="t" anchorCtr="0">
             <a:normAutofit fontScale="90000"/>
           </a:bodyPr>
           <a:lstStyle/>
           <a:p>
-            <a:pPr indent="0" lvl="0" marL="0" rtl="0" algn="l">
+            <a:pPr marL="0" lvl="0" indent="0" algn="l" rtl="0">
               <a:spcBef>
                 <a:spcPts val="0"/>
               </a:spcBef>
@@ -8046,9 +8237,11 @@
       <p:sp>
         <p:nvSpPr>
           <p:cNvPr id="110" name="Google Shape;110;p21"/>
-          <p:cNvSpPr txBox="1"/>
+          <p:cNvSpPr txBox="1">
+            <a:spLocks noGrp="1"/>
+          </p:cNvSpPr>
           <p:nvPr>
-            <p:ph idx="1" type="body"/>
+            <p:ph type="body" idx="1"/>
           </p:nvPr>
         </p:nvSpPr>
         <p:spPr>
@@ -8061,12 +8254,72 @@
           </a:prstGeom>
         </p:spPr>
         <p:txBody>
-          <a:bodyPr anchorCtr="0" anchor="t" bIns="91425" lIns="91425" spcFirstLastPara="1" rIns="91425" wrap="square" tIns="91425">
-            <a:normAutofit/>
+          <a:bodyPr spcFirstLastPara="1" wrap="square" lIns="91425" tIns="91425" rIns="91425" bIns="91425" anchor="t" anchorCtr="0">
+            <a:normAutofit fontScale="92500" lnSpcReduction="20000"/>
           </a:bodyPr>
           <a:lstStyle/>
           <a:p>
-            <a:pPr indent="0" lvl="0" marL="0" rtl="0" algn="l">
+            <a:pPr marL="0" lvl="0" indent="0" algn="l" rtl="0">
+              <a:spcBef>
+                <a:spcPts val="0"/>
+              </a:spcBef>
+              <a:spcAft>
+                <a:spcPts val="1200"/>
+              </a:spcAft>
+              <a:buNone/>
+            </a:pPr>
+            <a:endParaRPr lang="en-US" dirty="0"/>
+          </a:p>
+          <a:p>
+            <a:pPr marL="0" lvl="0" indent="0" algn="l" rtl="0">
+              <a:spcBef>
+                <a:spcPts val="0"/>
+              </a:spcBef>
+              <a:spcAft>
+                <a:spcPts val="1200"/>
+              </a:spcAft>
+              <a:buNone/>
+            </a:pPr>
+            <a:endParaRPr lang="en-US" dirty="0"/>
+          </a:p>
+          <a:p>
+            <a:pPr marL="0" lvl="0" indent="0" algn="l" rtl="0">
+              <a:spcBef>
+                <a:spcPts val="0"/>
+              </a:spcBef>
+              <a:spcAft>
+                <a:spcPts val="1200"/>
+              </a:spcAft>
+              <a:buNone/>
+            </a:pPr>
+            <a:endParaRPr lang="en-US" dirty="0"/>
+          </a:p>
+          <a:p>
+            <a:pPr marL="0" lvl="0" indent="0" algn="l" rtl="0">
+              <a:spcBef>
+                <a:spcPts val="0"/>
+              </a:spcBef>
+              <a:spcAft>
+                <a:spcPts val="1200"/>
+              </a:spcAft>
+              <a:buNone/>
+            </a:pPr>
+            <a:endParaRPr lang="en-US" dirty="0"/>
+          </a:p>
+          <a:p>
+            <a:pPr marL="0" lvl="0" indent="0" algn="l" rtl="0">
+              <a:spcBef>
+                <a:spcPts val="0"/>
+              </a:spcBef>
+              <a:spcAft>
+                <a:spcPts val="1200"/>
+              </a:spcAft>
+              <a:buNone/>
+            </a:pPr>
+            <a:endParaRPr lang="en-US" dirty="0"/>
+          </a:p>
+          <a:p>
+            <a:pPr marL="0" lvl="0" indent="0" algn="l" rtl="0">
               <a:spcBef>
                 <a:spcPts val="0"/>
               </a:spcBef>
@@ -8076,9 +8329,26 @@
               <a:buNone/>
             </a:pPr>
             <a:r>
-              <a:t/>
+              <a:rPr lang="en-US" dirty="0"/>
+              <a:t>Things we would have added if we had more time: GPS geolocation (search-by-location functionality already exists </a:t>
             </a:r>
-            <a:endParaRPr/>
+            <a:r>
+              <a:rPr lang="en-US" dirty="0" err="1"/>
+              <a:t>serverside</a:t>
+            </a:r>
+            <a:r>
+              <a:rPr lang="en-US" dirty="0"/>
+              <a:t> </a:t>
+            </a:r>
+            <a:r>
+              <a:rPr lang="en-US"/>
+              <a:t>and supported by API), </a:t>
+            </a:r>
+            <a:r>
+              <a:rPr lang="en-US" dirty="0"/>
+              <a:t>functional settings menu and about menu, option to enable/disable account visibility, a favorites list.</a:t>
+            </a:r>
+            <a:endParaRPr dirty="0"/>
           </a:p>
         </p:txBody>
       </p:sp>
@@ -8119,7 +8389,288 @@
 </file>
 
 <file path=ppt/theme/theme1.xml><?xml version="1.0" encoding="utf-8"?>
-<a:theme xmlns:a="http://schemas.openxmlformats.org/drawingml/2006/main" xmlns:r="http://schemas.openxmlformats.org/officeDocument/2006/relationships">
+<a:theme xmlns:a="http://schemas.openxmlformats.org/drawingml/2006/main" name="Simple Light">
+  <a:themeElements>
+    <a:clrScheme name="Simple Light">
+      <a:dk1>
+        <a:srgbClr val="000000"/>
+      </a:dk1>
+      <a:lt1>
+        <a:srgbClr val="FFFFFF"/>
+      </a:lt1>
+      <a:dk2>
+        <a:srgbClr val="595959"/>
+      </a:dk2>
+      <a:lt2>
+        <a:srgbClr val="EEEEEE"/>
+      </a:lt2>
+      <a:accent1>
+        <a:srgbClr val="4285F4"/>
+      </a:accent1>
+      <a:accent2>
+        <a:srgbClr val="212121"/>
+      </a:accent2>
+      <a:accent3>
+        <a:srgbClr val="78909C"/>
+      </a:accent3>
+      <a:accent4>
+        <a:srgbClr val="FFAB40"/>
+      </a:accent4>
+      <a:accent5>
+        <a:srgbClr val="0097A7"/>
+      </a:accent5>
+      <a:accent6>
+        <a:srgbClr val="EEFF41"/>
+      </a:accent6>
+      <a:hlink>
+        <a:srgbClr val="0097A7"/>
+      </a:hlink>
+      <a:folHlink>
+        <a:srgbClr val="0097A7"/>
+      </a:folHlink>
+    </a:clrScheme>
+    <a:fontScheme name="Office">
+      <a:majorFont>
+        <a:latin typeface="Arial"/>
+        <a:ea typeface=""/>
+        <a:cs typeface=""/>
+        <a:font script="Jpan" typeface="ＭＳ Ｐゴシック"/>
+        <a:font script="Hang" typeface="맑은 고딕"/>
+        <a:font script="Hans" typeface="宋体"/>
+        <a:font script="Hant" typeface="新細明體"/>
+        <a:font script="Arab" typeface="Times New Roman"/>
+        <a:font script="Hebr" typeface="Times New Roman"/>
+        <a:font script="Thai" typeface="Angsana New"/>
+        <a:font script="Ethi" typeface="Nyala"/>
+        <a:font script="Beng" typeface="Vrinda"/>
+        <a:font script="Gujr" typeface="Shruti"/>
+        <a:font script="Khmr" typeface="MoolBoran"/>
+        <a:font script="Knda" typeface="Tunga"/>
+        <a:font script="Guru" typeface="Raavi"/>
+        <a:font script="Cans" typeface="Euphemia"/>
+        <a:font script="Cher" typeface="Plantagenet Cherokee"/>
+        <a:font script="Yiii" typeface="Microsoft Yi Baiti"/>
+        <a:font script="Tibt" typeface="Microsoft Himalaya"/>
+        <a:font script="Thaa" typeface="MV Boli"/>
+        <a:font script="Deva" typeface="Mangal"/>
+        <a:font script="Telu" typeface="Gautami"/>
+        <a:font script="Taml" typeface="Latha"/>
+        <a:font script="Syrc" typeface="Estrangelo Edessa"/>
+        <a:font script="Orya" typeface="Kalinga"/>
+        <a:font script="Mlym" typeface="Kartika"/>
+        <a:font script="Laoo" typeface="DokChampa"/>
+        <a:font script="Sinh" typeface="Iskoola Pota"/>
+        <a:font script="Mong" typeface="Mongolian Baiti"/>
+        <a:font script="Viet" typeface="Times New Roman"/>
+        <a:font script="Uigh" typeface="Microsoft Uighur"/>
+        <a:font script="Geor" typeface="Sylfaen"/>
+      </a:majorFont>
+      <a:minorFont>
+        <a:latin typeface="Arial"/>
+        <a:ea typeface=""/>
+        <a:cs typeface=""/>
+        <a:font script="Jpan" typeface="ＭＳ Ｐゴシック"/>
+        <a:font script="Hang" typeface="맑은 고딕"/>
+        <a:font script="Hans" typeface="宋体"/>
+        <a:font script="Hant" typeface="新細明體"/>
+        <a:font script="Arab" typeface="Arial"/>
+        <a:font script="Hebr" typeface="Arial"/>
+        <a:font script="Thai" typeface="Cordia New"/>
+        <a:font script="Ethi" typeface="Nyala"/>
+        <a:font script="Beng" typeface="Vrinda"/>
+        <a:font script="Gujr" typeface="Shruti"/>
+        <a:font script="Khmr" typeface="DaunPenh"/>
+        <a:font script="Knda" typeface="Tunga"/>
+        <a:font script="Guru" typeface="Raavi"/>
+        <a:font script="Cans" typeface="Euphemia"/>
+        <a:font script="Cher" typeface="Plantagenet Cherokee"/>
+        <a:font script="Yiii" typeface="Microsoft Yi Baiti"/>
+        <a:font script="Tibt" typeface="Microsoft Himalaya"/>
+        <a:font script="Thaa" typeface="MV Boli"/>
+        <a:font script="Deva" typeface="Mangal"/>
+        <a:font script="Telu" typeface="Gautami"/>
+        <a:font script="Taml" typeface="Latha"/>
+        <a:font script="Syrc" typeface="Estrangelo Edessa"/>
+        <a:font script="Orya" typeface="Kalinga"/>
+        <a:font script="Mlym" typeface="Kartika"/>
+        <a:font script="Laoo" typeface="DokChampa"/>
+        <a:font script="Sinh" typeface="Iskoola Pota"/>
+        <a:font script="Mong" typeface="Mongolian Baiti"/>
+        <a:font script="Viet" typeface="Arial"/>
+        <a:font script="Uigh" typeface="Microsoft Uighur"/>
+        <a:font script="Geor" typeface="Sylfaen"/>
+      </a:minorFont>
+    </a:fontScheme>
+    <a:fmtScheme name="Office">
+      <a:fillStyleLst>
+        <a:solidFill>
+          <a:schemeClr val="phClr"/>
+        </a:solidFill>
+        <a:gradFill rotWithShape="1">
+          <a:gsLst>
+            <a:gs pos="0">
+              <a:schemeClr val="phClr">
+                <a:tint val="50000"/>
+                <a:satMod val="300000"/>
+              </a:schemeClr>
+            </a:gs>
+            <a:gs pos="35000">
+              <a:schemeClr val="phClr">
+                <a:tint val="37000"/>
+                <a:satMod val="300000"/>
+              </a:schemeClr>
+            </a:gs>
+            <a:gs pos="100000">
+              <a:schemeClr val="phClr">
+                <a:tint val="15000"/>
+                <a:satMod val="350000"/>
+              </a:schemeClr>
+            </a:gs>
+          </a:gsLst>
+          <a:lin ang="16200000" scaled="1"/>
+        </a:gradFill>
+        <a:gradFill rotWithShape="1">
+          <a:gsLst>
+            <a:gs pos="0">
+              <a:schemeClr val="phClr">
+                <a:tint val="100000"/>
+                <a:shade val="100000"/>
+                <a:satMod val="130000"/>
+              </a:schemeClr>
+            </a:gs>
+            <a:gs pos="100000">
+              <a:schemeClr val="phClr">
+                <a:tint val="50000"/>
+                <a:shade val="100000"/>
+                <a:satMod val="350000"/>
+              </a:schemeClr>
+            </a:gs>
+          </a:gsLst>
+          <a:lin ang="16200000" scaled="0"/>
+        </a:gradFill>
+      </a:fillStyleLst>
+      <a:lnStyleLst>
+        <a:ln w="9525" cap="flat" cmpd="sng" algn="ctr">
+          <a:solidFill>
+            <a:schemeClr val="phClr">
+              <a:shade val="95000"/>
+              <a:satMod val="105000"/>
+            </a:schemeClr>
+          </a:solidFill>
+          <a:prstDash val="solid"/>
+        </a:ln>
+        <a:ln w="25400" cap="flat" cmpd="sng" algn="ctr">
+          <a:solidFill>
+            <a:schemeClr val="phClr"/>
+          </a:solidFill>
+          <a:prstDash val="solid"/>
+        </a:ln>
+        <a:ln w="38100" cap="flat" cmpd="sng" algn="ctr">
+          <a:solidFill>
+            <a:schemeClr val="phClr"/>
+          </a:solidFill>
+          <a:prstDash val="solid"/>
+        </a:ln>
+      </a:lnStyleLst>
+      <a:effectStyleLst>
+        <a:effectStyle>
+          <a:effectLst>
+            <a:outerShdw blurRad="40000" dist="20000" dir="5400000" rotWithShape="0">
+              <a:srgbClr val="000000">
+                <a:alpha val="38000"/>
+              </a:srgbClr>
+            </a:outerShdw>
+          </a:effectLst>
+        </a:effectStyle>
+        <a:effectStyle>
+          <a:effectLst>
+            <a:outerShdw blurRad="40000" dist="23000" dir="5400000" rotWithShape="0">
+              <a:srgbClr val="000000">
+                <a:alpha val="35000"/>
+              </a:srgbClr>
+            </a:outerShdw>
+          </a:effectLst>
+        </a:effectStyle>
+        <a:effectStyle>
+          <a:effectLst>
+            <a:outerShdw blurRad="40000" dist="23000" dir="5400000" rotWithShape="0">
+              <a:srgbClr val="000000">
+                <a:alpha val="35000"/>
+              </a:srgbClr>
+            </a:outerShdw>
+          </a:effectLst>
+          <a:scene3d>
+            <a:camera prst="orthographicFront">
+              <a:rot lat="0" lon="0" rev="0"/>
+            </a:camera>
+            <a:lightRig rig="threePt" dir="t">
+              <a:rot lat="0" lon="0" rev="1200000"/>
+            </a:lightRig>
+          </a:scene3d>
+          <a:sp3d>
+            <a:bevelT w="63500" h="25400"/>
+          </a:sp3d>
+        </a:effectStyle>
+      </a:effectStyleLst>
+      <a:bgFillStyleLst>
+        <a:solidFill>
+          <a:schemeClr val="phClr"/>
+        </a:solidFill>
+        <a:gradFill rotWithShape="1">
+          <a:gsLst>
+            <a:gs pos="0">
+              <a:schemeClr val="phClr">
+                <a:tint val="40000"/>
+                <a:satMod val="350000"/>
+              </a:schemeClr>
+            </a:gs>
+            <a:gs pos="40000">
+              <a:schemeClr val="phClr">
+                <a:tint val="45000"/>
+                <a:shade val="99000"/>
+                <a:satMod val="350000"/>
+              </a:schemeClr>
+            </a:gs>
+            <a:gs pos="100000">
+              <a:schemeClr val="phClr">
+                <a:shade val="20000"/>
+                <a:satMod val="255000"/>
+              </a:schemeClr>
+            </a:gs>
+          </a:gsLst>
+          <a:path path="circle">
+            <a:fillToRect l="50000" t="-80000" r="50000" b="180000"/>
+          </a:path>
+        </a:gradFill>
+        <a:gradFill rotWithShape="1">
+          <a:gsLst>
+            <a:gs pos="0">
+              <a:schemeClr val="phClr">
+                <a:tint val="80000"/>
+                <a:satMod val="300000"/>
+              </a:schemeClr>
+            </a:gs>
+            <a:gs pos="100000">
+              <a:schemeClr val="phClr">
+                <a:shade val="30000"/>
+                <a:satMod val="200000"/>
+              </a:schemeClr>
+            </a:gs>
+          </a:gsLst>
+          <a:path path="circle">
+            <a:fillToRect l="50000" t="50000" r="50000" b="50000"/>
+          </a:path>
+        </a:gradFill>
+      </a:bgFillStyleLst>
+    </a:fmtScheme>
+  </a:themeElements>
+  <a:objectDefaults/>
+  <a:extraClrSchemeLst/>
+</a:theme>
+</file>
+
+<file path=ppt/theme/theme2.xml><?xml version="1.0" encoding="utf-8"?>
+<a:theme xmlns:a="http://schemas.openxmlformats.org/drawingml/2006/main">
   <a:themeElements>
     <a:clrScheme name="Default">
       <a:dk1>
@@ -8394,284 +8945,7 @@
       </a:bgFillStyleLst>
     </a:fmtScheme>
   </a:themeElements>
-</a:theme>
-</file>
-
-<file path=ppt/theme/theme2.xml><?xml version="1.0" encoding="utf-8"?>
-<a:theme xmlns:a="http://schemas.openxmlformats.org/drawingml/2006/main" xmlns:r="http://schemas.openxmlformats.org/officeDocument/2006/relationships" name="Simple Light">
-  <a:themeElements>
-    <a:clrScheme name="Simple Light">
-      <a:dk1>
-        <a:srgbClr val="000000"/>
-      </a:dk1>
-      <a:lt1>
-        <a:srgbClr val="FFFFFF"/>
-      </a:lt1>
-      <a:dk2>
-        <a:srgbClr val="595959"/>
-      </a:dk2>
-      <a:lt2>
-        <a:srgbClr val="EEEEEE"/>
-      </a:lt2>
-      <a:accent1>
-        <a:srgbClr val="4285F4"/>
-      </a:accent1>
-      <a:accent2>
-        <a:srgbClr val="212121"/>
-      </a:accent2>
-      <a:accent3>
-        <a:srgbClr val="78909C"/>
-      </a:accent3>
-      <a:accent4>
-        <a:srgbClr val="FFAB40"/>
-      </a:accent4>
-      <a:accent5>
-        <a:srgbClr val="0097A7"/>
-      </a:accent5>
-      <a:accent6>
-        <a:srgbClr val="EEFF41"/>
-      </a:accent6>
-      <a:hlink>
-        <a:srgbClr val="0097A7"/>
-      </a:hlink>
-      <a:folHlink>
-        <a:srgbClr val="0097A7"/>
-      </a:folHlink>
-    </a:clrScheme>
-    <a:fontScheme name="Office">
-      <a:majorFont>
-        <a:latin typeface="Arial"/>
-        <a:ea typeface=""/>
-        <a:cs typeface=""/>
-        <a:font script="Jpan" typeface="ＭＳ Ｐゴシック"/>
-        <a:font script="Hang" typeface="맑은 고딕"/>
-        <a:font script="Hans" typeface="宋体"/>
-        <a:font script="Hant" typeface="新細明體"/>
-        <a:font script="Arab" typeface="Times New Roman"/>
-        <a:font script="Hebr" typeface="Times New Roman"/>
-        <a:font script="Thai" typeface="Angsana New"/>
-        <a:font script="Ethi" typeface="Nyala"/>
-        <a:font script="Beng" typeface="Vrinda"/>
-        <a:font script="Gujr" typeface="Shruti"/>
-        <a:font script="Khmr" typeface="MoolBoran"/>
-        <a:font script="Knda" typeface="Tunga"/>
-        <a:font script="Guru" typeface="Raavi"/>
-        <a:font script="Cans" typeface="Euphemia"/>
-        <a:font script="Cher" typeface="Plantagenet Cherokee"/>
-        <a:font script="Yiii" typeface="Microsoft Yi Baiti"/>
-        <a:font script="Tibt" typeface="Microsoft Himalaya"/>
-        <a:font script="Thaa" typeface="MV Boli"/>
-        <a:font script="Deva" typeface="Mangal"/>
-        <a:font script="Telu" typeface="Gautami"/>
-        <a:font script="Taml" typeface="Latha"/>
-        <a:font script="Syrc" typeface="Estrangelo Edessa"/>
-        <a:font script="Orya" typeface="Kalinga"/>
-        <a:font script="Mlym" typeface="Kartika"/>
-        <a:font script="Laoo" typeface="DokChampa"/>
-        <a:font script="Sinh" typeface="Iskoola Pota"/>
-        <a:font script="Mong" typeface="Mongolian Baiti"/>
-        <a:font script="Viet" typeface="Times New Roman"/>
-        <a:font script="Uigh" typeface="Microsoft Uighur"/>
-        <a:font script="Geor" typeface="Sylfaen"/>
-      </a:majorFont>
-      <a:minorFont>
-        <a:latin typeface="Arial"/>
-        <a:ea typeface=""/>
-        <a:cs typeface=""/>
-        <a:font script="Jpan" typeface="ＭＳ Ｐゴシック"/>
-        <a:font script="Hang" typeface="맑은 고딕"/>
-        <a:font script="Hans" typeface="宋体"/>
-        <a:font script="Hant" typeface="新細明體"/>
-        <a:font script="Arab" typeface="Arial"/>
-        <a:font script="Hebr" typeface="Arial"/>
-        <a:font script="Thai" typeface="Cordia New"/>
-        <a:font script="Ethi" typeface="Nyala"/>
-        <a:font script="Beng" typeface="Vrinda"/>
-        <a:font script="Gujr" typeface="Shruti"/>
-        <a:font script="Khmr" typeface="DaunPenh"/>
-        <a:font script="Knda" typeface="Tunga"/>
-        <a:font script="Guru" typeface="Raavi"/>
-        <a:font script="Cans" typeface="Euphemia"/>
-        <a:font script="Cher" typeface="Plantagenet Cherokee"/>
-        <a:font script="Yiii" typeface="Microsoft Yi Baiti"/>
-        <a:font script="Tibt" typeface="Microsoft Himalaya"/>
-        <a:font script="Thaa" typeface="MV Boli"/>
-        <a:font script="Deva" typeface="Mangal"/>
-        <a:font script="Telu" typeface="Gautami"/>
-        <a:font script="Taml" typeface="Latha"/>
-        <a:font script="Syrc" typeface="Estrangelo Edessa"/>
-        <a:font script="Orya" typeface="Kalinga"/>
-        <a:font script="Mlym" typeface="Kartika"/>
-        <a:font script="Laoo" typeface="DokChampa"/>
-        <a:font script="Sinh" typeface="Iskoola Pota"/>
-        <a:font script="Mong" typeface="Mongolian Baiti"/>
-        <a:font script="Viet" typeface="Arial"/>
-        <a:font script="Uigh" typeface="Microsoft Uighur"/>
-        <a:font script="Geor" typeface="Sylfaen"/>
-      </a:minorFont>
-    </a:fontScheme>
-    <a:fmtScheme name="Office">
-      <a:fillStyleLst>
-        <a:solidFill>
-          <a:schemeClr val="phClr"/>
-        </a:solidFill>
-        <a:gradFill rotWithShape="1">
-          <a:gsLst>
-            <a:gs pos="0">
-              <a:schemeClr val="phClr">
-                <a:tint val="50000"/>
-                <a:satMod val="300000"/>
-              </a:schemeClr>
-            </a:gs>
-            <a:gs pos="35000">
-              <a:schemeClr val="phClr">
-                <a:tint val="37000"/>
-                <a:satMod val="300000"/>
-              </a:schemeClr>
-            </a:gs>
-            <a:gs pos="100000">
-              <a:schemeClr val="phClr">
-                <a:tint val="15000"/>
-                <a:satMod val="350000"/>
-              </a:schemeClr>
-            </a:gs>
-          </a:gsLst>
-          <a:lin ang="16200000" scaled="1"/>
-        </a:gradFill>
-        <a:gradFill rotWithShape="1">
-          <a:gsLst>
-            <a:gs pos="0">
-              <a:schemeClr val="phClr">
-                <a:tint val="100000"/>
-                <a:shade val="100000"/>
-                <a:satMod val="130000"/>
-              </a:schemeClr>
-            </a:gs>
-            <a:gs pos="100000">
-              <a:schemeClr val="phClr">
-                <a:tint val="50000"/>
-                <a:shade val="100000"/>
-                <a:satMod val="350000"/>
-              </a:schemeClr>
-            </a:gs>
-          </a:gsLst>
-          <a:lin ang="16200000" scaled="0"/>
-        </a:gradFill>
-      </a:fillStyleLst>
-      <a:lnStyleLst>
-        <a:ln w="9525" cap="flat" cmpd="sng" algn="ctr">
-          <a:solidFill>
-            <a:schemeClr val="phClr">
-              <a:shade val="95000"/>
-              <a:satMod val="105000"/>
-            </a:schemeClr>
-          </a:solidFill>
-          <a:prstDash val="solid"/>
-        </a:ln>
-        <a:ln w="25400" cap="flat" cmpd="sng" algn="ctr">
-          <a:solidFill>
-            <a:schemeClr val="phClr"/>
-          </a:solidFill>
-          <a:prstDash val="solid"/>
-        </a:ln>
-        <a:ln w="38100" cap="flat" cmpd="sng" algn="ctr">
-          <a:solidFill>
-            <a:schemeClr val="phClr"/>
-          </a:solidFill>
-          <a:prstDash val="solid"/>
-        </a:ln>
-      </a:lnStyleLst>
-      <a:effectStyleLst>
-        <a:effectStyle>
-          <a:effectLst>
-            <a:outerShdw blurRad="40000" dist="20000" dir="5400000" rotWithShape="0">
-              <a:srgbClr val="000000">
-                <a:alpha val="38000"/>
-              </a:srgbClr>
-            </a:outerShdw>
-          </a:effectLst>
-        </a:effectStyle>
-        <a:effectStyle>
-          <a:effectLst>
-            <a:outerShdw blurRad="40000" dist="23000" dir="5400000" rotWithShape="0">
-              <a:srgbClr val="000000">
-                <a:alpha val="35000"/>
-              </a:srgbClr>
-            </a:outerShdw>
-          </a:effectLst>
-        </a:effectStyle>
-        <a:effectStyle>
-          <a:effectLst>
-            <a:outerShdw blurRad="40000" dist="23000" dir="5400000" rotWithShape="0">
-              <a:srgbClr val="000000">
-                <a:alpha val="35000"/>
-              </a:srgbClr>
-            </a:outerShdw>
-          </a:effectLst>
-          <a:scene3d>
-            <a:camera prst="orthographicFront">
-              <a:rot lat="0" lon="0" rev="0"/>
-            </a:camera>
-            <a:lightRig rig="threePt" dir="t">
-              <a:rot lat="0" lon="0" rev="1200000"/>
-            </a:lightRig>
-          </a:scene3d>
-          <a:sp3d>
-            <a:bevelT w="63500" h="25400"/>
-          </a:sp3d>
-        </a:effectStyle>
-      </a:effectStyleLst>
-      <a:bgFillStyleLst>
-        <a:solidFill>
-          <a:schemeClr val="phClr"/>
-        </a:solidFill>
-        <a:gradFill rotWithShape="1">
-          <a:gsLst>
-            <a:gs pos="0">
-              <a:schemeClr val="phClr">
-                <a:tint val="40000"/>
-                <a:satMod val="350000"/>
-              </a:schemeClr>
-            </a:gs>
-            <a:gs pos="40000">
-              <a:schemeClr val="phClr">
-                <a:tint val="45000"/>
-                <a:shade val="99000"/>
-                <a:satMod val="350000"/>
-              </a:schemeClr>
-            </a:gs>
-            <a:gs pos="100000">
-              <a:schemeClr val="phClr">
-                <a:shade val="20000"/>
-                <a:satMod val="255000"/>
-              </a:schemeClr>
-            </a:gs>
-          </a:gsLst>
-          <a:path path="circle">
-            <a:fillToRect l="50000" t="-80000" r="50000" b="180000"/>
-          </a:path>
-        </a:gradFill>
-        <a:gradFill rotWithShape="1">
-          <a:gsLst>
-            <a:gs pos="0">
-              <a:schemeClr val="phClr">
-                <a:tint val="80000"/>
-                <a:satMod val="300000"/>
-              </a:schemeClr>
-            </a:gs>
-            <a:gs pos="100000">
-              <a:schemeClr val="phClr">
-                <a:shade val="30000"/>
-                <a:satMod val="200000"/>
-              </a:schemeClr>
-            </a:gs>
-          </a:gsLst>
-          <a:path path="circle">
-            <a:fillToRect l="50000" t="50000" r="50000" b="50000"/>
-          </a:path>
-        </a:gradFill>
-      </a:bgFillStyleLst>
-    </a:fmtScheme>
-  </a:themeElements>
+  <a:objectDefaults/>
+  <a:extraClrSchemeLst/>
 </a:theme>
 </file>